--- a/Slides/091420.pptx
+++ b/Slides/091420.pptx
@@ -5,57 +5,59 @@
     <p:sldMasterId id="2147483648" r:id="rId1"/>
   </p:sldMasterIdLst>
   <p:notesMasterIdLst>
-    <p:notesMasterId r:id="rId47"/>
+    <p:notesMasterId r:id="rId49"/>
   </p:notesMasterIdLst>
   <p:handoutMasterIdLst>
-    <p:handoutMasterId r:id="rId48"/>
+    <p:handoutMasterId r:id="rId50"/>
   </p:handoutMasterIdLst>
   <p:sldIdLst>
     <p:sldId id="258" r:id="rId2"/>
     <p:sldId id="487" r:id="rId3"/>
     <p:sldId id="513" r:id="rId4"/>
     <p:sldId id="518" r:id="rId5"/>
-    <p:sldId id="515" r:id="rId6"/>
+    <p:sldId id="622" r:id="rId6"/>
     <p:sldId id="517" r:id="rId7"/>
     <p:sldId id="516" r:id="rId8"/>
-    <p:sldId id="589" r:id="rId9"/>
-    <p:sldId id="588" r:id="rId10"/>
-    <p:sldId id="520" r:id="rId11"/>
-    <p:sldId id="596" r:id="rId12"/>
-    <p:sldId id="521" r:id="rId13"/>
-    <p:sldId id="522" r:id="rId14"/>
-    <p:sldId id="597" r:id="rId15"/>
-    <p:sldId id="523" r:id="rId16"/>
-    <p:sldId id="524" r:id="rId17"/>
-    <p:sldId id="592" r:id="rId18"/>
-    <p:sldId id="526" r:id="rId19"/>
-    <p:sldId id="527" r:id="rId20"/>
-    <p:sldId id="528" r:id="rId21"/>
-    <p:sldId id="529" r:id="rId22"/>
-    <p:sldId id="595" r:id="rId23"/>
-    <p:sldId id="503" r:id="rId24"/>
-    <p:sldId id="598" r:id="rId25"/>
-    <p:sldId id="599" r:id="rId26"/>
-    <p:sldId id="617" r:id="rId27"/>
-    <p:sldId id="618" r:id="rId28"/>
-    <p:sldId id="619" r:id="rId29"/>
-    <p:sldId id="602" r:id="rId30"/>
-    <p:sldId id="603" r:id="rId31"/>
-    <p:sldId id="604" r:id="rId32"/>
-    <p:sldId id="605" r:id="rId33"/>
-    <p:sldId id="606" r:id="rId34"/>
-    <p:sldId id="607" r:id="rId35"/>
-    <p:sldId id="608" r:id="rId36"/>
-    <p:sldId id="609" r:id="rId37"/>
-    <p:sldId id="610" r:id="rId38"/>
-    <p:sldId id="611" r:id="rId39"/>
-    <p:sldId id="612" r:id="rId40"/>
-    <p:sldId id="613" r:id="rId41"/>
-    <p:sldId id="620" r:id="rId42"/>
-    <p:sldId id="614" r:id="rId43"/>
-    <p:sldId id="615" r:id="rId44"/>
-    <p:sldId id="616" r:id="rId45"/>
-    <p:sldId id="594" r:id="rId46"/>
+    <p:sldId id="621" r:id="rId9"/>
+    <p:sldId id="589" r:id="rId10"/>
+    <p:sldId id="588" r:id="rId11"/>
+    <p:sldId id="520" r:id="rId12"/>
+    <p:sldId id="596" r:id="rId13"/>
+    <p:sldId id="521" r:id="rId14"/>
+    <p:sldId id="623" r:id="rId15"/>
+    <p:sldId id="522" r:id="rId16"/>
+    <p:sldId id="597" r:id="rId17"/>
+    <p:sldId id="523" r:id="rId18"/>
+    <p:sldId id="524" r:id="rId19"/>
+    <p:sldId id="592" r:id="rId20"/>
+    <p:sldId id="526" r:id="rId21"/>
+    <p:sldId id="527" r:id="rId22"/>
+    <p:sldId id="528" r:id="rId23"/>
+    <p:sldId id="529" r:id="rId24"/>
+    <p:sldId id="595" r:id="rId25"/>
+    <p:sldId id="503" r:id="rId26"/>
+    <p:sldId id="598" r:id="rId27"/>
+    <p:sldId id="599" r:id="rId28"/>
+    <p:sldId id="617" r:id="rId29"/>
+    <p:sldId id="618" r:id="rId30"/>
+    <p:sldId id="619" r:id="rId31"/>
+    <p:sldId id="602" r:id="rId32"/>
+    <p:sldId id="603" r:id="rId33"/>
+    <p:sldId id="604" r:id="rId34"/>
+    <p:sldId id="605" r:id="rId35"/>
+    <p:sldId id="606" r:id="rId36"/>
+    <p:sldId id="607" r:id="rId37"/>
+    <p:sldId id="608" r:id="rId38"/>
+    <p:sldId id="609" r:id="rId39"/>
+    <p:sldId id="610" r:id="rId40"/>
+    <p:sldId id="611" r:id="rId41"/>
+    <p:sldId id="612" r:id="rId42"/>
+    <p:sldId id="613" r:id="rId43"/>
+    <p:sldId id="620" r:id="rId44"/>
+    <p:sldId id="614" r:id="rId45"/>
+    <p:sldId id="615" r:id="rId46"/>
+    <p:sldId id="616" r:id="rId47"/>
+    <p:sldId id="594" r:id="rId48"/>
   </p:sldIdLst>
   <p:sldSz cx="9144000" cy="6858000" type="screen4x3"/>
   <p:notesSz cx="7315200" cy="9601200"/>
@@ -741,10 +743,10 @@
           </a:ln>
           <a:extLst>
             <a:ext uri="{FAA26D3D-D897-4be2-8F04-BA451C77F1D7}">
-              <ma14:placeholderFlag xmlns="" xmlns:ma14="http://schemas.microsoft.com/office/mac/drawingml/2011/main" val="1"/>
+              <ma14:placeholderFlag xmlns:ma14="http://schemas.microsoft.com/office/mac/drawingml/2011/main" xmlns="" val="1"/>
             </a:ext>
             <a:ext uri="{909E8E84-426E-40dd-AFC4-6F175D3DCCD1}">
-              <a14:hiddenFill xmlns="" xmlns:a14="http://schemas.microsoft.com/office/drawing/2010/main">
+              <a14:hiddenFill xmlns:a14="http://schemas.microsoft.com/office/drawing/2010/main" xmlns="">
                 <a:solidFill>
                   <a:srgbClr val="FFFFFF"/>
                 </a:solidFill>
@@ -919,14 +921,14 @@
           <a:ln/>
           <a:extLst>
             <a:ext uri="{909E8E84-426E-40dd-AFC4-6F175D3DCCD1}">
-              <a14:hiddenFill xmlns="" xmlns:a14="http://schemas.microsoft.com/office/drawing/2010/main">
+              <a14:hiddenFill xmlns:a14="http://schemas.microsoft.com/office/drawing/2010/main" xmlns="">
                 <a:solidFill>
                   <a:srgbClr val="FFFFFF"/>
                 </a:solidFill>
               </a14:hiddenFill>
             </a:ext>
             <a:ext uri="{91240B29-F687-4f45-9708-019B960494DF}">
-              <a14:hiddenLine xmlns="" xmlns:a14="http://schemas.microsoft.com/office/drawing/2010/main" w="9525">
+              <a14:hiddenLine xmlns:a14="http://schemas.microsoft.com/office/drawing/2010/main" xmlns="" w="9525">
                 <a:solidFill>
                   <a:srgbClr val="000000"/>
                 </a:solidFill>
@@ -1094,17 +1096,17 @@
           <a:ln/>
           <a:extLst>
             <a:ext uri="{FAA26D3D-D897-4be2-8F04-BA451C77F1D7}">
-              <ma14:placeholderFlag xmlns="" xmlns:ma14="http://schemas.microsoft.com/office/mac/drawingml/2011/main" val="1"/>
+              <ma14:placeholderFlag xmlns:ma14="http://schemas.microsoft.com/office/mac/drawingml/2011/main" xmlns="" val="1"/>
             </a:ext>
             <a:ext uri="{909E8E84-426E-40dd-AFC4-6F175D3DCCD1}">
-              <a14:hiddenFill xmlns="" xmlns:a14="http://schemas.microsoft.com/office/drawing/2010/main">
+              <a14:hiddenFill xmlns:a14="http://schemas.microsoft.com/office/drawing/2010/main" xmlns="">
                 <a:solidFill>
                   <a:srgbClr val="FFFFFF"/>
                 </a:solidFill>
               </a14:hiddenFill>
             </a:ext>
             <a:ext uri="{91240B29-F687-4f45-9708-019B960494DF}">
-              <a14:hiddenLine xmlns="" xmlns:a14="http://schemas.microsoft.com/office/drawing/2010/main" w="9525">
+              <a14:hiddenLine xmlns:a14="http://schemas.microsoft.com/office/drawing/2010/main" xmlns="" w="9525">
                 <a:solidFill>
                   <a:srgbClr val="000000"/>
                 </a:solidFill>
@@ -1171,14 +1173,14 @@
           <a:ln/>
           <a:extLst>
             <a:ext uri="{909E8E84-426E-40dd-AFC4-6F175D3DCCD1}">
-              <a14:hiddenFill xmlns="" xmlns:a14="http://schemas.microsoft.com/office/drawing/2010/main">
+              <a14:hiddenFill xmlns:a14="http://schemas.microsoft.com/office/drawing/2010/main" xmlns="">
                 <a:solidFill>
                   <a:srgbClr val="FFFFFF"/>
                 </a:solidFill>
               </a14:hiddenFill>
             </a:ext>
             <a:ext uri="{91240B29-F687-4f45-9708-019B960494DF}">
-              <a14:hiddenLine xmlns="" xmlns:a14="http://schemas.microsoft.com/office/drawing/2010/main" w="9525">
+              <a14:hiddenLine xmlns:a14="http://schemas.microsoft.com/office/drawing/2010/main" xmlns="" w="9525">
                 <a:solidFill>
                   <a:srgbClr val="000000"/>
                 </a:solidFill>
@@ -1314,7 +1316,7 @@
                 <a:latin typeface="Times New Roman" charset="0"/>
               </a:rPr>
               <a:pPr eaLnBrk="1" hangingPunct="1"/>
-              <a:t>21</a:t>
+              <a:t>23</a:t>
             </a:fld>
             <a:endParaRPr lang="en-US" sz="1300" b="0">
               <a:latin typeface="Times New Roman" charset="0"/>
@@ -1360,7 +1362,7 @@
           </a:ln>
           <a:extLst>
             <a:ext uri="{FAA26D3D-D897-4be2-8F04-BA451C77F1D7}">
-              <ma14:placeholderFlag xmlns="" xmlns:ma14="http://schemas.microsoft.com/office/mac/drawingml/2011/main" val="1"/>
+              <ma14:placeholderFlag xmlns:ma14="http://schemas.microsoft.com/office/mac/drawingml/2011/main" xmlns="" val="1"/>
             </a:ext>
           </a:extLst>
         </p:spPr>
@@ -1443,7 +1445,7 @@
           </a:ln>
           <a:extLst>
             <a:ext uri="{FAA26D3D-D897-4be2-8F04-BA451C77F1D7}">
-              <ma14:placeholderFlag xmlns="" xmlns:ma14="http://schemas.microsoft.com/office/mac/drawingml/2011/main" val="1"/>
+              <ma14:placeholderFlag xmlns:ma14="http://schemas.microsoft.com/office/mac/drawingml/2011/main" xmlns="" val="1"/>
             </a:ext>
           </a:extLst>
         </p:spPr>
@@ -1526,7 +1528,7 @@
           </a:ln>
           <a:extLst>
             <a:ext uri="{FAA26D3D-D897-4be2-8F04-BA451C77F1D7}">
-              <ma14:placeholderFlag xmlns="" xmlns:ma14="http://schemas.microsoft.com/office/mac/drawingml/2011/main" val="1"/>
+              <ma14:placeholderFlag xmlns:ma14="http://schemas.microsoft.com/office/mac/drawingml/2011/main" xmlns="" val="1"/>
             </a:ext>
           </a:extLst>
         </p:spPr>
@@ -1605,14 +1607,14 @@
           <a:ln/>
           <a:extLst>
             <a:ext uri="{909E8E84-426E-40dd-AFC4-6F175D3DCCD1}">
-              <a14:hiddenFill xmlns="" xmlns:a14="http://schemas.microsoft.com/office/drawing/2010/main">
+              <a14:hiddenFill xmlns:a14="http://schemas.microsoft.com/office/drawing/2010/main" xmlns="">
                 <a:solidFill>
                   <a:srgbClr val="FFFFFF"/>
                 </a:solidFill>
               </a14:hiddenFill>
             </a:ext>
             <a:ext uri="{91240B29-F687-4f45-9708-019B960494DF}">
-              <a14:hiddenLine xmlns="" xmlns:a14="http://schemas.microsoft.com/office/drawing/2010/main" w="9525">
+              <a14:hiddenLine xmlns:a14="http://schemas.microsoft.com/office/drawing/2010/main" xmlns="" w="9525">
                 <a:solidFill>
                   <a:srgbClr val="000000"/>
                 </a:solidFill>
@@ -1748,7 +1750,7 @@
                 <a:latin typeface="Times New Roman" charset="0"/>
               </a:rPr>
               <a:pPr eaLnBrk="1" hangingPunct="1"/>
-              <a:t>38</a:t>
+              <a:t>40</a:t>
             </a:fld>
             <a:endParaRPr lang="en-US" sz="1300" b="0">
               <a:latin typeface="Times New Roman" charset="0"/>
@@ -1794,7 +1796,7 @@
           </a:ln>
           <a:extLst>
             <a:ext uri="{FAA26D3D-D897-4be2-8F04-BA451C77F1D7}">
-              <ma14:placeholderFlag xmlns="" xmlns:ma14="http://schemas.microsoft.com/office/mac/drawingml/2011/main" val="1"/>
+              <ma14:placeholderFlag xmlns:ma14="http://schemas.microsoft.com/office/mac/drawingml/2011/main" xmlns="" val="1"/>
             </a:ext>
           </a:extLst>
         </p:spPr>
@@ -1854,14 +1856,14 @@
           <a:ln/>
           <a:extLst>
             <a:ext uri="{909E8E84-426E-40dd-AFC4-6F175D3DCCD1}">
-              <a14:hiddenFill xmlns="" xmlns:a14="http://schemas.microsoft.com/office/drawing/2010/main">
+              <a14:hiddenFill xmlns:a14="http://schemas.microsoft.com/office/drawing/2010/main" xmlns="">
                 <a:solidFill>
                   <a:srgbClr val="FFFFFF"/>
                 </a:solidFill>
               </a14:hiddenFill>
             </a:ext>
             <a:ext uri="{91240B29-F687-4f45-9708-019B960494DF}">
-              <a14:hiddenLine xmlns="" xmlns:a14="http://schemas.microsoft.com/office/drawing/2010/main" w="9525">
+              <a14:hiddenLine xmlns:a14="http://schemas.microsoft.com/office/drawing/2010/main" xmlns="" w="9525">
                 <a:solidFill>
                   <a:srgbClr val="000000"/>
                 </a:solidFill>
@@ -1997,7 +1999,7 @@
                 <a:latin typeface="Times New Roman" charset="0"/>
               </a:rPr>
               <a:pPr eaLnBrk="1" hangingPunct="1"/>
-              <a:t>40</a:t>
+              <a:t>42</a:t>
             </a:fld>
             <a:endParaRPr lang="en-US" sz="1300" b="0">
               <a:latin typeface="Times New Roman" charset="0"/>
@@ -2043,7 +2045,7 @@
           </a:ln>
           <a:extLst>
             <a:ext uri="{FAA26D3D-D897-4be2-8F04-BA451C77F1D7}">
-              <ma14:placeholderFlag xmlns="" xmlns:ma14="http://schemas.microsoft.com/office/mac/drawingml/2011/main" val="1"/>
+              <ma14:placeholderFlag xmlns:ma14="http://schemas.microsoft.com/office/mac/drawingml/2011/main" xmlns="" val="1"/>
             </a:ext>
           </a:extLst>
         </p:spPr>
@@ -2103,14 +2105,14 @@
           <a:ln/>
           <a:extLst>
             <a:ext uri="{909E8E84-426E-40dd-AFC4-6F175D3DCCD1}">
-              <a14:hiddenFill xmlns="" xmlns:a14="http://schemas.microsoft.com/office/drawing/2010/main">
+              <a14:hiddenFill xmlns:a14="http://schemas.microsoft.com/office/drawing/2010/main" xmlns="">
                 <a:solidFill>
                   <a:srgbClr val="FFFFFF"/>
                 </a:solidFill>
               </a14:hiddenFill>
             </a:ext>
             <a:ext uri="{91240B29-F687-4f45-9708-019B960494DF}">
-              <a14:hiddenLine xmlns="" xmlns:a14="http://schemas.microsoft.com/office/drawing/2010/main" w="9525">
+              <a14:hiddenLine xmlns:a14="http://schemas.microsoft.com/office/drawing/2010/main" xmlns="" w="9525">
                 <a:solidFill>
                   <a:srgbClr val="000000"/>
                 </a:solidFill>
@@ -2246,7 +2248,7 @@
                 <a:latin typeface="Times New Roman" charset="0"/>
               </a:rPr>
               <a:pPr eaLnBrk="1" hangingPunct="1"/>
-              <a:t>42</a:t>
+              <a:t>44</a:t>
             </a:fld>
             <a:endParaRPr lang="en-US" sz="1300" b="0">
               <a:latin typeface="Times New Roman" charset="0"/>
@@ -2292,7 +2294,7 @@
           </a:ln>
           <a:extLst>
             <a:ext uri="{FAA26D3D-D897-4be2-8F04-BA451C77F1D7}">
-              <ma14:placeholderFlag xmlns="" xmlns:ma14="http://schemas.microsoft.com/office/mac/drawingml/2011/main" val="1"/>
+              <ma14:placeholderFlag xmlns:ma14="http://schemas.microsoft.com/office/mac/drawingml/2011/main" xmlns="" val="1"/>
             </a:ext>
           </a:extLst>
         </p:spPr>
@@ -2352,14 +2354,14 @@
           <a:ln/>
           <a:extLst>
             <a:ext uri="{909E8E84-426E-40dd-AFC4-6F175D3DCCD1}">
-              <a14:hiddenFill xmlns="" xmlns:a14="http://schemas.microsoft.com/office/drawing/2010/main">
+              <a14:hiddenFill xmlns:a14="http://schemas.microsoft.com/office/drawing/2010/main" xmlns="">
                 <a:solidFill>
                   <a:srgbClr val="FFFFFF"/>
                 </a:solidFill>
               </a14:hiddenFill>
             </a:ext>
             <a:ext uri="{91240B29-F687-4f45-9708-019B960494DF}">
-              <a14:hiddenLine xmlns="" xmlns:a14="http://schemas.microsoft.com/office/drawing/2010/main" w="9525">
+              <a14:hiddenLine xmlns:a14="http://schemas.microsoft.com/office/drawing/2010/main" xmlns="" w="9525">
                 <a:solidFill>
                   <a:srgbClr val="000000"/>
                 </a:solidFill>
@@ -2495,7 +2497,7 @@
                 <a:latin typeface="Times New Roman" charset="0"/>
               </a:rPr>
               <a:pPr eaLnBrk="1" hangingPunct="1"/>
-              <a:t>44</a:t>
+              <a:t>46</a:t>
             </a:fld>
             <a:endParaRPr lang="en-US" sz="1300" b="0">
               <a:latin typeface="Times New Roman" charset="0"/>
@@ -2541,7 +2543,7 @@
           </a:ln>
           <a:extLst>
             <a:ext uri="{FAA26D3D-D897-4be2-8F04-BA451C77F1D7}">
-              <ma14:placeholderFlag xmlns="" xmlns:ma14="http://schemas.microsoft.com/office/mac/drawingml/2011/main" val="1"/>
+              <ma14:placeholderFlag xmlns:ma14="http://schemas.microsoft.com/office/mac/drawingml/2011/main" xmlns="" val="1"/>
             </a:ext>
           </a:extLst>
         </p:spPr>
@@ -2635,7 +2637,7 @@
             <a:fld id="{C7E9A20B-E167-2E4E-BE18-AA9F5BF5FBB1}" type="slidenum">
               <a:rPr lang="en-US" smtClean="0"/>
               <a:pPr/>
-              <a:t>45</a:t>
+              <a:t>47</a:t>
             </a:fld>
             <a:endParaRPr lang="en-US"/>
           </a:p>
@@ -2870,14 +2872,14 @@
           <a:ln/>
           <a:extLst>
             <a:ext uri="{909E8E84-426E-40dd-AFC4-6F175D3DCCD1}">
-              <a14:hiddenFill xmlns="" xmlns:a14="http://schemas.microsoft.com/office/drawing/2010/main">
+              <a14:hiddenFill xmlns:a14="http://schemas.microsoft.com/office/drawing/2010/main" xmlns="">
                 <a:solidFill>
                   <a:srgbClr val="FFFFFF"/>
                 </a:solidFill>
               </a14:hiddenFill>
             </a:ext>
             <a:ext uri="{91240B29-F687-4f45-9708-019B960494DF}">
-              <a14:hiddenLine xmlns="" xmlns:a14="http://schemas.microsoft.com/office/drawing/2010/main" w="9525">
+              <a14:hiddenLine xmlns:a14="http://schemas.microsoft.com/office/drawing/2010/main" xmlns="" w="9525">
                 <a:solidFill>
                   <a:srgbClr val="000000"/>
                 </a:solidFill>
@@ -2919,7 +2921,7 @@
     </p:spTree>
     <p:extLst>
       <p:ext uri="{BB962C8B-B14F-4D97-AF65-F5344CB8AC3E}">
-        <p14:creationId xmlns:p14="http://schemas.microsoft.com/office/powerpoint/2010/main" val="282126660"/>
+        <p14:creationId xmlns:p14="http://schemas.microsoft.com/office/powerpoint/2010/main" val="1570659550"/>
       </p:ext>
     </p:extLst>
   </p:cSld>
@@ -2975,17 +2977,17 @@
           <a:ln/>
           <a:extLst>
             <a:ext uri="{FAA26D3D-D897-4be2-8F04-BA451C77F1D7}">
-              <ma14:placeholderFlag xmlns="" xmlns:ma14="http://schemas.microsoft.com/office/mac/drawingml/2011/main" val="1"/>
+              <ma14:placeholderFlag xmlns:ma14="http://schemas.microsoft.com/office/mac/drawingml/2011/main" xmlns="" val="1"/>
             </a:ext>
             <a:ext uri="{909E8E84-426E-40dd-AFC4-6F175D3DCCD1}">
-              <a14:hiddenFill xmlns="" xmlns:a14="http://schemas.microsoft.com/office/drawing/2010/main">
+              <a14:hiddenFill xmlns:a14="http://schemas.microsoft.com/office/drawing/2010/main" xmlns="">
                 <a:solidFill>
                   <a:srgbClr val="FFFFFF"/>
                 </a:solidFill>
               </a14:hiddenFill>
             </a:ext>
             <a:ext uri="{91240B29-F687-4f45-9708-019B960494DF}">
-              <a14:hiddenLine xmlns="" xmlns:a14="http://schemas.microsoft.com/office/drawing/2010/main" w="9525">
+              <a14:hiddenLine xmlns:a14="http://schemas.microsoft.com/office/drawing/2010/main" xmlns="" w="9525">
                 <a:solidFill>
                   <a:srgbClr val="000000"/>
                 </a:solidFill>
@@ -3066,17 +3068,17 @@
           <a:ln/>
           <a:extLst>
             <a:ext uri="{FAA26D3D-D897-4be2-8F04-BA451C77F1D7}">
-              <ma14:placeholderFlag xmlns="" xmlns:ma14="http://schemas.microsoft.com/office/mac/drawingml/2011/main" val="1"/>
+              <ma14:placeholderFlag xmlns:ma14="http://schemas.microsoft.com/office/mac/drawingml/2011/main" xmlns="" val="1"/>
             </a:ext>
             <a:ext uri="{909E8E84-426E-40dd-AFC4-6F175D3DCCD1}">
-              <a14:hiddenFill xmlns="" xmlns:a14="http://schemas.microsoft.com/office/drawing/2010/main">
+              <a14:hiddenFill xmlns:a14="http://schemas.microsoft.com/office/drawing/2010/main" xmlns="">
                 <a:solidFill>
                   <a:srgbClr val="FFFFFF"/>
                 </a:solidFill>
               </a14:hiddenFill>
             </a:ext>
             <a:ext uri="{91240B29-F687-4f45-9708-019B960494DF}">
-              <a14:hiddenLine xmlns="" xmlns:a14="http://schemas.microsoft.com/office/drawing/2010/main" w="9525">
+              <a14:hiddenLine xmlns:a14="http://schemas.microsoft.com/office/drawing/2010/main" xmlns="" w="9525">
                 <a:solidFill>
                   <a:srgbClr val="000000"/>
                 </a:solidFill>
@@ -3207,7 +3209,7 @@
             <a:fld id="{C7E9A20B-E167-2E4E-BE18-AA9F5BF5FBB1}" type="slidenum">
               <a:rPr lang="en-US" smtClean="0"/>
               <a:pPr/>
-              <a:t>17</a:t>
+              <a:t>19</a:t>
             </a:fld>
             <a:endParaRPr lang="en-US"/>
           </a:p>
@@ -3258,14 +3260,14 @@
           <a:ln/>
           <a:extLst>
             <a:ext uri="{909E8E84-426E-40dd-AFC4-6F175D3DCCD1}">
-              <a14:hiddenFill xmlns="" xmlns:a14="http://schemas.microsoft.com/office/drawing/2010/main">
+              <a14:hiddenFill xmlns:a14="http://schemas.microsoft.com/office/drawing/2010/main" xmlns="">
                 <a:solidFill>
                   <a:srgbClr val="FFFFFF"/>
                 </a:solidFill>
               </a14:hiddenFill>
             </a:ext>
             <a:ext uri="{91240B29-F687-4f45-9708-019B960494DF}">
-              <a14:hiddenLine xmlns="" xmlns:a14="http://schemas.microsoft.com/office/drawing/2010/main" w="9525">
+              <a14:hiddenLine xmlns:a14="http://schemas.microsoft.com/office/drawing/2010/main" xmlns="" w="9525">
                 <a:solidFill>
                   <a:srgbClr val="000000"/>
                 </a:solidFill>
@@ -3401,7 +3403,7 @@
                 <a:latin typeface="Times New Roman" charset="0"/>
               </a:rPr>
               <a:pPr eaLnBrk="1" hangingPunct="1"/>
-              <a:t>18</a:t>
+              <a:t>20</a:t>
             </a:fld>
             <a:endParaRPr lang="en-US" sz="1300" b="0">
               <a:latin typeface="Times New Roman" charset="0"/>
@@ -3455,7 +3457,7 @@
           </a:ln>
           <a:extLst>
             <a:ext uri="{FAA26D3D-D897-4be2-8F04-BA451C77F1D7}">
-              <ma14:placeholderFlag xmlns="" xmlns:ma14="http://schemas.microsoft.com/office/mac/drawingml/2011/main" val="1"/>
+              <ma14:placeholderFlag xmlns:ma14="http://schemas.microsoft.com/office/mac/drawingml/2011/main" xmlns="" val="1"/>
             </a:ext>
           </a:extLst>
         </p:spPr>
@@ -3515,14 +3517,14 @@
           <a:ln/>
           <a:extLst>
             <a:ext uri="{909E8E84-426E-40dd-AFC4-6F175D3DCCD1}">
-              <a14:hiddenFill xmlns="" xmlns:a14="http://schemas.microsoft.com/office/drawing/2010/main">
+              <a14:hiddenFill xmlns:a14="http://schemas.microsoft.com/office/drawing/2010/main" xmlns="">
                 <a:solidFill>
                   <a:srgbClr val="FFFFFF"/>
                 </a:solidFill>
               </a14:hiddenFill>
             </a:ext>
             <a:ext uri="{91240B29-F687-4f45-9708-019B960494DF}">
-              <a14:hiddenLine xmlns="" xmlns:a14="http://schemas.microsoft.com/office/drawing/2010/main" w="9525">
+              <a14:hiddenLine xmlns:a14="http://schemas.microsoft.com/office/drawing/2010/main" xmlns="" w="9525">
                 <a:solidFill>
                   <a:srgbClr val="000000"/>
                 </a:solidFill>
@@ -3658,7 +3660,7 @@
                 <a:latin typeface="Times New Roman" charset="0"/>
               </a:rPr>
               <a:pPr eaLnBrk="1" hangingPunct="1"/>
-              <a:t>20</a:t>
+              <a:t>22</a:t>
             </a:fld>
             <a:endParaRPr lang="en-US" sz="1300" b="0">
               <a:latin typeface="Times New Roman" charset="0"/>
@@ -3704,7 +3706,7 @@
           </a:ln>
           <a:extLst>
             <a:ext uri="{FAA26D3D-D897-4be2-8F04-BA451C77F1D7}">
-              <ma14:placeholderFlag xmlns="" xmlns:ma14="http://schemas.microsoft.com/office/mac/drawingml/2011/main" val="1"/>
+              <ma14:placeholderFlag xmlns:ma14="http://schemas.microsoft.com/office/mac/drawingml/2011/main" xmlns="" val="1"/>
             </a:ext>
           </a:extLst>
         </p:spPr>
@@ -6453,17 +6455,17 @@
           </a:ln>
           <a:extLst>
             <a:ext uri="{FAA26D3D-D897-4be2-8F04-BA451C77F1D7}">
-              <ma14:placeholderFlag xmlns="" xmlns:ma14="http://schemas.microsoft.com/office/mac/drawingml/2011/main" val="1"/>
+              <ma14:placeholderFlag xmlns:ma14="http://schemas.microsoft.com/office/mac/drawingml/2011/main" xmlns="" val="1"/>
             </a:ext>
             <a:ext uri="{909E8E84-426E-40dd-AFC4-6F175D3DCCD1}">
-              <a14:hiddenFill xmlns="" xmlns:a14="http://schemas.microsoft.com/office/drawing/2010/main">
+              <a14:hiddenFill xmlns:a14="http://schemas.microsoft.com/office/drawing/2010/main" xmlns="">
                 <a:solidFill>
                   <a:srgbClr val="FFFFFF"/>
                 </a:solidFill>
               </a14:hiddenFill>
             </a:ext>
             <a:ext uri="{91240B29-F687-4f45-9708-019B960494DF}">
-              <a14:hiddenLine xmlns="" xmlns:a14="http://schemas.microsoft.com/office/drawing/2010/main" w="9525">
+              <a14:hiddenLine xmlns:a14="http://schemas.microsoft.com/office/drawing/2010/main" xmlns="" w="9525">
                 <a:solidFill>
                   <a:srgbClr val="000000"/>
                 </a:solidFill>
@@ -7409,9 +7411,9 @@
       </p:grpSpPr>
       <p:sp>
         <p:nvSpPr>
-          <p:cNvPr id="1622018" name="Rectangle 2"/>
+          <p:cNvPr id="7" name="Title 6"/>
           <p:cNvSpPr>
-            <a:spLocks noGrp="1" noChangeArrowheads="1"/>
+            <a:spLocks noGrp="1"/>
           </p:cNvSpPr>
           <p:nvPr>
             <p:ph type="title"/>
@@ -7424,19 +7426,19 @@
           <a:p>
             <a:r>
               <a:rPr lang="en-US" dirty="0"/>
-              <a:t>Internet names &amp; addresses</a:t>
-            </a:r>
-          </a:p>
-        </p:txBody>
-      </p:sp>
-      <p:sp>
-        <p:nvSpPr>
-          <p:cNvPr id="1622019" name="Rectangle 3"/>
+              <a:t>DNS: Domain name system</a:t>
+            </a:r>
+          </a:p>
+        </p:txBody>
+      </p:sp>
+      <p:sp>
+        <p:nvSpPr>
+          <p:cNvPr id="8" name="Text Placeholder 7"/>
           <p:cNvSpPr>
-            <a:spLocks noGrp="1" noChangeArrowheads="1"/>
+            <a:spLocks noGrp="1"/>
           </p:cNvSpPr>
           <p:nvPr>
-            <p:ph idx="1"/>
+            <p:ph type="body" idx="1"/>
           </p:nvPr>
         </p:nvSpPr>
         <p:spPr/>
@@ -7444,104 +7446,13 @@
           <a:bodyPr/>
           <a:lstStyle/>
           <a:p>
-            <a:r>
-              <a:rPr lang="en-US" dirty="0"/>
-              <a:t>Machine addresses: e.g., 141.212.113.143</a:t>
-            </a:r>
-          </a:p>
-          <a:p>
-            <a:pPr lvl="1"/>
-            <a:r>
-              <a:rPr lang="en-US" dirty="0"/>
-              <a:t>Router-usable labels for machines</a:t>
-            </a:r>
-          </a:p>
-          <a:p>
-            <a:pPr lvl="1"/>
-            <a:r>
-              <a:rPr lang="en-US" dirty="0"/>
-              <a:t>Conforms to network structure (the “</a:t>
-            </a:r>
-            <a:r>
-              <a:rPr lang="en-US" dirty="0">
-                <a:solidFill>
-                  <a:srgbClr val="0000FF"/>
-                </a:solidFill>
-              </a:rPr>
-              <a:t>where</a:t>
-            </a:r>
-            <a:r>
-              <a:rPr lang="en-US" dirty="0"/>
-              <a:t>”)</a:t>
-            </a:r>
-          </a:p>
-          <a:p>
-            <a:r>
-              <a:rPr lang="en-US" dirty="0"/>
-              <a:t>Machine names: e.g., </a:t>
-            </a:r>
-            <a:r>
-              <a:rPr lang="en-US" dirty="0" err="1"/>
-              <a:t>cse.umich.edu</a:t>
-            </a:r>
-            <a:endParaRPr lang="en-US" dirty="0"/>
-          </a:p>
-          <a:p>
-            <a:pPr lvl="1"/>
-            <a:r>
-              <a:rPr lang="en-US" dirty="0"/>
-              <a:t>Human-usable labels for machines</a:t>
-            </a:r>
-          </a:p>
-          <a:p>
-            <a:pPr lvl="1"/>
-            <a:r>
-              <a:rPr lang="en-US" dirty="0"/>
-              <a:t>Conforms to organizational structure (the “</a:t>
-            </a:r>
-            <a:r>
-              <a:rPr lang="en-US" dirty="0">
-                <a:solidFill>
-                  <a:srgbClr val="0000FF"/>
-                </a:solidFill>
-              </a:rPr>
-              <a:t>who</a:t>
-            </a:r>
-            <a:r>
-              <a:rPr lang="en-US" dirty="0"/>
-              <a:t>”)</a:t>
-            </a:r>
-          </a:p>
-          <a:p>
-            <a:r>
-              <a:rPr lang="en-US" dirty="0"/>
-              <a:t>The Domain Name System (DNS) is how we map from one to the other</a:t>
-            </a:r>
-          </a:p>
-          <a:p>
-            <a:pPr lvl="1"/>
-            <a:r>
-              <a:rPr lang="en-US" dirty="0"/>
-              <a:t>A </a:t>
-            </a:r>
-            <a:r>
-              <a:rPr lang="en-US" dirty="0">
-                <a:solidFill>
-                  <a:srgbClr val="0000FF"/>
-                </a:solidFill>
-              </a:rPr>
-              <a:t>directory</a:t>
-            </a:r>
-            <a:r>
-              <a:rPr lang="en-US" dirty="0"/>
-              <a:t> service</a:t>
-            </a:r>
-          </a:p>
-        </p:txBody>
-      </p:sp>
-      <p:sp>
-        <p:nvSpPr>
-          <p:cNvPr id="7" name="Date Placeholder 6"/>
+            <a:endParaRPr lang="en-US"/>
+          </a:p>
+        </p:txBody>
+      </p:sp>
+      <p:sp>
+        <p:nvSpPr>
+          <p:cNvPr id="4" name="Date Placeholder 3"/>
           <p:cNvSpPr>
             <a:spLocks noGrp="1"/>
           </p:cNvSpPr>
@@ -7566,7 +7477,7 @@
       </p:sp>
       <p:sp>
         <p:nvSpPr>
-          <p:cNvPr id="8" name="Footer Placeholder 7"/>
+          <p:cNvPr id="5" name="Footer Placeholder 4"/>
           <p:cNvSpPr>
             <a:spLocks noGrp="1"/>
           </p:cNvSpPr>
@@ -7591,7 +7502,7 @@
       </p:sp>
       <p:sp>
         <p:nvSpPr>
-          <p:cNvPr id="9" name="Slide Number Placeholder 8"/>
+          <p:cNvPr id="6" name="Slide Number Placeholder 5"/>
           <p:cNvSpPr>
             <a:spLocks noGrp="1"/>
           </p:cNvSpPr>
@@ -7608,6 +7519,242 @@
               <a:rPr lang="en-US" smtClean="0"/>
               <a:pPr/>
               <a:t>10</a:t>
+            </a:fld>
+            <a:endParaRPr lang="en-US"/>
+          </a:p>
+        </p:txBody>
+      </p:sp>
+    </p:spTree>
+    <p:extLst>
+      <p:ext uri="{BB962C8B-B14F-4D97-AF65-F5344CB8AC3E}">
+        <p14:creationId xmlns:p14="http://schemas.microsoft.com/office/powerpoint/2010/main" val="2027691114"/>
+      </p:ext>
+    </p:extLst>
+  </p:cSld>
+  <p:clrMapOvr>
+    <a:masterClrMapping/>
+  </p:clrMapOvr>
+</p:sld>
+</file>
+
+<file path=ppt/slides/slide11.xml><?xml version="1.0" encoding="utf-8"?>
+<p:sld xmlns:a="http://schemas.openxmlformats.org/drawingml/2006/main" xmlns:r="http://schemas.openxmlformats.org/officeDocument/2006/relationships" xmlns:p="http://schemas.openxmlformats.org/presentationml/2006/main">
+  <p:cSld>
+    <p:spTree>
+      <p:nvGrpSpPr>
+        <p:cNvPr id="1" name=""/>
+        <p:cNvGrpSpPr/>
+        <p:nvPr/>
+      </p:nvGrpSpPr>
+      <p:grpSpPr>
+        <a:xfrm>
+          <a:off x="0" y="0"/>
+          <a:ext cx="0" cy="0"/>
+          <a:chOff x="0" y="0"/>
+          <a:chExt cx="0" cy="0"/>
+        </a:xfrm>
+      </p:grpSpPr>
+      <p:sp>
+        <p:nvSpPr>
+          <p:cNvPr id="1622018" name="Rectangle 2"/>
+          <p:cNvSpPr>
+            <a:spLocks noGrp="1" noChangeArrowheads="1"/>
+          </p:cNvSpPr>
+          <p:nvPr>
+            <p:ph type="title"/>
+          </p:nvPr>
+        </p:nvSpPr>
+        <p:spPr/>
+        <p:txBody>
+          <a:bodyPr/>
+          <a:lstStyle/>
+          <a:p>
+            <a:r>
+              <a:rPr lang="en-US" dirty="0"/>
+              <a:t>Internet names &amp; addresses</a:t>
+            </a:r>
+          </a:p>
+        </p:txBody>
+      </p:sp>
+      <p:sp>
+        <p:nvSpPr>
+          <p:cNvPr id="1622019" name="Rectangle 3"/>
+          <p:cNvSpPr>
+            <a:spLocks noGrp="1" noChangeArrowheads="1"/>
+          </p:cNvSpPr>
+          <p:nvPr>
+            <p:ph idx="1"/>
+          </p:nvPr>
+        </p:nvSpPr>
+        <p:spPr/>
+        <p:txBody>
+          <a:bodyPr/>
+          <a:lstStyle/>
+          <a:p>
+            <a:r>
+              <a:rPr lang="en-US" dirty="0"/>
+              <a:t>Machine addresses: e.g., 141.212.113.143</a:t>
+            </a:r>
+          </a:p>
+          <a:p>
+            <a:pPr lvl="1"/>
+            <a:r>
+              <a:rPr lang="en-US" dirty="0"/>
+              <a:t>Router-usable labels for machines</a:t>
+            </a:r>
+          </a:p>
+          <a:p>
+            <a:pPr lvl="1"/>
+            <a:r>
+              <a:rPr lang="en-US" dirty="0"/>
+              <a:t>Conforms to network structure (the “</a:t>
+            </a:r>
+            <a:r>
+              <a:rPr lang="en-US" dirty="0">
+                <a:solidFill>
+                  <a:srgbClr val="0000FF"/>
+                </a:solidFill>
+              </a:rPr>
+              <a:t>where</a:t>
+            </a:r>
+            <a:r>
+              <a:rPr lang="en-US" dirty="0"/>
+              <a:t>”)</a:t>
+            </a:r>
+          </a:p>
+          <a:p>
+            <a:r>
+              <a:rPr lang="en-US" dirty="0"/>
+              <a:t>Machine names: e.g., </a:t>
+            </a:r>
+            <a:r>
+              <a:rPr lang="en-US" dirty="0" err="1"/>
+              <a:t>cse.umich.edu</a:t>
+            </a:r>
+            <a:endParaRPr lang="en-US" dirty="0"/>
+          </a:p>
+          <a:p>
+            <a:pPr lvl="1"/>
+            <a:r>
+              <a:rPr lang="en-US" dirty="0"/>
+              <a:t>Human-usable labels for machines</a:t>
+            </a:r>
+          </a:p>
+          <a:p>
+            <a:pPr lvl="1"/>
+            <a:r>
+              <a:rPr lang="en-US" dirty="0"/>
+              <a:t>Conforms to organizational structure (the “</a:t>
+            </a:r>
+            <a:r>
+              <a:rPr lang="en-US" dirty="0">
+                <a:solidFill>
+                  <a:srgbClr val="0000FF"/>
+                </a:solidFill>
+              </a:rPr>
+              <a:t>who</a:t>
+            </a:r>
+            <a:r>
+              <a:rPr lang="en-US" dirty="0"/>
+              <a:t>”)</a:t>
+            </a:r>
+          </a:p>
+          <a:p>
+            <a:r>
+              <a:rPr lang="en-US" dirty="0"/>
+              <a:t>The Domain Name System (DNS) is how we map from one to the other</a:t>
+            </a:r>
+          </a:p>
+          <a:p>
+            <a:pPr lvl="1"/>
+            <a:r>
+              <a:rPr lang="en-US" dirty="0"/>
+              <a:t>A </a:t>
+            </a:r>
+            <a:r>
+              <a:rPr lang="en-US" dirty="0">
+                <a:solidFill>
+                  <a:srgbClr val="0000FF"/>
+                </a:solidFill>
+              </a:rPr>
+              <a:t>directory</a:t>
+            </a:r>
+            <a:r>
+              <a:rPr lang="en-US" dirty="0"/>
+              <a:t> service</a:t>
+            </a:r>
+          </a:p>
+        </p:txBody>
+      </p:sp>
+      <p:sp>
+        <p:nvSpPr>
+          <p:cNvPr id="7" name="Date Placeholder 6"/>
+          <p:cNvSpPr>
+            <a:spLocks noGrp="1"/>
+          </p:cNvSpPr>
+          <p:nvPr>
+            <p:ph type="dt" sz="half" idx="10"/>
+          </p:nvPr>
+        </p:nvSpPr>
+        <p:spPr/>
+        <p:txBody>
+          <a:bodyPr/>
+          <a:lstStyle/>
+          <a:p>
+            <a:r>
+              <a:rPr lang="en-US"/>
+              <a:t>September 14, 2020</a:t>
+            </a:r>
+            <a:endParaRPr lang="en-US" sz="1050" b="0">
+              <a:latin typeface="Times New Roman" charset="0"/>
+            </a:endParaRPr>
+          </a:p>
+        </p:txBody>
+      </p:sp>
+      <p:sp>
+        <p:nvSpPr>
+          <p:cNvPr id="8" name="Footer Placeholder 7"/>
+          <p:cNvSpPr>
+            <a:spLocks noGrp="1"/>
+          </p:cNvSpPr>
+          <p:nvPr>
+            <p:ph type="ftr" sz="quarter" idx="11"/>
+          </p:nvPr>
+        </p:nvSpPr>
+        <p:spPr/>
+        <p:txBody>
+          <a:bodyPr/>
+          <a:lstStyle/>
+          <a:p>
+            <a:r>
+              <a:rPr lang="en-US"/>
+              <a:t>EECS 489 – Lecture 4</a:t>
+            </a:r>
+            <a:endParaRPr lang="en-US" sz="1050" b="0">
+              <a:latin typeface="Times New Roman" charset="0"/>
+            </a:endParaRPr>
+          </a:p>
+        </p:txBody>
+      </p:sp>
+      <p:sp>
+        <p:nvSpPr>
+          <p:cNvPr id="9" name="Slide Number Placeholder 8"/>
+          <p:cNvSpPr>
+            <a:spLocks noGrp="1"/>
+          </p:cNvSpPr>
+          <p:nvPr>
+            <p:ph type="sldNum" sz="quarter" idx="12"/>
+          </p:nvPr>
+        </p:nvSpPr>
+        <p:spPr/>
+        <p:txBody>
+          <a:bodyPr/>
+          <a:lstStyle/>
+          <a:p>
+            <a:fld id="{A190D881-957A-7944-A8D0-1584E528B88F}" type="slidenum">
+              <a:rPr lang="en-US" smtClean="0"/>
+              <a:pPr/>
+              <a:t>11</a:t>
             </a:fld>
             <a:endParaRPr lang="en-US"/>
           </a:p>
@@ -7961,7 +8108,7 @@
 </p:sld>
 </file>
 
-<file path=ppt/slides/slide11.xml><?xml version="1.0" encoding="utf-8"?>
+<file path=ppt/slides/slide12.xml><?xml version="1.0" encoding="utf-8"?>
 <p:sld xmlns:a="http://schemas.openxmlformats.org/drawingml/2006/main" xmlns:r="http://schemas.openxmlformats.org/officeDocument/2006/relationships" xmlns:p="http://schemas.openxmlformats.org/presentationml/2006/main">
   <p:cSld>
     <p:spTree>
@@ -8133,7 +8280,7 @@
             <a:fld id="{A190D881-957A-7944-A8D0-1584E528B88F}" type="slidenum">
               <a:rPr lang="en-US" smtClean="0"/>
               <a:pPr/>
-              <a:t>11</a:t>
+              <a:t>12</a:t>
             </a:fld>
             <a:endParaRPr lang="en-US"/>
           </a:p>
@@ -8376,7 +8523,7 @@
 </p:sld>
 </file>
 
-<file path=ppt/slides/slide12.xml><?xml version="1.0" encoding="utf-8"?>
+<file path=ppt/slides/slide13.xml><?xml version="1.0" encoding="utf-8"?>
 <p:sld xmlns:a="http://schemas.openxmlformats.org/drawingml/2006/main" xmlns:r="http://schemas.openxmlformats.org/officeDocument/2006/relationships" xmlns:p="http://schemas.openxmlformats.org/presentationml/2006/main" showMasterPhAnim="0">
   <p:cSld>
     <p:spTree>
@@ -8492,7 +8639,7 @@
           <a:p>
             <a:r>
               <a:rPr lang="en-US" dirty="0"/>
-              <a:t>As the Internet grew SRI couldn’t handle load</a:t>
+              <a:t>As the Internet grew SRI could not handle load</a:t>
             </a:r>
           </a:p>
           <a:p>
@@ -8592,7 +8739,7 @@
             <a:fld id="{A190D881-957A-7944-A8D0-1584E528B88F}" type="slidenum">
               <a:rPr lang="en-US" smtClean="0"/>
               <a:pPr/>
-              <a:t>12</a:t>
+              <a:t>13</a:t>
             </a:fld>
             <a:endParaRPr lang="en-US"/>
           </a:p>
@@ -8611,7 +8758,7 @@
 </p:sld>
 </file>
 
-<file path=ppt/slides/slide13.xml><?xml version="1.0" encoding="utf-8"?>
+<file path=ppt/slides/slide14.xml><?xml version="1.0" encoding="utf-8"?>
 <p:sld xmlns:a="http://schemas.openxmlformats.org/drawingml/2006/main" xmlns:r="http://schemas.openxmlformats.org/officeDocument/2006/relationships" xmlns:p="http://schemas.openxmlformats.org/presentationml/2006/main">
   <p:cSld>
     <p:spTree>
@@ -8630,6 +8777,324 @@
       </p:grpSpPr>
       <p:sp>
         <p:nvSpPr>
+          <p:cNvPr id="7" name="Title 6">
+            <a:extLst>
+              <a:ext uri="{FF2B5EF4-FFF2-40B4-BE49-F238E27FC236}">
+                <a16:creationId xmlns:a16="http://schemas.microsoft.com/office/drawing/2014/main" id="{9DC2011A-1D2C-944C-B415-90D071E1047C}"/>
+              </a:ext>
+            </a:extLst>
+          </p:cNvPr>
+          <p:cNvSpPr>
+            <a:spLocks noGrp="1"/>
+          </p:cNvSpPr>
+          <p:nvPr>
+            <p:ph type="title"/>
+          </p:nvPr>
+        </p:nvSpPr>
+        <p:spPr/>
+        <p:txBody>
+          <a:bodyPr/>
+          <a:lstStyle/>
+          <a:p>
+            <a:r>
+              <a:rPr lang="en-US" dirty="0"/>
+              <a:t>DNS: History</a:t>
+            </a:r>
+          </a:p>
+        </p:txBody>
+      </p:sp>
+      <p:sp>
+        <p:nvSpPr>
+          <p:cNvPr id="8" name="Content Placeholder 7">
+            <a:extLst>
+              <a:ext uri="{FF2B5EF4-FFF2-40B4-BE49-F238E27FC236}">
+                <a16:creationId xmlns:a16="http://schemas.microsoft.com/office/drawing/2014/main" id="{598B2FD5-9D95-214B-AFD8-DCD0069363FD}"/>
+              </a:ext>
+            </a:extLst>
+          </p:cNvPr>
+          <p:cNvSpPr>
+            <a:spLocks noGrp="1"/>
+          </p:cNvSpPr>
+          <p:nvPr>
+            <p:ph sz="half" idx="1"/>
+          </p:nvPr>
+        </p:nvSpPr>
+        <p:spPr/>
+        <p:txBody>
+          <a:bodyPr/>
+          <a:lstStyle/>
+          <a:p>
+            <a:r>
+              <a:rPr lang="en-US" dirty="0"/>
+              <a:t>In 1983, the first stable operational DNS implementation included</a:t>
+            </a:r>
+          </a:p>
+          <a:p>
+            <a:pPr lvl="1"/>
+            <a:r>
+              <a:rPr lang="en-US" dirty="0"/>
+              <a:t>The associated query protocol; </a:t>
+            </a:r>
+          </a:p>
+          <a:p>
+            <a:pPr lvl="1"/>
+            <a:r>
+              <a:rPr lang="en-US" dirty="0"/>
+              <a:t>A server implementation; and </a:t>
+            </a:r>
+          </a:p>
+          <a:p>
+            <a:pPr lvl="1"/>
+            <a:r>
+              <a:rPr lang="en-US" dirty="0"/>
+              <a:t>Initial root servers. </a:t>
+            </a:r>
+          </a:p>
+          <a:p>
+            <a:endParaRPr lang="en-US" dirty="0"/>
+          </a:p>
+          <a:p>
+            <a:r>
+              <a:rPr lang="en-US" dirty="0"/>
+              <a:t>Since inception, DNS scaled from 1000s of queries/day to 10s of billions queries/day</a:t>
+            </a:r>
+          </a:p>
+        </p:txBody>
+      </p:sp>
+      <p:pic>
+        <p:nvPicPr>
+          <p:cNvPr id="11" name="Content Placeholder 10" descr="A screenshot of a cell phone&#10;&#10;Description automatically generated">
+            <a:extLst>
+              <a:ext uri="{FF2B5EF4-FFF2-40B4-BE49-F238E27FC236}">
+                <a16:creationId xmlns:a16="http://schemas.microsoft.com/office/drawing/2014/main" id="{EB8B2ECE-9FAF-994E-B15E-38B1917632FD}"/>
+              </a:ext>
+            </a:extLst>
+          </p:cNvPr>
+          <p:cNvPicPr>
+            <a:picLocks noGrp="1" noChangeAspect="1"/>
+          </p:cNvPicPr>
+          <p:nvPr>
+            <p:ph sz="half" idx="2"/>
+          </p:nvPr>
+        </p:nvPicPr>
+        <p:blipFill>
+          <a:blip r:embed="rId2">
+            <a:extLst>
+              <a:ext uri="{28A0092B-C50C-407E-A947-70E740481C1C}">
+                <a14:useLocalDpi xmlns:a14="http://schemas.microsoft.com/office/drawing/2010/main" val="0"/>
+              </a:ext>
+            </a:extLst>
+          </a:blip>
+          <a:stretch>
+            <a:fillRect/>
+          </a:stretch>
+        </p:blipFill>
+        <p:spPr>
+          <a:xfrm>
+            <a:off x="5392756" y="1600200"/>
+            <a:ext cx="2549488" cy="4419600"/>
+          </a:xfrm>
+        </p:spPr>
+      </p:pic>
+      <p:sp>
+        <p:nvSpPr>
+          <p:cNvPr id="4" name="Date Placeholder 3">
+            <a:extLst>
+              <a:ext uri="{FF2B5EF4-FFF2-40B4-BE49-F238E27FC236}">
+                <a16:creationId xmlns:a16="http://schemas.microsoft.com/office/drawing/2014/main" id="{99AF739E-A87A-F84D-A5BF-F2518A361A1C}"/>
+              </a:ext>
+            </a:extLst>
+          </p:cNvPr>
+          <p:cNvSpPr>
+            <a:spLocks noGrp="1"/>
+          </p:cNvSpPr>
+          <p:nvPr>
+            <p:ph type="dt" sz="half" idx="10"/>
+          </p:nvPr>
+        </p:nvSpPr>
+        <p:spPr/>
+        <p:txBody>
+          <a:bodyPr/>
+          <a:lstStyle/>
+          <a:p>
+            <a:r>
+              <a:rPr lang="en-US"/>
+              <a:t>September 14, 2020</a:t>
+            </a:r>
+            <a:endParaRPr lang="en-US" sz="1050" b="0">
+              <a:latin typeface="Times New Roman" charset="0"/>
+            </a:endParaRPr>
+          </a:p>
+        </p:txBody>
+      </p:sp>
+      <p:sp>
+        <p:nvSpPr>
+          <p:cNvPr id="5" name="Footer Placeholder 4">
+            <a:extLst>
+              <a:ext uri="{FF2B5EF4-FFF2-40B4-BE49-F238E27FC236}">
+                <a16:creationId xmlns:a16="http://schemas.microsoft.com/office/drawing/2014/main" id="{5372D7E3-B844-6340-B16A-4A9BA041B195}"/>
+              </a:ext>
+            </a:extLst>
+          </p:cNvPr>
+          <p:cNvSpPr>
+            <a:spLocks noGrp="1"/>
+          </p:cNvSpPr>
+          <p:nvPr>
+            <p:ph type="ftr" sz="quarter" idx="11"/>
+          </p:nvPr>
+        </p:nvSpPr>
+        <p:spPr/>
+        <p:txBody>
+          <a:bodyPr/>
+          <a:lstStyle/>
+          <a:p>
+            <a:r>
+              <a:rPr lang="en-US"/>
+              <a:t>EECS 489 – Lecture 4</a:t>
+            </a:r>
+            <a:endParaRPr lang="en-US" sz="1050" b="0">
+              <a:latin typeface="Times New Roman" charset="0"/>
+            </a:endParaRPr>
+          </a:p>
+        </p:txBody>
+      </p:sp>
+      <p:sp>
+        <p:nvSpPr>
+          <p:cNvPr id="6" name="Slide Number Placeholder 5">
+            <a:extLst>
+              <a:ext uri="{FF2B5EF4-FFF2-40B4-BE49-F238E27FC236}">
+                <a16:creationId xmlns:a16="http://schemas.microsoft.com/office/drawing/2014/main" id="{84AD62AB-84F1-B441-AF1D-9AB9D551160B}"/>
+              </a:ext>
+            </a:extLst>
+          </p:cNvPr>
+          <p:cNvSpPr>
+            <a:spLocks noGrp="1"/>
+          </p:cNvSpPr>
+          <p:nvPr>
+            <p:ph type="sldNum" sz="quarter" idx="12"/>
+          </p:nvPr>
+        </p:nvSpPr>
+        <p:spPr/>
+        <p:txBody>
+          <a:bodyPr/>
+          <a:lstStyle/>
+          <a:p>
+            <a:fld id="{A190D881-957A-7944-A8D0-1584E528B88F}" type="slidenum">
+              <a:rPr lang="en-US" smtClean="0"/>
+              <a:pPr/>
+              <a:t>14</a:t>
+            </a:fld>
+            <a:endParaRPr lang="en-US"/>
+          </a:p>
+        </p:txBody>
+      </p:sp>
+    </p:spTree>
+    <p:extLst>
+      <p:ext uri="{BB962C8B-B14F-4D97-AF65-F5344CB8AC3E}">
+        <p14:creationId xmlns:p14="http://schemas.microsoft.com/office/powerpoint/2010/main" val="3253588718"/>
+      </p:ext>
+    </p:extLst>
+  </p:cSld>
+  <p:clrMapOvr>
+    <a:masterClrMapping/>
+  </p:clrMapOvr>
+  <p:timing>
+    <p:tnLst>
+      <p:par>
+        <p:cTn id="1" dur="indefinite" restart="never" nodeType="tmRoot">
+          <p:childTnLst>
+            <p:seq concurrent="1" nextAc="seek">
+              <p:cTn id="2" dur="indefinite" nodeType="mainSeq">
+                <p:childTnLst>
+                  <p:par>
+                    <p:cTn id="3" fill="hold">
+                      <p:stCondLst>
+                        <p:cond delay="indefinite"/>
+                      </p:stCondLst>
+                      <p:childTnLst>
+                        <p:par>
+                          <p:cTn id="4" fill="hold">
+                            <p:stCondLst>
+                              <p:cond delay="0"/>
+                            </p:stCondLst>
+                            <p:childTnLst>
+                              <p:par>
+                                <p:cTn id="5" presetID="1" presetClass="entr" presetSubtype="0" fill="hold" nodeType="clickEffect">
+                                  <p:stCondLst>
+                                    <p:cond delay="0"/>
+                                  </p:stCondLst>
+                                  <p:childTnLst>
+                                    <p:set>
+                                      <p:cBhvr>
+                                        <p:cTn id="6" dur="1" fill="hold">
+                                          <p:stCondLst>
+                                            <p:cond delay="0"/>
+                                          </p:stCondLst>
+                                        </p:cTn>
+                                        <p:tgtEl>
+                                          <p:spTgt spid="11"/>
+                                        </p:tgtEl>
+                                        <p:attrNameLst>
+                                          <p:attrName>style.visibility</p:attrName>
+                                        </p:attrNameLst>
+                                      </p:cBhvr>
+                                      <p:to>
+                                        <p:strVal val="visible"/>
+                                      </p:to>
+                                    </p:set>
+                                  </p:childTnLst>
+                                </p:cTn>
+                              </p:par>
+                            </p:childTnLst>
+                          </p:cTn>
+                        </p:par>
+                      </p:childTnLst>
+                    </p:cTn>
+                  </p:par>
+                </p:childTnLst>
+              </p:cTn>
+              <p:prevCondLst>
+                <p:cond evt="onPrev" delay="0">
+                  <p:tgtEl>
+                    <p:sldTgt/>
+                  </p:tgtEl>
+                </p:cond>
+              </p:prevCondLst>
+              <p:nextCondLst>
+                <p:cond evt="onNext" delay="0">
+                  <p:tgtEl>
+                    <p:sldTgt/>
+                  </p:tgtEl>
+                </p:cond>
+              </p:nextCondLst>
+            </p:seq>
+          </p:childTnLst>
+        </p:cTn>
+      </p:par>
+    </p:tnLst>
+  </p:timing>
+</p:sld>
+</file>
+
+<file path=ppt/slides/slide15.xml><?xml version="1.0" encoding="utf-8"?>
+<p:sld xmlns:a="http://schemas.openxmlformats.org/drawingml/2006/main" xmlns:r="http://schemas.openxmlformats.org/officeDocument/2006/relationships" xmlns:p="http://schemas.openxmlformats.org/presentationml/2006/main">
+  <p:cSld>
+    <p:spTree>
+      <p:nvGrpSpPr>
+        <p:cNvPr id="1" name=""/>
+        <p:cNvGrpSpPr/>
+        <p:nvPr/>
+      </p:nvGrpSpPr>
+      <p:grpSpPr>
+        <a:xfrm>
+          <a:off x="0" y="0"/>
+          <a:ext cx="0" cy="0"/>
+          <a:chOff x="0" y="0"/>
+          <a:chExt cx="0" cy="0"/>
+        </a:xfrm>
+      </p:grpSpPr>
+      <p:sp>
+        <p:nvSpPr>
           <p:cNvPr id="2" name="Title 1"/>
           <p:cNvSpPr>
             <a:spLocks noGrp="1"/>
@@ -8800,7 +9265,7 @@
             <a:fld id="{A190D881-957A-7944-A8D0-1584E528B88F}" type="slidenum">
               <a:rPr lang="en-US" smtClean="0"/>
               <a:pPr/>
-              <a:t>13</a:t>
+              <a:t>15</a:t>
             </a:fld>
             <a:endParaRPr lang="en-US"/>
           </a:p>
@@ -9239,7 +9704,7 @@
 </p:sld>
 </file>
 
-<file path=ppt/slides/slide14.xml><?xml version="1.0" encoding="utf-8"?>
+<file path=ppt/slides/slide16.xml><?xml version="1.0" encoding="utf-8"?>
 <p:sld xmlns:a="http://schemas.openxmlformats.org/drawingml/2006/main" xmlns:r="http://schemas.openxmlformats.org/officeDocument/2006/relationships" xmlns:p="http://schemas.openxmlformats.org/presentationml/2006/main">
   <p:cSld>
     <p:spTree>
@@ -9401,7 +9866,7 @@
             <a:fld id="{A190D881-957A-7944-A8D0-1584E528B88F}" type="slidenum">
               <a:rPr lang="en-US" smtClean="0"/>
               <a:pPr/>
-              <a:t>14</a:t>
+              <a:t>16</a:t>
             </a:fld>
             <a:endParaRPr lang="en-US"/>
           </a:p>
@@ -9711,7 +10176,7 @@
 </p:sld>
 </file>
 
-<file path=ppt/slides/slide15.xml><?xml version="1.0" encoding="utf-8"?>
+<file path=ppt/slides/slide17.xml><?xml version="1.0" encoding="utf-8"?>
 <p:sld xmlns:a="http://schemas.openxmlformats.org/drawingml/2006/main" xmlns:r="http://schemas.openxmlformats.org/officeDocument/2006/relationships" xmlns:p="http://schemas.openxmlformats.org/presentationml/2006/main" showMasterPhAnim="0">
   <p:cSld>
     <p:spTree>
@@ -9883,7 +10348,7 @@
             <a:fld id="{A190D881-957A-7944-A8D0-1584E528B88F}" type="slidenum">
               <a:rPr lang="en-US" smtClean="0"/>
               <a:pPr/>
-              <a:t>15</a:t>
+              <a:t>17</a:t>
             </a:fld>
             <a:endParaRPr lang="en-US"/>
           </a:p>
@@ -10224,7 +10689,7 @@
 </p:sld>
 </file>
 
-<file path=ppt/slides/slide16.xml><?xml version="1.0" encoding="utf-8"?>
+<file path=ppt/slides/slide18.xml><?xml version="1.0" encoding="utf-8"?>
 <p:sld xmlns:a="http://schemas.openxmlformats.org/drawingml/2006/main" xmlns:r="http://schemas.openxmlformats.org/officeDocument/2006/relationships" xmlns:p="http://schemas.openxmlformats.org/presentationml/2006/main">
   <p:cSld>
     <p:spTree>
@@ -10400,14 +10865,14 @@
           <a:effectLst/>
           <a:extLst>
             <a:ext uri="{909E8E84-426E-40dd-AFC4-6F175D3DCCD1}">
-              <a14:hiddenFill xmlns="" xmlns:a14="http://schemas.microsoft.com/office/drawing/2010/main">
+              <a14:hiddenFill xmlns:a14="http://schemas.microsoft.com/office/drawing/2010/main" xmlns="">
                 <a:solidFill>
                   <a:schemeClr val="bg2"/>
                 </a:solidFill>
               </a14:hiddenFill>
             </a:ext>
             <a:ext uri="{91240B29-F687-4f45-9708-019B960494DF}">
-              <a14:hiddenLine xmlns="" xmlns:a14="http://schemas.microsoft.com/office/drawing/2010/main" w="12700">
+              <a14:hiddenLine xmlns:a14="http://schemas.microsoft.com/office/drawing/2010/main" xmlns="" w="12700">
                 <a:solidFill>
                   <a:schemeClr val="tx1"/>
                 </a:solidFill>
@@ -10417,7 +10882,7 @@
               </a14:hiddenLine>
             </a:ext>
             <a:ext uri="{AF507438-7753-43e0-B8FC-AC1667EBCBE1}">
-              <a14:hiddenEffects xmlns="" xmlns:a14="http://schemas.microsoft.com/office/drawing/2010/main">
+              <a14:hiddenEffects xmlns:a14="http://schemas.microsoft.com/office/drawing/2010/main" xmlns="">
                 <a:effectLst>
                   <a:outerShdw blurRad="63500" dist="38099" dir="2700000" algn="ctr" rotWithShape="0">
                     <a:schemeClr val="bg2">
@@ -10468,14 +10933,14 @@
           <a:effectLst/>
           <a:extLst>
             <a:ext uri="{909E8E84-426E-40dd-AFC4-6F175D3DCCD1}">
-              <a14:hiddenFill xmlns="" xmlns:a14="http://schemas.microsoft.com/office/drawing/2010/main">
+              <a14:hiddenFill xmlns:a14="http://schemas.microsoft.com/office/drawing/2010/main" xmlns="">
                 <a:solidFill>
                   <a:schemeClr val="bg2"/>
                 </a:solidFill>
               </a14:hiddenFill>
             </a:ext>
             <a:ext uri="{91240B29-F687-4f45-9708-019B960494DF}">
-              <a14:hiddenLine xmlns="" xmlns:a14="http://schemas.microsoft.com/office/drawing/2010/main" w="12700">
+              <a14:hiddenLine xmlns:a14="http://schemas.microsoft.com/office/drawing/2010/main" xmlns="" w="12700">
                 <a:solidFill>
                   <a:schemeClr val="tx1"/>
                 </a:solidFill>
@@ -10485,7 +10950,7 @@
               </a14:hiddenLine>
             </a:ext>
             <a:ext uri="{AF507438-7753-43e0-B8FC-AC1667EBCBE1}">
-              <a14:hiddenEffects xmlns="" xmlns:a14="http://schemas.microsoft.com/office/drawing/2010/main">
+              <a14:hiddenEffects xmlns:a14="http://schemas.microsoft.com/office/drawing/2010/main" xmlns="">
                 <a:effectLst>
                   <a:outerShdw blurRad="63500" dist="38099" dir="2700000" algn="ctr" rotWithShape="0">
                     <a:schemeClr val="bg2">
@@ -10536,14 +11001,14 @@
           <a:effectLst/>
           <a:extLst>
             <a:ext uri="{909E8E84-426E-40dd-AFC4-6F175D3DCCD1}">
-              <a14:hiddenFill xmlns="" xmlns:a14="http://schemas.microsoft.com/office/drawing/2010/main">
+              <a14:hiddenFill xmlns:a14="http://schemas.microsoft.com/office/drawing/2010/main" xmlns="">
                 <a:solidFill>
                   <a:schemeClr val="bg2"/>
                 </a:solidFill>
               </a14:hiddenFill>
             </a:ext>
             <a:ext uri="{91240B29-F687-4f45-9708-019B960494DF}">
-              <a14:hiddenLine xmlns="" xmlns:a14="http://schemas.microsoft.com/office/drawing/2010/main" w="12700">
+              <a14:hiddenLine xmlns:a14="http://schemas.microsoft.com/office/drawing/2010/main" xmlns="" w="12700">
                 <a:solidFill>
                   <a:schemeClr val="tx1"/>
                 </a:solidFill>
@@ -10553,7 +11018,7 @@
               </a14:hiddenLine>
             </a:ext>
             <a:ext uri="{AF507438-7753-43e0-B8FC-AC1667EBCBE1}">
-              <a14:hiddenEffects xmlns="" xmlns:a14="http://schemas.microsoft.com/office/drawing/2010/main">
+              <a14:hiddenEffects xmlns:a14="http://schemas.microsoft.com/office/drawing/2010/main" xmlns="">
                 <a:effectLst>
                   <a:outerShdw blurRad="63500" dist="38099" dir="2700000" algn="ctr" rotWithShape="0">
                     <a:schemeClr val="bg2">
@@ -10604,14 +11069,14 @@
           <a:effectLst/>
           <a:extLst>
             <a:ext uri="{909E8E84-426E-40dd-AFC4-6F175D3DCCD1}">
-              <a14:hiddenFill xmlns="" xmlns:a14="http://schemas.microsoft.com/office/drawing/2010/main">
+              <a14:hiddenFill xmlns:a14="http://schemas.microsoft.com/office/drawing/2010/main" xmlns="">
                 <a:solidFill>
                   <a:schemeClr val="bg2"/>
                 </a:solidFill>
               </a14:hiddenFill>
             </a:ext>
             <a:ext uri="{91240B29-F687-4f45-9708-019B960494DF}">
-              <a14:hiddenLine xmlns="" xmlns:a14="http://schemas.microsoft.com/office/drawing/2010/main" w="12700">
+              <a14:hiddenLine xmlns:a14="http://schemas.microsoft.com/office/drawing/2010/main" xmlns="" w="12700">
                 <a:solidFill>
                   <a:schemeClr val="tx1"/>
                 </a:solidFill>
@@ -10621,7 +11086,7 @@
               </a14:hiddenLine>
             </a:ext>
             <a:ext uri="{AF507438-7753-43e0-B8FC-AC1667EBCBE1}">
-              <a14:hiddenEffects xmlns="" xmlns:a14="http://schemas.microsoft.com/office/drawing/2010/main">
+              <a14:hiddenEffects xmlns:a14="http://schemas.microsoft.com/office/drawing/2010/main" xmlns="">
                 <a:effectLst>
                   <a:outerShdw blurRad="63500" dist="38099" dir="2700000" algn="ctr" rotWithShape="0">
                     <a:schemeClr val="bg2">
@@ -10672,14 +11137,14 @@
           <a:effectLst/>
           <a:extLst>
             <a:ext uri="{909E8E84-426E-40dd-AFC4-6F175D3DCCD1}">
-              <a14:hiddenFill xmlns="" xmlns:a14="http://schemas.microsoft.com/office/drawing/2010/main">
+              <a14:hiddenFill xmlns:a14="http://schemas.microsoft.com/office/drawing/2010/main" xmlns="">
                 <a:solidFill>
                   <a:schemeClr val="bg2"/>
                 </a:solidFill>
               </a14:hiddenFill>
             </a:ext>
             <a:ext uri="{91240B29-F687-4f45-9708-019B960494DF}">
-              <a14:hiddenLine xmlns="" xmlns:a14="http://schemas.microsoft.com/office/drawing/2010/main" w="12700">
+              <a14:hiddenLine xmlns:a14="http://schemas.microsoft.com/office/drawing/2010/main" xmlns="" w="12700">
                 <a:solidFill>
                   <a:schemeClr val="tx1"/>
                 </a:solidFill>
@@ -10689,7 +11154,7 @@
               </a14:hiddenLine>
             </a:ext>
             <a:ext uri="{AF507438-7753-43e0-B8FC-AC1667EBCBE1}">
-              <a14:hiddenEffects xmlns="" xmlns:a14="http://schemas.microsoft.com/office/drawing/2010/main">
+              <a14:hiddenEffects xmlns:a14="http://schemas.microsoft.com/office/drawing/2010/main" xmlns="">
                 <a:effectLst>
                   <a:outerShdw blurRad="63500" dist="38099" dir="2700000" algn="ctr" rotWithShape="0">
                     <a:schemeClr val="bg2">
@@ -10740,14 +11205,14 @@
           <a:effectLst/>
           <a:extLst>
             <a:ext uri="{909E8E84-426E-40dd-AFC4-6F175D3DCCD1}">
-              <a14:hiddenFill xmlns="" xmlns:a14="http://schemas.microsoft.com/office/drawing/2010/main">
+              <a14:hiddenFill xmlns:a14="http://schemas.microsoft.com/office/drawing/2010/main" xmlns="">
                 <a:solidFill>
                   <a:schemeClr val="bg2"/>
                 </a:solidFill>
               </a14:hiddenFill>
             </a:ext>
             <a:ext uri="{91240B29-F687-4f45-9708-019B960494DF}">
-              <a14:hiddenLine xmlns="" xmlns:a14="http://schemas.microsoft.com/office/drawing/2010/main" w="12700">
+              <a14:hiddenLine xmlns:a14="http://schemas.microsoft.com/office/drawing/2010/main" xmlns="" w="12700">
                 <a:solidFill>
                   <a:schemeClr val="tx1"/>
                 </a:solidFill>
@@ -10757,7 +11222,7 @@
               </a14:hiddenLine>
             </a:ext>
             <a:ext uri="{AF507438-7753-43e0-B8FC-AC1667EBCBE1}">
-              <a14:hiddenEffects xmlns="" xmlns:a14="http://schemas.microsoft.com/office/drawing/2010/main">
+              <a14:hiddenEffects xmlns:a14="http://schemas.microsoft.com/office/drawing/2010/main" xmlns="">
                 <a:effectLst>
                   <a:outerShdw blurRad="63500" dist="38099" dir="2700000" algn="ctr" rotWithShape="0">
                     <a:schemeClr val="bg2">
@@ -10808,14 +11273,14 @@
           <a:effectLst/>
           <a:extLst>
             <a:ext uri="{909E8E84-426E-40dd-AFC4-6F175D3DCCD1}">
-              <a14:hiddenFill xmlns="" xmlns:a14="http://schemas.microsoft.com/office/drawing/2010/main">
+              <a14:hiddenFill xmlns:a14="http://schemas.microsoft.com/office/drawing/2010/main" xmlns="">
                 <a:solidFill>
                   <a:schemeClr val="bg2"/>
                 </a:solidFill>
               </a14:hiddenFill>
             </a:ext>
             <a:ext uri="{91240B29-F687-4f45-9708-019B960494DF}">
-              <a14:hiddenLine xmlns="" xmlns:a14="http://schemas.microsoft.com/office/drawing/2010/main" w="12700">
+              <a14:hiddenLine xmlns:a14="http://schemas.microsoft.com/office/drawing/2010/main" xmlns="" w="12700">
                 <a:solidFill>
                   <a:schemeClr val="tx1"/>
                 </a:solidFill>
@@ -10825,7 +11290,7 @@
               </a14:hiddenLine>
             </a:ext>
             <a:ext uri="{AF507438-7753-43e0-B8FC-AC1667EBCBE1}">
-              <a14:hiddenEffects xmlns="" xmlns:a14="http://schemas.microsoft.com/office/drawing/2010/main">
+              <a14:hiddenEffects xmlns:a14="http://schemas.microsoft.com/office/drawing/2010/main" xmlns="">
                 <a:effectLst>
                   <a:outerShdw blurRad="63500" dist="38099" dir="2700000" algn="ctr" rotWithShape="0">
                     <a:schemeClr val="bg2">
@@ -10876,14 +11341,14 @@
           <a:effectLst/>
           <a:extLst>
             <a:ext uri="{909E8E84-426E-40dd-AFC4-6F175D3DCCD1}">
-              <a14:hiddenFill xmlns="" xmlns:a14="http://schemas.microsoft.com/office/drawing/2010/main">
+              <a14:hiddenFill xmlns:a14="http://schemas.microsoft.com/office/drawing/2010/main" xmlns="">
                 <a:solidFill>
                   <a:schemeClr val="bg2"/>
                 </a:solidFill>
               </a14:hiddenFill>
             </a:ext>
             <a:ext uri="{91240B29-F687-4f45-9708-019B960494DF}">
-              <a14:hiddenLine xmlns="" xmlns:a14="http://schemas.microsoft.com/office/drawing/2010/main" w="12700">
+              <a14:hiddenLine xmlns:a14="http://schemas.microsoft.com/office/drawing/2010/main" xmlns="" w="12700">
                 <a:solidFill>
                   <a:schemeClr val="tx1"/>
                 </a:solidFill>
@@ -10893,7 +11358,7 @@
               </a14:hiddenLine>
             </a:ext>
             <a:ext uri="{AF507438-7753-43e0-B8FC-AC1667EBCBE1}">
-              <a14:hiddenEffects xmlns="" xmlns:a14="http://schemas.microsoft.com/office/drawing/2010/main">
+              <a14:hiddenEffects xmlns:a14="http://schemas.microsoft.com/office/drawing/2010/main" xmlns="">
                 <a:effectLst>
                   <a:outerShdw blurRad="63500" dist="38099" dir="2700000" algn="ctr" rotWithShape="0">
                     <a:schemeClr val="bg2">
@@ -10944,14 +11409,14 @@
           <a:effectLst/>
           <a:extLst>
             <a:ext uri="{909E8E84-426E-40dd-AFC4-6F175D3DCCD1}">
-              <a14:hiddenFill xmlns="" xmlns:a14="http://schemas.microsoft.com/office/drawing/2010/main">
+              <a14:hiddenFill xmlns:a14="http://schemas.microsoft.com/office/drawing/2010/main" xmlns="">
                 <a:solidFill>
                   <a:schemeClr val="bg2"/>
                 </a:solidFill>
               </a14:hiddenFill>
             </a:ext>
             <a:ext uri="{91240B29-F687-4f45-9708-019B960494DF}">
-              <a14:hiddenLine xmlns="" xmlns:a14="http://schemas.microsoft.com/office/drawing/2010/main" w="12700">
+              <a14:hiddenLine xmlns:a14="http://schemas.microsoft.com/office/drawing/2010/main" xmlns="" w="12700">
                 <a:solidFill>
                   <a:schemeClr val="tx1"/>
                 </a:solidFill>
@@ -10961,7 +11426,7 @@
               </a14:hiddenLine>
             </a:ext>
             <a:ext uri="{AF507438-7753-43e0-B8FC-AC1667EBCBE1}">
-              <a14:hiddenEffects xmlns="" xmlns:a14="http://schemas.microsoft.com/office/drawing/2010/main">
+              <a14:hiddenEffects xmlns:a14="http://schemas.microsoft.com/office/drawing/2010/main" xmlns="">
                 <a:effectLst>
                   <a:outerShdw blurRad="63500" dist="38099" dir="2700000" algn="ctr" rotWithShape="0">
                     <a:schemeClr val="bg2">
@@ -11012,14 +11477,14 @@
           <a:effectLst/>
           <a:extLst>
             <a:ext uri="{909E8E84-426E-40dd-AFC4-6F175D3DCCD1}">
-              <a14:hiddenFill xmlns="" xmlns:a14="http://schemas.microsoft.com/office/drawing/2010/main">
+              <a14:hiddenFill xmlns:a14="http://schemas.microsoft.com/office/drawing/2010/main" xmlns="">
                 <a:solidFill>
                   <a:schemeClr val="bg2"/>
                 </a:solidFill>
               </a14:hiddenFill>
             </a:ext>
             <a:ext uri="{91240B29-F687-4f45-9708-019B960494DF}">
-              <a14:hiddenLine xmlns="" xmlns:a14="http://schemas.microsoft.com/office/drawing/2010/main" w="12700">
+              <a14:hiddenLine xmlns:a14="http://schemas.microsoft.com/office/drawing/2010/main" xmlns="" w="12700">
                 <a:solidFill>
                   <a:schemeClr val="tx1"/>
                 </a:solidFill>
@@ -11029,7 +11494,7 @@
               </a14:hiddenLine>
             </a:ext>
             <a:ext uri="{AF507438-7753-43e0-B8FC-AC1667EBCBE1}">
-              <a14:hiddenEffects xmlns="" xmlns:a14="http://schemas.microsoft.com/office/drawing/2010/main">
+              <a14:hiddenEffects xmlns:a14="http://schemas.microsoft.com/office/drawing/2010/main" xmlns="">
                 <a:effectLst>
                   <a:outerShdw blurRad="63500" dist="38099" dir="2700000" algn="ctr" rotWithShape="0">
                     <a:schemeClr val="bg2">
@@ -11083,14 +11548,14 @@
           <a:effectLst/>
           <a:extLst>
             <a:ext uri="{909E8E84-426E-40dd-AFC4-6F175D3DCCD1}">
-              <a14:hiddenFill xmlns="" xmlns:a14="http://schemas.microsoft.com/office/drawing/2010/main">
+              <a14:hiddenFill xmlns:a14="http://schemas.microsoft.com/office/drawing/2010/main" xmlns="">
                 <a:solidFill>
                   <a:schemeClr val="bg2"/>
                 </a:solidFill>
               </a14:hiddenFill>
             </a:ext>
             <a:ext uri="{91240B29-F687-4f45-9708-019B960494DF}">
-              <a14:hiddenLine xmlns="" xmlns:a14="http://schemas.microsoft.com/office/drawing/2010/main" w="12700">
+              <a14:hiddenLine xmlns:a14="http://schemas.microsoft.com/office/drawing/2010/main" xmlns="" w="12700">
                 <a:solidFill>
                   <a:schemeClr val="tx1"/>
                 </a:solidFill>
@@ -11100,7 +11565,7 @@
               </a14:hiddenLine>
             </a:ext>
             <a:ext uri="{AF507438-7753-43e0-B8FC-AC1667EBCBE1}">
-              <a14:hiddenEffects xmlns="" xmlns:a14="http://schemas.microsoft.com/office/drawing/2010/main">
+              <a14:hiddenEffects xmlns:a14="http://schemas.microsoft.com/office/drawing/2010/main" xmlns="">
                 <a:effectLst>
                   <a:outerShdw blurRad="63500" dist="38099" dir="2700000" algn="ctr" rotWithShape="0">
                     <a:schemeClr val="bg2">
@@ -11159,12 +11624,12 @@
           <a:effectLst/>
           <a:extLst>
             <a:ext uri="{909E8E84-426E-40dd-AFC4-6F175D3DCCD1}">
-              <a14:hiddenFill xmlns="" xmlns:a14="http://schemas.microsoft.com/office/drawing/2010/main">
+              <a14:hiddenFill xmlns:a14="http://schemas.microsoft.com/office/drawing/2010/main" xmlns="">
                 <a:noFill/>
               </a14:hiddenFill>
             </a:ext>
             <a:ext uri="{AF507438-7753-43e0-B8FC-AC1667EBCBE1}">
-              <a14:hiddenEffects xmlns="" xmlns:a14="http://schemas.microsoft.com/office/drawing/2010/main">
+              <a14:hiddenEffects xmlns:a14="http://schemas.microsoft.com/office/drawing/2010/main" xmlns="">
                 <a:effectLst>
                   <a:outerShdw blurRad="63500" dist="38099" dir="2700000" algn="ctr" rotWithShape="0">
                     <a:schemeClr val="bg2">
@@ -11207,14 +11672,14 @@
           <a:effectLst/>
           <a:extLst>
             <a:ext uri="{909E8E84-426E-40dd-AFC4-6F175D3DCCD1}">
-              <a14:hiddenFill xmlns="" xmlns:a14="http://schemas.microsoft.com/office/drawing/2010/main">
+              <a14:hiddenFill xmlns:a14="http://schemas.microsoft.com/office/drawing/2010/main" xmlns="">
                 <a:solidFill>
                   <a:schemeClr val="bg2"/>
                 </a:solidFill>
               </a14:hiddenFill>
             </a:ext>
             <a:ext uri="{91240B29-F687-4f45-9708-019B960494DF}">
-              <a14:hiddenLine xmlns="" xmlns:a14="http://schemas.microsoft.com/office/drawing/2010/main" w="12700">
+              <a14:hiddenLine xmlns:a14="http://schemas.microsoft.com/office/drawing/2010/main" xmlns="" w="12700">
                 <a:solidFill>
                   <a:schemeClr val="tx1"/>
                 </a:solidFill>
@@ -11224,7 +11689,7 @@
               </a14:hiddenLine>
             </a:ext>
             <a:ext uri="{AF507438-7753-43e0-B8FC-AC1667EBCBE1}">
-              <a14:hiddenEffects xmlns="" xmlns:a14="http://schemas.microsoft.com/office/drawing/2010/main">
+              <a14:hiddenEffects xmlns:a14="http://schemas.microsoft.com/office/drawing/2010/main" xmlns="">
                 <a:effectLst>
                   <a:outerShdw blurRad="63500" dist="38099" dir="2700000" algn="ctr" rotWithShape="0">
                     <a:schemeClr val="bg2">
@@ -11283,12 +11748,12 @@
           <a:effectLst/>
           <a:extLst>
             <a:ext uri="{909E8E84-426E-40dd-AFC4-6F175D3DCCD1}">
-              <a14:hiddenFill xmlns="" xmlns:a14="http://schemas.microsoft.com/office/drawing/2010/main">
+              <a14:hiddenFill xmlns:a14="http://schemas.microsoft.com/office/drawing/2010/main" xmlns="">
                 <a:noFill/>
               </a14:hiddenFill>
             </a:ext>
             <a:ext uri="{AF507438-7753-43e0-B8FC-AC1667EBCBE1}">
-              <a14:hiddenEffects xmlns="" xmlns:a14="http://schemas.microsoft.com/office/drawing/2010/main">
+              <a14:hiddenEffects xmlns:a14="http://schemas.microsoft.com/office/drawing/2010/main" xmlns="">
                 <a:effectLst>
                   <a:outerShdw blurRad="63500" dist="38099" dir="2700000" algn="ctr" rotWithShape="0">
                     <a:schemeClr val="bg2">
@@ -11331,14 +11796,14 @@
           <a:effectLst/>
           <a:extLst>
             <a:ext uri="{909E8E84-426E-40dd-AFC4-6F175D3DCCD1}">
-              <a14:hiddenFill xmlns="" xmlns:a14="http://schemas.microsoft.com/office/drawing/2010/main">
+              <a14:hiddenFill xmlns:a14="http://schemas.microsoft.com/office/drawing/2010/main" xmlns="">
                 <a:solidFill>
                   <a:schemeClr val="bg2"/>
                 </a:solidFill>
               </a14:hiddenFill>
             </a:ext>
             <a:ext uri="{91240B29-F687-4f45-9708-019B960494DF}">
-              <a14:hiddenLine xmlns="" xmlns:a14="http://schemas.microsoft.com/office/drawing/2010/main" w="12700">
+              <a14:hiddenLine xmlns:a14="http://schemas.microsoft.com/office/drawing/2010/main" xmlns="" w="12700">
                 <a:solidFill>
                   <a:schemeClr val="tx1"/>
                 </a:solidFill>
@@ -11348,7 +11813,7 @@
               </a14:hiddenLine>
             </a:ext>
             <a:ext uri="{AF507438-7753-43e0-B8FC-AC1667EBCBE1}">
-              <a14:hiddenEffects xmlns="" xmlns:a14="http://schemas.microsoft.com/office/drawing/2010/main">
+              <a14:hiddenEffects xmlns:a14="http://schemas.microsoft.com/office/drawing/2010/main" xmlns="">
                 <a:effectLst>
                   <a:outerShdw blurRad="63500" dist="38099" dir="2700000" algn="ctr" rotWithShape="0">
                     <a:schemeClr val="bg2">
@@ -11404,12 +11869,12 @@
           <a:effectLst/>
           <a:extLst>
             <a:ext uri="{909E8E84-426E-40dd-AFC4-6F175D3DCCD1}">
-              <a14:hiddenFill xmlns="" xmlns:a14="http://schemas.microsoft.com/office/drawing/2010/main">
+              <a14:hiddenFill xmlns:a14="http://schemas.microsoft.com/office/drawing/2010/main" xmlns="">
                 <a:noFill/>
               </a14:hiddenFill>
             </a:ext>
             <a:ext uri="{AF507438-7753-43e0-B8FC-AC1667EBCBE1}">
-              <a14:hiddenEffects xmlns="" xmlns:a14="http://schemas.microsoft.com/office/drawing/2010/main">
+              <a14:hiddenEffects xmlns:a14="http://schemas.microsoft.com/office/drawing/2010/main" xmlns="">
                 <a:effectLst>
                   <a:outerShdw blurRad="63500" dist="38099" dir="2700000" algn="ctr" rotWithShape="0">
                     <a:schemeClr val="bg2">
@@ -11452,14 +11917,14 @@
           <a:effectLst/>
           <a:extLst>
             <a:ext uri="{909E8E84-426E-40dd-AFC4-6F175D3DCCD1}">
-              <a14:hiddenFill xmlns="" xmlns:a14="http://schemas.microsoft.com/office/drawing/2010/main">
+              <a14:hiddenFill xmlns:a14="http://schemas.microsoft.com/office/drawing/2010/main" xmlns="">
                 <a:solidFill>
                   <a:schemeClr val="bg2"/>
                 </a:solidFill>
               </a14:hiddenFill>
             </a:ext>
             <a:ext uri="{91240B29-F687-4f45-9708-019B960494DF}">
-              <a14:hiddenLine xmlns="" xmlns:a14="http://schemas.microsoft.com/office/drawing/2010/main" w="12700">
+              <a14:hiddenLine xmlns:a14="http://schemas.microsoft.com/office/drawing/2010/main" xmlns="" w="12700">
                 <a:solidFill>
                   <a:schemeClr val="tx1"/>
                 </a:solidFill>
@@ -11469,7 +11934,7 @@
               </a14:hiddenLine>
             </a:ext>
             <a:ext uri="{AF507438-7753-43e0-B8FC-AC1667EBCBE1}">
-              <a14:hiddenEffects xmlns="" xmlns:a14="http://schemas.microsoft.com/office/drawing/2010/main">
+              <a14:hiddenEffects xmlns:a14="http://schemas.microsoft.com/office/drawing/2010/main" xmlns="">
                 <a:effectLst>
                   <a:outerShdw blurRad="63500" dist="38099" dir="2700000" algn="ctr" rotWithShape="0">
                     <a:schemeClr val="bg2">
@@ -11528,12 +11993,12 @@
           <a:effectLst/>
           <a:extLst>
             <a:ext uri="{909E8E84-426E-40dd-AFC4-6F175D3DCCD1}">
-              <a14:hiddenFill xmlns="" xmlns:a14="http://schemas.microsoft.com/office/drawing/2010/main">
+              <a14:hiddenFill xmlns:a14="http://schemas.microsoft.com/office/drawing/2010/main" xmlns="">
                 <a:noFill/>
               </a14:hiddenFill>
             </a:ext>
             <a:ext uri="{AF507438-7753-43e0-B8FC-AC1667EBCBE1}">
-              <a14:hiddenEffects xmlns="" xmlns:a14="http://schemas.microsoft.com/office/drawing/2010/main">
+              <a14:hiddenEffects xmlns:a14="http://schemas.microsoft.com/office/drawing/2010/main" xmlns="">
                 <a:effectLst>
                   <a:outerShdw blurRad="63500" dist="38099" dir="2700000" algn="ctr" rotWithShape="0">
                     <a:schemeClr val="bg2">
@@ -11581,12 +12046,12 @@
           <a:effectLst/>
           <a:extLst>
             <a:ext uri="{909E8E84-426E-40dd-AFC4-6F175D3DCCD1}">
-              <a14:hiddenFill xmlns="" xmlns:a14="http://schemas.microsoft.com/office/drawing/2010/main">
+              <a14:hiddenFill xmlns:a14="http://schemas.microsoft.com/office/drawing/2010/main" xmlns="">
                 <a:noFill/>
               </a14:hiddenFill>
             </a:ext>
             <a:ext uri="{AF507438-7753-43e0-B8FC-AC1667EBCBE1}">
-              <a14:hiddenEffects xmlns="" xmlns:a14="http://schemas.microsoft.com/office/drawing/2010/main">
+              <a14:hiddenEffects xmlns:a14="http://schemas.microsoft.com/office/drawing/2010/main" xmlns="">
                 <a:effectLst>
                   <a:outerShdw blurRad="63500" dist="38099" dir="2700000" algn="ctr" rotWithShape="0">
                     <a:schemeClr val="bg2">
@@ -11634,12 +12099,12 @@
           <a:effectLst/>
           <a:extLst>
             <a:ext uri="{909E8E84-426E-40dd-AFC4-6F175D3DCCD1}">
-              <a14:hiddenFill xmlns="" xmlns:a14="http://schemas.microsoft.com/office/drawing/2010/main">
+              <a14:hiddenFill xmlns:a14="http://schemas.microsoft.com/office/drawing/2010/main" xmlns="">
                 <a:noFill/>
               </a14:hiddenFill>
             </a:ext>
             <a:ext uri="{AF507438-7753-43e0-B8FC-AC1667EBCBE1}">
-              <a14:hiddenEffects xmlns="" xmlns:a14="http://schemas.microsoft.com/office/drawing/2010/main">
+              <a14:hiddenEffects xmlns:a14="http://schemas.microsoft.com/office/drawing/2010/main" xmlns="">
                 <a:effectLst>
                   <a:outerShdw blurRad="63500" dist="38099" dir="2700000" algn="ctr" rotWithShape="0">
                     <a:schemeClr val="bg2">
@@ -11687,12 +12152,12 @@
           <a:effectLst/>
           <a:extLst>
             <a:ext uri="{909E8E84-426E-40dd-AFC4-6F175D3DCCD1}">
-              <a14:hiddenFill xmlns="" xmlns:a14="http://schemas.microsoft.com/office/drawing/2010/main">
+              <a14:hiddenFill xmlns:a14="http://schemas.microsoft.com/office/drawing/2010/main" xmlns="">
                 <a:noFill/>
               </a14:hiddenFill>
             </a:ext>
             <a:ext uri="{AF507438-7753-43e0-B8FC-AC1667EBCBE1}">
-              <a14:hiddenEffects xmlns="" xmlns:a14="http://schemas.microsoft.com/office/drawing/2010/main">
+              <a14:hiddenEffects xmlns:a14="http://schemas.microsoft.com/office/drawing/2010/main" xmlns="">
                 <a:effectLst>
                   <a:outerShdw blurRad="63500" dist="38099" dir="2700000" algn="ctr" rotWithShape="0">
                     <a:schemeClr val="bg2">
@@ -11740,12 +12205,12 @@
           <a:effectLst/>
           <a:extLst>
             <a:ext uri="{909E8E84-426E-40dd-AFC4-6F175D3DCCD1}">
-              <a14:hiddenFill xmlns="" xmlns:a14="http://schemas.microsoft.com/office/drawing/2010/main">
+              <a14:hiddenFill xmlns:a14="http://schemas.microsoft.com/office/drawing/2010/main" xmlns="">
                 <a:noFill/>
               </a14:hiddenFill>
             </a:ext>
             <a:ext uri="{AF507438-7753-43e0-B8FC-AC1667EBCBE1}">
-              <a14:hiddenEffects xmlns="" xmlns:a14="http://schemas.microsoft.com/office/drawing/2010/main">
+              <a14:hiddenEffects xmlns:a14="http://schemas.microsoft.com/office/drawing/2010/main" xmlns="">
                 <a:effectLst>
                   <a:outerShdw blurRad="63500" dist="38099" dir="2700000" algn="ctr" rotWithShape="0">
                     <a:schemeClr val="bg2">
@@ -11793,12 +12258,12 @@
           <a:effectLst/>
           <a:extLst>
             <a:ext uri="{909E8E84-426E-40dd-AFC4-6F175D3DCCD1}">
-              <a14:hiddenFill xmlns="" xmlns:a14="http://schemas.microsoft.com/office/drawing/2010/main">
+              <a14:hiddenFill xmlns:a14="http://schemas.microsoft.com/office/drawing/2010/main" xmlns="">
                 <a:noFill/>
               </a14:hiddenFill>
             </a:ext>
             <a:ext uri="{AF507438-7753-43e0-B8FC-AC1667EBCBE1}">
-              <a14:hiddenEffects xmlns="" xmlns:a14="http://schemas.microsoft.com/office/drawing/2010/main">
+              <a14:hiddenEffects xmlns:a14="http://schemas.microsoft.com/office/drawing/2010/main" xmlns="">
                 <a:effectLst>
                   <a:outerShdw blurRad="63500" dist="38099" dir="2700000" algn="ctr" rotWithShape="0">
                     <a:schemeClr val="bg2">
@@ -11846,12 +12311,12 @@
           <a:effectLst/>
           <a:extLst>
             <a:ext uri="{909E8E84-426E-40dd-AFC4-6F175D3DCCD1}">
-              <a14:hiddenFill xmlns="" xmlns:a14="http://schemas.microsoft.com/office/drawing/2010/main">
+              <a14:hiddenFill xmlns:a14="http://schemas.microsoft.com/office/drawing/2010/main" xmlns="">
                 <a:noFill/>
               </a14:hiddenFill>
             </a:ext>
             <a:ext uri="{AF507438-7753-43e0-B8FC-AC1667EBCBE1}">
-              <a14:hiddenEffects xmlns="" xmlns:a14="http://schemas.microsoft.com/office/drawing/2010/main">
+              <a14:hiddenEffects xmlns:a14="http://schemas.microsoft.com/office/drawing/2010/main" xmlns="">
                 <a:effectLst>
                   <a:outerShdw blurRad="63500" dist="38099" dir="2700000" algn="ctr" rotWithShape="0">
                     <a:schemeClr val="bg2">
@@ -11899,12 +12364,12 @@
           <a:effectLst/>
           <a:extLst>
             <a:ext uri="{909E8E84-426E-40dd-AFC4-6F175D3DCCD1}">
-              <a14:hiddenFill xmlns="" xmlns:a14="http://schemas.microsoft.com/office/drawing/2010/main">
+              <a14:hiddenFill xmlns:a14="http://schemas.microsoft.com/office/drawing/2010/main" xmlns="">
                 <a:noFill/>
               </a14:hiddenFill>
             </a:ext>
             <a:ext uri="{AF507438-7753-43e0-B8FC-AC1667EBCBE1}">
-              <a14:hiddenEffects xmlns="" xmlns:a14="http://schemas.microsoft.com/office/drawing/2010/main">
+              <a14:hiddenEffects xmlns:a14="http://schemas.microsoft.com/office/drawing/2010/main" xmlns="">
                 <a:effectLst>
                   <a:outerShdw blurRad="63500" dist="38099" dir="2700000" algn="ctr" rotWithShape="0">
                     <a:schemeClr val="bg2">
@@ -11952,12 +12417,12 @@
           <a:effectLst/>
           <a:extLst>
             <a:ext uri="{909E8E84-426E-40dd-AFC4-6F175D3DCCD1}">
-              <a14:hiddenFill xmlns="" xmlns:a14="http://schemas.microsoft.com/office/drawing/2010/main">
+              <a14:hiddenFill xmlns:a14="http://schemas.microsoft.com/office/drawing/2010/main" xmlns="">
                 <a:noFill/>
               </a14:hiddenFill>
             </a:ext>
             <a:ext uri="{AF507438-7753-43e0-B8FC-AC1667EBCBE1}">
-              <a14:hiddenEffects xmlns="" xmlns:a14="http://schemas.microsoft.com/office/drawing/2010/main">
+              <a14:hiddenEffects xmlns:a14="http://schemas.microsoft.com/office/drawing/2010/main" xmlns="">
                 <a:effectLst>
                   <a:outerShdw blurRad="63500" dist="38099" dir="2700000" algn="ctr" rotWithShape="0">
                     <a:schemeClr val="bg2">
@@ -12005,12 +12470,12 @@
           <a:effectLst/>
           <a:extLst>
             <a:ext uri="{909E8E84-426E-40dd-AFC4-6F175D3DCCD1}">
-              <a14:hiddenFill xmlns="" xmlns:a14="http://schemas.microsoft.com/office/drawing/2010/main">
+              <a14:hiddenFill xmlns:a14="http://schemas.microsoft.com/office/drawing/2010/main" xmlns="">
                 <a:noFill/>
               </a14:hiddenFill>
             </a:ext>
             <a:ext uri="{AF507438-7753-43e0-B8FC-AC1667EBCBE1}">
-              <a14:hiddenEffects xmlns="" xmlns:a14="http://schemas.microsoft.com/office/drawing/2010/main">
+              <a14:hiddenEffects xmlns:a14="http://schemas.microsoft.com/office/drawing/2010/main" xmlns="">
                 <a:effectLst>
                   <a:outerShdw blurRad="63500" dist="38099" dir="2700000" algn="ctr" rotWithShape="0">
                     <a:schemeClr val="bg2">
@@ -12053,14 +12518,14 @@
           <a:effectLst/>
           <a:extLst>
             <a:ext uri="{909E8E84-426E-40dd-AFC4-6F175D3DCCD1}">
-              <a14:hiddenFill xmlns="" xmlns:a14="http://schemas.microsoft.com/office/drawing/2010/main">
+              <a14:hiddenFill xmlns:a14="http://schemas.microsoft.com/office/drawing/2010/main" xmlns="">
                 <a:solidFill>
                   <a:schemeClr val="bg2"/>
                 </a:solidFill>
               </a14:hiddenFill>
             </a:ext>
             <a:ext uri="{91240B29-F687-4f45-9708-019B960494DF}">
-              <a14:hiddenLine xmlns="" xmlns:a14="http://schemas.microsoft.com/office/drawing/2010/main" w="25400">
+              <a14:hiddenLine xmlns:a14="http://schemas.microsoft.com/office/drawing/2010/main" xmlns="" w="25400">
                 <a:solidFill>
                   <a:schemeClr val="tx2"/>
                 </a:solidFill>
@@ -12070,7 +12535,7 @@
               </a14:hiddenLine>
             </a:ext>
             <a:ext uri="{AF507438-7753-43e0-B8FC-AC1667EBCBE1}">
-              <a14:hiddenEffects xmlns="" xmlns:a14="http://schemas.microsoft.com/office/drawing/2010/main">
+              <a14:hiddenEffects xmlns:a14="http://schemas.microsoft.com/office/drawing/2010/main" xmlns="">
                 <a:effectLst>
                   <a:outerShdw blurRad="63500" dist="38099" dir="2700000" algn="ctr" rotWithShape="0">
                     <a:schemeClr val="bg2">
@@ -12123,12 +12588,12 @@
           <a:effectLst/>
           <a:extLst>
             <a:ext uri="{909E8E84-426E-40dd-AFC4-6F175D3DCCD1}">
-              <a14:hiddenFill xmlns="" xmlns:a14="http://schemas.microsoft.com/office/drawing/2010/main">
+              <a14:hiddenFill xmlns:a14="http://schemas.microsoft.com/office/drawing/2010/main" xmlns="">
                 <a:noFill/>
               </a14:hiddenFill>
             </a:ext>
             <a:ext uri="{AF507438-7753-43e0-B8FC-AC1667EBCBE1}">
-              <a14:hiddenEffects xmlns="" xmlns:a14="http://schemas.microsoft.com/office/drawing/2010/main">
+              <a14:hiddenEffects xmlns:a14="http://schemas.microsoft.com/office/drawing/2010/main" xmlns="">
                 <a:effectLst>
                   <a:outerShdw blurRad="63500" dist="38099" dir="2700000" algn="ctr" rotWithShape="0">
                     <a:schemeClr val="bg2">
@@ -12424,7 +12889,7 @@
             <a:fld id="{9507A418-0CEB-9E4A-BA45-3B7D3D133EB9}" type="slidenum">
               <a:rPr lang="en-US" smtClean="0"/>
               <a:pPr/>
-              <a:t>16</a:t>
+              <a:t>18</a:t>
             </a:fld>
             <a:endParaRPr lang="en-US"/>
           </a:p>
@@ -12937,7 +13402,7 @@
 </p:sld>
 </file>
 
-<file path=ppt/slides/slide17.xml><?xml version="1.0" encoding="utf-8"?>
+<file path=ppt/slides/slide19.xml><?xml version="1.0" encoding="utf-8"?>
 <p:sld xmlns:a="http://schemas.openxmlformats.org/drawingml/2006/main" xmlns:r="http://schemas.openxmlformats.org/officeDocument/2006/relationships" xmlns:p="http://schemas.openxmlformats.org/presentationml/2006/main">
   <p:cSld>
     <p:spTree>
@@ -12999,14 +13464,14 @@
           <a:effectLst/>
           <a:extLst>
             <a:ext uri="{909E8E84-426E-40dd-AFC4-6F175D3DCCD1}">
-              <a14:hiddenFill xmlns="" xmlns:a14="http://schemas.microsoft.com/office/drawing/2010/main">
+              <a14:hiddenFill xmlns:a14="http://schemas.microsoft.com/office/drawing/2010/main" xmlns="">
                 <a:solidFill>
                   <a:schemeClr val="bg2"/>
                 </a:solidFill>
               </a14:hiddenFill>
             </a:ext>
             <a:ext uri="{91240B29-F687-4f45-9708-019B960494DF}">
-              <a14:hiddenLine xmlns="" xmlns:a14="http://schemas.microsoft.com/office/drawing/2010/main" w="12700">
+              <a14:hiddenLine xmlns:a14="http://schemas.microsoft.com/office/drawing/2010/main" xmlns="" w="12700">
                 <a:solidFill>
                   <a:schemeClr val="tx1"/>
                 </a:solidFill>
@@ -13016,7 +13481,7 @@
               </a14:hiddenLine>
             </a:ext>
             <a:ext uri="{AF507438-7753-43e0-B8FC-AC1667EBCBE1}">
-              <a14:hiddenEffects xmlns="" xmlns:a14="http://schemas.microsoft.com/office/drawing/2010/main">
+              <a14:hiddenEffects xmlns:a14="http://schemas.microsoft.com/office/drawing/2010/main" xmlns="">
                 <a:effectLst>
                   <a:outerShdw blurRad="63500" dist="38099" dir="2700000" algn="ctr" rotWithShape="0">
                     <a:schemeClr val="bg2">
@@ -13067,14 +13532,14 @@
           <a:effectLst/>
           <a:extLst>
             <a:ext uri="{909E8E84-426E-40dd-AFC4-6F175D3DCCD1}">
-              <a14:hiddenFill xmlns="" xmlns:a14="http://schemas.microsoft.com/office/drawing/2010/main">
+              <a14:hiddenFill xmlns:a14="http://schemas.microsoft.com/office/drawing/2010/main" xmlns="">
                 <a:solidFill>
                   <a:schemeClr val="bg2"/>
                 </a:solidFill>
               </a14:hiddenFill>
             </a:ext>
             <a:ext uri="{91240B29-F687-4f45-9708-019B960494DF}">
-              <a14:hiddenLine xmlns="" xmlns:a14="http://schemas.microsoft.com/office/drawing/2010/main" w="12700">
+              <a14:hiddenLine xmlns:a14="http://schemas.microsoft.com/office/drawing/2010/main" xmlns="" w="12700">
                 <a:solidFill>
                   <a:schemeClr val="tx1"/>
                 </a:solidFill>
@@ -13084,7 +13549,7 @@
               </a14:hiddenLine>
             </a:ext>
             <a:ext uri="{AF507438-7753-43e0-B8FC-AC1667EBCBE1}">
-              <a14:hiddenEffects xmlns="" xmlns:a14="http://schemas.microsoft.com/office/drawing/2010/main">
+              <a14:hiddenEffects xmlns:a14="http://schemas.microsoft.com/office/drawing/2010/main" xmlns="">
                 <a:effectLst>
                   <a:outerShdw blurRad="63500" dist="38099" dir="2700000" algn="ctr" rotWithShape="0">
                     <a:schemeClr val="bg2">
@@ -13135,14 +13600,14 @@
           <a:effectLst/>
           <a:extLst>
             <a:ext uri="{909E8E84-426E-40dd-AFC4-6F175D3DCCD1}">
-              <a14:hiddenFill xmlns="" xmlns:a14="http://schemas.microsoft.com/office/drawing/2010/main">
+              <a14:hiddenFill xmlns:a14="http://schemas.microsoft.com/office/drawing/2010/main" xmlns="">
                 <a:solidFill>
                   <a:schemeClr val="bg2"/>
                 </a:solidFill>
               </a14:hiddenFill>
             </a:ext>
             <a:ext uri="{91240B29-F687-4f45-9708-019B960494DF}">
-              <a14:hiddenLine xmlns="" xmlns:a14="http://schemas.microsoft.com/office/drawing/2010/main" w="12700">
+              <a14:hiddenLine xmlns:a14="http://schemas.microsoft.com/office/drawing/2010/main" xmlns="" w="12700">
                 <a:solidFill>
                   <a:schemeClr val="tx1"/>
                 </a:solidFill>
@@ -13152,7 +13617,7 @@
               </a14:hiddenLine>
             </a:ext>
             <a:ext uri="{AF507438-7753-43e0-B8FC-AC1667EBCBE1}">
-              <a14:hiddenEffects xmlns="" xmlns:a14="http://schemas.microsoft.com/office/drawing/2010/main">
+              <a14:hiddenEffects xmlns:a14="http://schemas.microsoft.com/office/drawing/2010/main" xmlns="">
                 <a:effectLst>
                   <a:outerShdw blurRad="63500" dist="38099" dir="2700000" algn="ctr" rotWithShape="0">
                     <a:schemeClr val="bg2">
@@ -13203,14 +13668,14 @@
           <a:effectLst/>
           <a:extLst>
             <a:ext uri="{909E8E84-426E-40dd-AFC4-6F175D3DCCD1}">
-              <a14:hiddenFill xmlns="" xmlns:a14="http://schemas.microsoft.com/office/drawing/2010/main">
+              <a14:hiddenFill xmlns:a14="http://schemas.microsoft.com/office/drawing/2010/main" xmlns="">
                 <a:solidFill>
                   <a:schemeClr val="bg2"/>
                 </a:solidFill>
               </a14:hiddenFill>
             </a:ext>
             <a:ext uri="{91240B29-F687-4f45-9708-019B960494DF}">
-              <a14:hiddenLine xmlns="" xmlns:a14="http://schemas.microsoft.com/office/drawing/2010/main" w="12700">
+              <a14:hiddenLine xmlns:a14="http://schemas.microsoft.com/office/drawing/2010/main" xmlns="" w="12700">
                 <a:solidFill>
                   <a:schemeClr val="tx1"/>
                 </a:solidFill>
@@ -13220,7 +13685,7 @@
               </a14:hiddenLine>
             </a:ext>
             <a:ext uri="{AF507438-7753-43e0-B8FC-AC1667EBCBE1}">
-              <a14:hiddenEffects xmlns="" xmlns:a14="http://schemas.microsoft.com/office/drawing/2010/main">
+              <a14:hiddenEffects xmlns:a14="http://schemas.microsoft.com/office/drawing/2010/main" xmlns="">
                 <a:effectLst>
                   <a:outerShdw blurRad="63500" dist="38099" dir="2700000" algn="ctr" rotWithShape="0">
                     <a:schemeClr val="bg2">
@@ -13271,14 +13736,14 @@
           <a:effectLst/>
           <a:extLst>
             <a:ext uri="{909E8E84-426E-40dd-AFC4-6F175D3DCCD1}">
-              <a14:hiddenFill xmlns="" xmlns:a14="http://schemas.microsoft.com/office/drawing/2010/main">
+              <a14:hiddenFill xmlns:a14="http://schemas.microsoft.com/office/drawing/2010/main" xmlns="">
                 <a:solidFill>
                   <a:schemeClr val="bg2"/>
                 </a:solidFill>
               </a14:hiddenFill>
             </a:ext>
             <a:ext uri="{91240B29-F687-4f45-9708-019B960494DF}">
-              <a14:hiddenLine xmlns="" xmlns:a14="http://schemas.microsoft.com/office/drawing/2010/main" w="12700">
+              <a14:hiddenLine xmlns:a14="http://schemas.microsoft.com/office/drawing/2010/main" xmlns="" w="12700">
                 <a:solidFill>
                   <a:schemeClr val="tx1"/>
                 </a:solidFill>
@@ -13288,7 +13753,7 @@
               </a14:hiddenLine>
             </a:ext>
             <a:ext uri="{AF507438-7753-43e0-B8FC-AC1667EBCBE1}">
-              <a14:hiddenEffects xmlns="" xmlns:a14="http://schemas.microsoft.com/office/drawing/2010/main">
+              <a14:hiddenEffects xmlns:a14="http://schemas.microsoft.com/office/drawing/2010/main" xmlns="">
                 <a:effectLst>
                   <a:outerShdw blurRad="63500" dist="38099" dir="2700000" algn="ctr" rotWithShape="0">
                     <a:schemeClr val="bg2">
@@ -13339,14 +13804,14 @@
           <a:effectLst/>
           <a:extLst>
             <a:ext uri="{909E8E84-426E-40dd-AFC4-6F175D3DCCD1}">
-              <a14:hiddenFill xmlns="" xmlns:a14="http://schemas.microsoft.com/office/drawing/2010/main">
+              <a14:hiddenFill xmlns:a14="http://schemas.microsoft.com/office/drawing/2010/main" xmlns="">
                 <a:solidFill>
                   <a:schemeClr val="bg2"/>
                 </a:solidFill>
               </a14:hiddenFill>
             </a:ext>
             <a:ext uri="{91240B29-F687-4f45-9708-019B960494DF}">
-              <a14:hiddenLine xmlns="" xmlns:a14="http://schemas.microsoft.com/office/drawing/2010/main" w="12700">
+              <a14:hiddenLine xmlns:a14="http://schemas.microsoft.com/office/drawing/2010/main" xmlns="" w="12700">
                 <a:solidFill>
                   <a:schemeClr val="tx1"/>
                 </a:solidFill>
@@ -13356,7 +13821,7 @@
               </a14:hiddenLine>
             </a:ext>
             <a:ext uri="{AF507438-7753-43e0-B8FC-AC1667EBCBE1}">
-              <a14:hiddenEffects xmlns="" xmlns:a14="http://schemas.microsoft.com/office/drawing/2010/main">
+              <a14:hiddenEffects xmlns:a14="http://schemas.microsoft.com/office/drawing/2010/main" xmlns="">
                 <a:effectLst>
                   <a:outerShdw blurRad="63500" dist="38099" dir="2700000" algn="ctr" rotWithShape="0">
                     <a:schemeClr val="bg2">
@@ -13407,14 +13872,14 @@
           <a:effectLst/>
           <a:extLst>
             <a:ext uri="{909E8E84-426E-40dd-AFC4-6F175D3DCCD1}">
-              <a14:hiddenFill xmlns="" xmlns:a14="http://schemas.microsoft.com/office/drawing/2010/main">
+              <a14:hiddenFill xmlns:a14="http://schemas.microsoft.com/office/drawing/2010/main" xmlns="">
                 <a:solidFill>
                   <a:schemeClr val="bg2"/>
                 </a:solidFill>
               </a14:hiddenFill>
             </a:ext>
             <a:ext uri="{91240B29-F687-4f45-9708-019B960494DF}">
-              <a14:hiddenLine xmlns="" xmlns:a14="http://schemas.microsoft.com/office/drawing/2010/main" w="12700">
+              <a14:hiddenLine xmlns:a14="http://schemas.microsoft.com/office/drawing/2010/main" xmlns="" w="12700">
                 <a:solidFill>
                   <a:schemeClr val="tx1"/>
                 </a:solidFill>
@@ -13424,7 +13889,7 @@
               </a14:hiddenLine>
             </a:ext>
             <a:ext uri="{AF507438-7753-43e0-B8FC-AC1667EBCBE1}">
-              <a14:hiddenEffects xmlns="" xmlns:a14="http://schemas.microsoft.com/office/drawing/2010/main">
+              <a14:hiddenEffects xmlns:a14="http://schemas.microsoft.com/office/drawing/2010/main" xmlns="">
                 <a:effectLst>
                   <a:outerShdw blurRad="63500" dist="38099" dir="2700000" algn="ctr" rotWithShape="0">
                     <a:schemeClr val="bg2">
@@ -13475,14 +13940,14 @@
           <a:effectLst/>
           <a:extLst>
             <a:ext uri="{909E8E84-426E-40dd-AFC4-6F175D3DCCD1}">
-              <a14:hiddenFill xmlns="" xmlns:a14="http://schemas.microsoft.com/office/drawing/2010/main">
+              <a14:hiddenFill xmlns:a14="http://schemas.microsoft.com/office/drawing/2010/main" xmlns="">
                 <a:solidFill>
                   <a:schemeClr val="bg2"/>
                 </a:solidFill>
               </a14:hiddenFill>
             </a:ext>
             <a:ext uri="{91240B29-F687-4f45-9708-019B960494DF}">
-              <a14:hiddenLine xmlns="" xmlns:a14="http://schemas.microsoft.com/office/drawing/2010/main" w="12700">
+              <a14:hiddenLine xmlns:a14="http://schemas.microsoft.com/office/drawing/2010/main" xmlns="" w="12700">
                 <a:solidFill>
                   <a:schemeClr val="tx1"/>
                 </a:solidFill>
@@ -13492,7 +13957,7 @@
               </a14:hiddenLine>
             </a:ext>
             <a:ext uri="{AF507438-7753-43e0-B8FC-AC1667EBCBE1}">
-              <a14:hiddenEffects xmlns="" xmlns:a14="http://schemas.microsoft.com/office/drawing/2010/main">
+              <a14:hiddenEffects xmlns:a14="http://schemas.microsoft.com/office/drawing/2010/main" xmlns="">
                 <a:effectLst>
                   <a:outerShdw blurRad="63500" dist="38099" dir="2700000" algn="ctr" rotWithShape="0">
                     <a:schemeClr val="bg2">
@@ -13543,14 +14008,14 @@
           <a:effectLst/>
           <a:extLst>
             <a:ext uri="{909E8E84-426E-40dd-AFC4-6F175D3DCCD1}">
-              <a14:hiddenFill xmlns="" xmlns:a14="http://schemas.microsoft.com/office/drawing/2010/main">
+              <a14:hiddenFill xmlns:a14="http://schemas.microsoft.com/office/drawing/2010/main" xmlns="">
                 <a:solidFill>
                   <a:schemeClr val="bg2"/>
                 </a:solidFill>
               </a14:hiddenFill>
             </a:ext>
             <a:ext uri="{91240B29-F687-4f45-9708-019B960494DF}">
-              <a14:hiddenLine xmlns="" xmlns:a14="http://schemas.microsoft.com/office/drawing/2010/main" w="12700">
+              <a14:hiddenLine xmlns:a14="http://schemas.microsoft.com/office/drawing/2010/main" xmlns="" w="12700">
                 <a:solidFill>
                   <a:schemeClr val="tx1"/>
                 </a:solidFill>
@@ -13560,7 +14025,7 @@
               </a14:hiddenLine>
             </a:ext>
             <a:ext uri="{AF507438-7753-43e0-B8FC-AC1667EBCBE1}">
-              <a14:hiddenEffects xmlns="" xmlns:a14="http://schemas.microsoft.com/office/drawing/2010/main">
+              <a14:hiddenEffects xmlns:a14="http://schemas.microsoft.com/office/drawing/2010/main" xmlns="">
                 <a:effectLst>
                   <a:outerShdw blurRad="63500" dist="38099" dir="2700000" algn="ctr" rotWithShape="0">
                     <a:schemeClr val="bg2">
@@ -13611,14 +14076,14 @@
           <a:effectLst/>
           <a:extLst>
             <a:ext uri="{909E8E84-426E-40dd-AFC4-6F175D3DCCD1}">
-              <a14:hiddenFill xmlns="" xmlns:a14="http://schemas.microsoft.com/office/drawing/2010/main">
+              <a14:hiddenFill xmlns:a14="http://schemas.microsoft.com/office/drawing/2010/main" xmlns="">
                 <a:solidFill>
                   <a:schemeClr val="bg2"/>
                 </a:solidFill>
               </a14:hiddenFill>
             </a:ext>
             <a:ext uri="{91240B29-F687-4f45-9708-019B960494DF}">
-              <a14:hiddenLine xmlns="" xmlns:a14="http://schemas.microsoft.com/office/drawing/2010/main" w="12700">
+              <a14:hiddenLine xmlns:a14="http://schemas.microsoft.com/office/drawing/2010/main" xmlns="" w="12700">
                 <a:solidFill>
                   <a:schemeClr val="tx1"/>
                 </a:solidFill>
@@ -13628,7 +14093,7 @@
               </a14:hiddenLine>
             </a:ext>
             <a:ext uri="{AF507438-7753-43e0-B8FC-AC1667EBCBE1}">
-              <a14:hiddenEffects xmlns="" xmlns:a14="http://schemas.microsoft.com/office/drawing/2010/main">
+              <a14:hiddenEffects xmlns:a14="http://schemas.microsoft.com/office/drawing/2010/main" xmlns="">
                 <a:effectLst>
                   <a:outerShdw blurRad="63500" dist="38099" dir="2700000" algn="ctr" rotWithShape="0">
                     <a:schemeClr val="bg2">
@@ -13682,14 +14147,14 @@
           <a:effectLst/>
           <a:extLst>
             <a:ext uri="{909E8E84-426E-40dd-AFC4-6F175D3DCCD1}">
-              <a14:hiddenFill xmlns="" xmlns:a14="http://schemas.microsoft.com/office/drawing/2010/main">
+              <a14:hiddenFill xmlns:a14="http://schemas.microsoft.com/office/drawing/2010/main" xmlns="">
                 <a:solidFill>
                   <a:schemeClr val="bg2"/>
                 </a:solidFill>
               </a14:hiddenFill>
             </a:ext>
             <a:ext uri="{91240B29-F687-4f45-9708-019B960494DF}">
-              <a14:hiddenLine xmlns="" xmlns:a14="http://schemas.microsoft.com/office/drawing/2010/main" w="12700">
+              <a14:hiddenLine xmlns:a14="http://schemas.microsoft.com/office/drawing/2010/main" xmlns="" w="12700">
                 <a:solidFill>
                   <a:schemeClr val="tx1"/>
                 </a:solidFill>
@@ -13699,7 +14164,7 @@
               </a14:hiddenLine>
             </a:ext>
             <a:ext uri="{AF507438-7753-43e0-B8FC-AC1667EBCBE1}">
-              <a14:hiddenEffects xmlns="" xmlns:a14="http://schemas.microsoft.com/office/drawing/2010/main">
+              <a14:hiddenEffects xmlns:a14="http://schemas.microsoft.com/office/drawing/2010/main" xmlns="">
                 <a:effectLst>
                   <a:outerShdw blurRad="63500" dist="38099" dir="2700000" algn="ctr" rotWithShape="0">
                     <a:schemeClr val="bg2">
@@ -13758,12 +14223,12 @@
           <a:effectLst/>
           <a:extLst>
             <a:ext uri="{909E8E84-426E-40dd-AFC4-6F175D3DCCD1}">
-              <a14:hiddenFill xmlns="" xmlns:a14="http://schemas.microsoft.com/office/drawing/2010/main">
+              <a14:hiddenFill xmlns:a14="http://schemas.microsoft.com/office/drawing/2010/main" xmlns="">
                 <a:noFill/>
               </a14:hiddenFill>
             </a:ext>
             <a:ext uri="{AF507438-7753-43e0-B8FC-AC1667EBCBE1}">
-              <a14:hiddenEffects xmlns="" xmlns:a14="http://schemas.microsoft.com/office/drawing/2010/main">
+              <a14:hiddenEffects xmlns:a14="http://schemas.microsoft.com/office/drawing/2010/main" xmlns="">
                 <a:effectLst>
                   <a:outerShdw blurRad="63500" dist="38099" dir="2700000" algn="ctr" rotWithShape="0">
                     <a:schemeClr val="bg2">
@@ -13806,14 +14271,14 @@
           <a:effectLst/>
           <a:extLst>
             <a:ext uri="{909E8E84-426E-40dd-AFC4-6F175D3DCCD1}">
-              <a14:hiddenFill xmlns="" xmlns:a14="http://schemas.microsoft.com/office/drawing/2010/main">
+              <a14:hiddenFill xmlns:a14="http://schemas.microsoft.com/office/drawing/2010/main" xmlns="">
                 <a:solidFill>
                   <a:schemeClr val="bg2"/>
                 </a:solidFill>
               </a14:hiddenFill>
             </a:ext>
             <a:ext uri="{91240B29-F687-4f45-9708-019B960494DF}">
-              <a14:hiddenLine xmlns="" xmlns:a14="http://schemas.microsoft.com/office/drawing/2010/main" w="12700">
+              <a14:hiddenLine xmlns:a14="http://schemas.microsoft.com/office/drawing/2010/main" xmlns="" w="12700">
                 <a:solidFill>
                   <a:schemeClr val="tx1"/>
                 </a:solidFill>
@@ -13823,7 +14288,7 @@
               </a14:hiddenLine>
             </a:ext>
             <a:ext uri="{AF507438-7753-43e0-B8FC-AC1667EBCBE1}">
-              <a14:hiddenEffects xmlns="" xmlns:a14="http://schemas.microsoft.com/office/drawing/2010/main">
+              <a14:hiddenEffects xmlns:a14="http://schemas.microsoft.com/office/drawing/2010/main" xmlns="">
                 <a:effectLst>
                   <a:outerShdw blurRad="63500" dist="38099" dir="2700000" algn="ctr" rotWithShape="0">
                     <a:schemeClr val="bg2">
@@ -13882,12 +14347,12 @@
           <a:effectLst/>
           <a:extLst>
             <a:ext uri="{909E8E84-426E-40dd-AFC4-6F175D3DCCD1}">
-              <a14:hiddenFill xmlns="" xmlns:a14="http://schemas.microsoft.com/office/drawing/2010/main">
+              <a14:hiddenFill xmlns:a14="http://schemas.microsoft.com/office/drawing/2010/main" xmlns="">
                 <a:noFill/>
               </a14:hiddenFill>
             </a:ext>
             <a:ext uri="{AF507438-7753-43e0-B8FC-AC1667EBCBE1}">
-              <a14:hiddenEffects xmlns="" xmlns:a14="http://schemas.microsoft.com/office/drawing/2010/main">
+              <a14:hiddenEffects xmlns:a14="http://schemas.microsoft.com/office/drawing/2010/main" xmlns="">
                 <a:effectLst>
                   <a:outerShdw blurRad="63500" dist="38099" dir="2700000" algn="ctr" rotWithShape="0">
                     <a:schemeClr val="bg2">
@@ -13930,14 +14395,14 @@
           <a:effectLst/>
           <a:extLst>
             <a:ext uri="{909E8E84-426E-40dd-AFC4-6F175D3DCCD1}">
-              <a14:hiddenFill xmlns="" xmlns:a14="http://schemas.microsoft.com/office/drawing/2010/main">
+              <a14:hiddenFill xmlns:a14="http://schemas.microsoft.com/office/drawing/2010/main" xmlns="">
                 <a:solidFill>
                   <a:schemeClr val="bg2"/>
                 </a:solidFill>
               </a14:hiddenFill>
             </a:ext>
             <a:ext uri="{91240B29-F687-4f45-9708-019B960494DF}">
-              <a14:hiddenLine xmlns="" xmlns:a14="http://schemas.microsoft.com/office/drawing/2010/main" w="12700">
+              <a14:hiddenLine xmlns:a14="http://schemas.microsoft.com/office/drawing/2010/main" xmlns="" w="12700">
                 <a:solidFill>
                   <a:schemeClr val="tx1"/>
                 </a:solidFill>
@@ -13947,7 +14412,7 @@
               </a14:hiddenLine>
             </a:ext>
             <a:ext uri="{AF507438-7753-43e0-B8FC-AC1667EBCBE1}">
-              <a14:hiddenEffects xmlns="" xmlns:a14="http://schemas.microsoft.com/office/drawing/2010/main">
+              <a14:hiddenEffects xmlns:a14="http://schemas.microsoft.com/office/drawing/2010/main" xmlns="">
                 <a:effectLst>
                   <a:outerShdw blurRad="63500" dist="38099" dir="2700000" algn="ctr" rotWithShape="0">
                     <a:schemeClr val="bg2">
@@ -14003,12 +14468,12 @@
           <a:effectLst/>
           <a:extLst>
             <a:ext uri="{909E8E84-426E-40dd-AFC4-6F175D3DCCD1}">
-              <a14:hiddenFill xmlns="" xmlns:a14="http://schemas.microsoft.com/office/drawing/2010/main">
+              <a14:hiddenFill xmlns:a14="http://schemas.microsoft.com/office/drawing/2010/main" xmlns="">
                 <a:noFill/>
               </a14:hiddenFill>
             </a:ext>
             <a:ext uri="{AF507438-7753-43e0-B8FC-AC1667EBCBE1}">
-              <a14:hiddenEffects xmlns="" xmlns:a14="http://schemas.microsoft.com/office/drawing/2010/main">
+              <a14:hiddenEffects xmlns:a14="http://schemas.microsoft.com/office/drawing/2010/main" xmlns="">
                 <a:effectLst>
                   <a:outerShdw blurRad="63500" dist="38099" dir="2700000" algn="ctr" rotWithShape="0">
                     <a:schemeClr val="bg2">
@@ -14051,14 +14516,14 @@
           <a:effectLst/>
           <a:extLst>
             <a:ext uri="{909E8E84-426E-40dd-AFC4-6F175D3DCCD1}">
-              <a14:hiddenFill xmlns="" xmlns:a14="http://schemas.microsoft.com/office/drawing/2010/main">
+              <a14:hiddenFill xmlns:a14="http://schemas.microsoft.com/office/drawing/2010/main" xmlns="">
                 <a:solidFill>
                   <a:schemeClr val="bg2"/>
                 </a:solidFill>
               </a14:hiddenFill>
             </a:ext>
             <a:ext uri="{91240B29-F687-4f45-9708-019B960494DF}">
-              <a14:hiddenLine xmlns="" xmlns:a14="http://schemas.microsoft.com/office/drawing/2010/main" w="12700">
+              <a14:hiddenLine xmlns:a14="http://schemas.microsoft.com/office/drawing/2010/main" xmlns="" w="12700">
                 <a:solidFill>
                   <a:schemeClr val="tx1"/>
                 </a:solidFill>
@@ -14068,7 +14533,7 @@
               </a14:hiddenLine>
             </a:ext>
             <a:ext uri="{AF507438-7753-43e0-B8FC-AC1667EBCBE1}">
-              <a14:hiddenEffects xmlns="" xmlns:a14="http://schemas.microsoft.com/office/drawing/2010/main">
+              <a14:hiddenEffects xmlns:a14="http://schemas.microsoft.com/office/drawing/2010/main" xmlns="">
                 <a:effectLst>
                   <a:outerShdw blurRad="63500" dist="38099" dir="2700000" algn="ctr" rotWithShape="0">
                     <a:schemeClr val="bg2">
@@ -14127,12 +14592,12 @@
           <a:effectLst/>
           <a:extLst>
             <a:ext uri="{909E8E84-426E-40dd-AFC4-6F175D3DCCD1}">
-              <a14:hiddenFill xmlns="" xmlns:a14="http://schemas.microsoft.com/office/drawing/2010/main">
+              <a14:hiddenFill xmlns:a14="http://schemas.microsoft.com/office/drawing/2010/main" xmlns="">
                 <a:noFill/>
               </a14:hiddenFill>
             </a:ext>
             <a:ext uri="{AF507438-7753-43e0-B8FC-AC1667EBCBE1}">
-              <a14:hiddenEffects xmlns="" xmlns:a14="http://schemas.microsoft.com/office/drawing/2010/main">
+              <a14:hiddenEffects xmlns:a14="http://schemas.microsoft.com/office/drawing/2010/main" xmlns="">
                 <a:effectLst>
                   <a:outerShdw blurRad="63500" dist="38099" dir="2700000" algn="ctr" rotWithShape="0">
                     <a:schemeClr val="bg2">
@@ -14180,12 +14645,12 @@
           <a:effectLst/>
           <a:extLst>
             <a:ext uri="{909E8E84-426E-40dd-AFC4-6F175D3DCCD1}">
-              <a14:hiddenFill xmlns="" xmlns:a14="http://schemas.microsoft.com/office/drawing/2010/main">
+              <a14:hiddenFill xmlns:a14="http://schemas.microsoft.com/office/drawing/2010/main" xmlns="">
                 <a:noFill/>
               </a14:hiddenFill>
             </a:ext>
             <a:ext uri="{AF507438-7753-43e0-B8FC-AC1667EBCBE1}">
-              <a14:hiddenEffects xmlns="" xmlns:a14="http://schemas.microsoft.com/office/drawing/2010/main">
+              <a14:hiddenEffects xmlns:a14="http://schemas.microsoft.com/office/drawing/2010/main" xmlns="">
                 <a:effectLst>
                   <a:outerShdw blurRad="63500" dist="38099" dir="2700000" algn="ctr" rotWithShape="0">
                     <a:schemeClr val="bg2">
@@ -14233,12 +14698,12 @@
           <a:effectLst/>
           <a:extLst>
             <a:ext uri="{909E8E84-426E-40dd-AFC4-6F175D3DCCD1}">
-              <a14:hiddenFill xmlns="" xmlns:a14="http://schemas.microsoft.com/office/drawing/2010/main">
+              <a14:hiddenFill xmlns:a14="http://schemas.microsoft.com/office/drawing/2010/main" xmlns="">
                 <a:noFill/>
               </a14:hiddenFill>
             </a:ext>
             <a:ext uri="{AF507438-7753-43e0-B8FC-AC1667EBCBE1}">
-              <a14:hiddenEffects xmlns="" xmlns:a14="http://schemas.microsoft.com/office/drawing/2010/main">
+              <a14:hiddenEffects xmlns:a14="http://schemas.microsoft.com/office/drawing/2010/main" xmlns="">
                 <a:effectLst>
                   <a:outerShdw blurRad="63500" dist="38099" dir="2700000" algn="ctr" rotWithShape="0">
                     <a:schemeClr val="bg2">
@@ -14286,12 +14751,12 @@
           <a:effectLst/>
           <a:extLst>
             <a:ext uri="{909E8E84-426E-40dd-AFC4-6F175D3DCCD1}">
-              <a14:hiddenFill xmlns="" xmlns:a14="http://schemas.microsoft.com/office/drawing/2010/main">
+              <a14:hiddenFill xmlns:a14="http://schemas.microsoft.com/office/drawing/2010/main" xmlns="">
                 <a:noFill/>
               </a14:hiddenFill>
             </a:ext>
             <a:ext uri="{AF507438-7753-43e0-B8FC-AC1667EBCBE1}">
-              <a14:hiddenEffects xmlns="" xmlns:a14="http://schemas.microsoft.com/office/drawing/2010/main">
+              <a14:hiddenEffects xmlns:a14="http://schemas.microsoft.com/office/drawing/2010/main" xmlns="">
                 <a:effectLst>
                   <a:outerShdw blurRad="63500" dist="38099" dir="2700000" algn="ctr" rotWithShape="0">
                     <a:schemeClr val="bg2">
@@ -14339,12 +14804,12 @@
           <a:effectLst/>
           <a:extLst>
             <a:ext uri="{909E8E84-426E-40dd-AFC4-6F175D3DCCD1}">
-              <a14:hiddenFill xmlns="" xmlns:a14="http://schemas.microsoft.com/office/drawing/2010/main">
+              <a14:hiddenFill xmlns:a14="http://schemas.microsoft.com/office/drawing/2010/main" xmlns="">
                 <a:noFill/>
               </a14:hiddenFill>
             </a:ext>
             <a:ext uri="{AF507438-7753-43e0-B8FC-AC1667EBCBE1}">
-              <a14:hiddenEffects xmlns="" xmlns:a14="http://schemas.microsoft.com/office/drawing/2010/main">
+              <a14:hiddenEffects xmlns:a14="http://schemas.microsoft.com/office/drawing/2010/main" xmlns="">
                 <a:effectLst>
                   <a:outerShdw blurRad="63500" dist="38099" dir="2700000" algn="ctr" rotWithShape="0">
                     <a:schemeClr val="bg2">
@@ -14392,12 +14857,12 @@
           <a:effectLst/>
           <a:extLst>
             <a:ext uri="{909E8E84-426E-40dd-AFC4-6F175D3DCCD1}">
-              <a14:hiddenFill xmlns="" xmlns:a14="http://schemas.microsoft.com/office/drawing/2010/main">
+              <a14:hiddenFill xmlns:a14="http://schemas.microsoft.com/office/drawing/2010/main" xmlns="">
                 <a:noFill/>
               </a14:hiddenFill>
             </a:ext>
             <a:ext uri="{AF507438-7753-43e0-B8FC-AC1667EBCBE1}">
-              <a14:hiddenEffects xmlns="" xmlns:a14="http://schemas.microsoft.com/office/drawing/2010/main">
+              <a14:hiddenEffects xmlns:a14="http://schemas.microsoft.com/office/drawing/2010/main" xmlns="">
                 <a:effectLst>
                   <a:outerShdw blurRad="63500" dist="38099" dir="2700000" algn="ctr" rotWithShape="0">
                     <a:schemeClr val="bg2">
@@ -14445,12 +14910,12 @@
           <a:effectLst/>
           <a:extLst>
             <a:ext uri="{909E8E84-426E-40dd-AFC4-6F175D3DCCD1}">
-              <a14:hiddenFill xmlns="" xmlns:a14="http://schemas.microsoft.com/office/drawing/2010/main">
+              <a14:hiddenFill xmlns:a14="http://schemas.microsoft.com/office/drawing/2010/main" xmlns="">
                 <a:noFill/>
               </a14:hiddenFill>
             </a:ext>
             <a:ext uri="{AF507438-7753-43e0-B8FC-AC1667EBCBE1}">
-              <a14:hiddenEffects xmlns="" xmlns:a14="http://schemas.microsoft.com/office/drawing/2010/main">
+              <a14:hiddenEffects xmlns:a14="http://schemas.microsoft.com/office/drawing/2010/main" xmlns="">
                 <a:effectLst>
                   <a:outerShdw blurRad="63500" dist="38099" dir="2700000" algn="ctr" rotWithShape="0">
                     <a:schemeClr val="bg2">
@@ -14498,12 +14963,12 @@
           <a:effectLst/>
           <a:extLst>
             <a:ext uri="{909E8E84-426E-40dd-AFC4-6F175D3DCCD1}">
-              <a14:hiddenFill xmlns="" xmlns:a14="http://schemas.microsoft.com/office/drawing/2010/main">
+              <a14:hiddenFill xmlns:a14="http://schemas.microsoft.com/office/drawing/2010/main" xmlns="">
                 <a:noFill/>
               </a14:hiddenFill>
             </a:ext>
             <a:ext uri="{AF507438-7753-43e0-B8FC-AC1667EBCBE1}">
-              <a14:hiddenEffects xmlns="" xmlns:a14="http://schemas.microsoft.com/office/drawing/2010/main">
+              <a14:hiddenEffects xmlns:a14="http://schemas.microsoft.com/office/drawing/2010/main" xmlns="">
                 <a:effectLst>
                   <a:outerShdw blurRad="63500" dist="38099" dir="2700000" algn="ctr" rotWithShape="0">
                     <a:schemeClr val="bg2">
@@ -14551,12 +15016,12 @@
           <a:effectLst/>
           <a:extLst>
             <a:ext uri="{909E8E84-426E-40dd-AFC4-6F175D3DCCD1}">
-              <a14:hiddenFill xmlns="" xmlns:a14="http://schemas.microsoft.com/office/drawing/2010/main">
+              <a14:hiddenFill xmlns:a14="http://schemas.microsoft.com/office/drawing/2010/main" xmlns="">
                 <a:noFill/>
               </a14:hiddenFill>
             </a:ext>
             <a:ext uri="{AF507438-7753-43e0-B8FC-AC1667EBCBE1}">
-              <a14:hiddenEffects xmlns="" xmlns:a14="http://schemas.microsoft.com/office/drawing/2010/main">
+              <a14:hiddenEffects xmlns:a14="http://schemas.microsoft.com/office/drawing/2010/main" xmlns="">
                 <a:effectLst>
                   <a:outerShdw blurRad="63500" dist="38099" dir="2700000" algn="ctr" rotWithShape="0">
                     <a:schemeClr val="bg2">
@@ -14604,12 +15069,12 @@
           <a:effectLst/>
           <a:extLst>
             <a:ext uri="{909E8E84-426E-40dd-AFC4-6F175D3DCCD1}">
-              <a14:hiddenFill xmlns="" xmlns:a14="http://schemas.microsoft.com/office/drawing/2010/main">
+              <a14:hiddenFill xmlns:a14="http://schemas.microsoft.com/office/drawing/2010/main" xmlns="">
                 <a:noFill/>
               </a14:hiddenFill>
             </a:ext>
             <a:ext uri="{AF507438-7753-43e0-B8FC-AC1667EBCBE1}">
-              <a14:hiddenEffects xmlns="" xmlns:a14="http://schemas.microsoft.com/office/drawing/2010/main">
+              <a14:hiddenEffects xmlns:a14="http://schemas.microsoft.com/office/drawing/2010/main" xmlns="">
                 <a:effectLst>
                   <a:outerShdw blurRad="63500" dist="38099" dir="2700000" algn="ctr" rotWithShape="0">
                     <a:schemeClr val="bg2">
@@ -14652,14 +15117,14 @@
           <a:effectLst/>
           <a:extLst>
             <a:ext uri="{909E8E84-426E-40dd-AFC4-6F175D3DCCD1}">
-              <a14:hiddenFill xmlns="" xmlns:a14="http://schemas.microsoft.com/office/drawing/2010/main">
+              <a14:hiddenFill xmlns:a14="http://schemas.microsoft.com/office/drawing/2010/main" xmlns="">
                 <a:solidFill>
                   <a:schemeClr val="bg2"/>
                 </a:solidFill>
               </a14:hiddenFill>
             </a:ext>
             <a:ext uri="{91240B29-F687-4f45-9708-019B960494DF}">
-              <a14:hiddenLine xmlns="" xmlns:a14="http://schemas.microsoft.com/office/drawing/2010/main" w="25400">
+              <a14:hiddenLine xmlns:a14="http://schemas.microsoft.com/office/drawing/2010/main" xmlns="" w="25400">
                 <a:solidFill>
                   <a:schemeClr val="tx2"/>
                 </a:solidFill>
@@ -14669,7 +15134,7 @@
               </a14:hiddenLine>
             </a:ext>
             <a:ext uri="{AF507438-7753-43e0-B8FC-AC1667EBCBE1}">
-              <a14:hiddenEffects xmlns="" xmlns:a14="http://schemas.microsoft.com/office/drawing/2010/main">
+              <a14:hiddenEffects xmlns:a14="http://schemas.microsoft.com/office/drawing/2010/main" xmlns="">
                 <a:effectLst>
                   <a:outerShdw blurRad="63500" dist="38099" dir="2700000" algn="ctr" rotWithShape="0">
                     <a:schemeClr val="bg2">
@@ -14722,12 +15187,12 @@
           <a:effectLst/>
           <a:extLst>
             <a:ext uri="{909E8E84-426E-40dd-AFC4-6F175D3DCCD1}">
-              <a14:hiddenFill xmlns="" xmlns:a14="http://schemas.microsoft.com/office/drawing/2010/main">
+              <a14:hiddenFill xmlns:a14="http://schemas.microsoft.com/office/drawing/2010/main" xmlns="">
                 <a:noFill/>
               </a14:hiddenFill>
             </a:ext>
             <a:ext uri="{AF507438-7753-43e0-B8FC-AC1667EBCBE1}">
-              <a14:hiddenEffects xmlns="" xmlns:a14="http://schemas.microsoft.com/office/drawing/2010/main">
+              <a14:hiddenEffects xmlns:a14="http://schemas.microsoft.com/office/drawing/2010/main" xmlns="">
                 <a:effectLst>
                   <a:outerShdw blurRad="63500" dist="38099" dir="2700000" algn="ctr" rotWithShape="0">
                     <a:schemeClr val="bg2">
@@ -15019,14 +15484,14 @@
           <a:ln/>
           <a:extLst>
             <a:ext uri="{909E8E84-426E-40dd-AFC4-6F175D3DCCD1}">
-              <a14:hiddenFill xmlns="" xmlns:a14="http://schemas.microsoft.com/office/drawing/2010/main">
+              <a14:hiddenFill xmlns:a14="http://schemas.microsoft.com/office/drawing/2010/main" xmlns="">
                 <a:solidFill>
                   <a:schemeClr val="accent1"/>
                 </a:solidFill>
               </a14:hiddenFill>
             </a:ext>
             <a:ext uri="{91240B29-F687-4f45-9708-019B960494DF}">
-              <a14:hiddenLine xmlns="" xmlns:a14="http://schemas.microsoft.com/office/drawing/2010/main" w="12700">
+              <a14:hiddenLine xmlns:a14="http://schemas.microsoft.com/office/drawing/2010/main" xmlns="" w="12700">
                 <a:solidFill>
                   <a:schemeClr val="tx1"/>
                 </a:solidFill>
@@ -15398,7 +15863,7 @@
             <a:fld id="{9507A418-0CEB-9E4A-BA45-3B7D3D133EB9}" type="slidenum">
               <a:rPr lang="en-US" smtClean="0"/>
               <a:pPr/>
-              <a:t>17</a:t>
+              <a:t>19</a:t>
             </a:fld>
             <a:endParaRPr lang="en-US"/>
           </a:p>
@@ -15417,7 +15882,7 @@
 </p:sld>
 </file>
 
-<file path=ppt/slides/slide18.xml><?xml version="1.0" encoding="utf-8"?>
+<file path=ppt/slides/slide2.xml><?xml version="1.0" encoding="utf-8"?>
 <p:sld xmlns:a="http://schemas.openxmlformats.org/drawingml/2006/main" xmlns:r="http://schemas.openxmlformats.org/officeDocument/2006/relationships" xmlns:p="http://schemas.openxmlformats.org/presentationml/2006/main">
   <p:cSld>
     <p:spTree>
@@ -15436,6 +15901,160 @@
       </p:grpSpPr>
       <p:sp>
         <p:nvSpPr>
+          <p:cNvPr id="2" name="Title 1"/>
+          <p:cNvSpPr>
+            <a:spLocks noGrp="1"/>
+          </p:cNvSpPr>
+          <p:nvPr>
+            <p:ph type="title"/>
+          </p:nvPr>
+        </p:nvSpPr>
+        <p:spPr/>
+        <p:txBody>
+          <a:bodyPr/>
+          <a:lstStyle/>
+          <a:p>
+            <a:r>
+              <a:rPr lang="en-US" dirty="0"/>
+              <a:t>Agenda</a:t>
+            </a:r>
+          </a:p>
+        </p:txBody>
+      </p:sp>
+      <p:sp>
+        <p:nvSpPr>
+          <p:cNvPr id="3" name="Content Placeholder 2"/>
+          <p:cNvSpPr>
+            <a:spLocks noGrp="1"/>
+          </p:cNvSpPr>
+          <p:nvPr>
+            <p:ph idx="1"/>
+          </p:nvPr>
+        </p:nvSpPr>
+        <p:spPr/>
+        <p:txBody>
+          <a:bodyPr/>
+          <a:lstStyle/>
+          <a:p>
+            <a:r>
+              <a:rPr lang="en-US" dirty="0"/>
+              <a:t>CDN: Content Distribution Network</a:t>
+            </a:r>
+          </a:p>
+          <a:p>
+            <a:r>
+              <a:rPr lang="en-US" dirty="0"/>
+              <a:t>DNS: Domain Name System</a:t>
+            </a:r>
+          </a:p>
+        </p:txBody>
+      </p:sp>
+      <p:sp>
+        <p:nvSpPr>
+          <p:cNvPr id="4" name="Date Placeholder 3"/>
+          <p:cNvSpPr>
+            <a:spLocks noGrp="1"/>
+          </p:cNvSpPr>
+          <p:nvPr>
+            <p:ph type="dt" sz="half" idx="10"/>
+          </p:nvPr>
+        </p:nvSpPr>
+        <p:spPr/>
+        <p:txBody>
+          <a:bodyPr/>
+          <a:lstStyle/>
+          <a:p>
+            <a:r>
+              <a:rPr lang="en-US"/>
+              <a:t>September 14, 2020</a:t>
+            </a:r>
+            <a:endParaRPr lang="en-US" sz="1050" b="0">
+              <a:latin typeface="Times New Roman" charset="0"/>
+            </a:endParaRPr>
+          </a:p>
+        </p:txBody>
+      </p:sp>
+      <p:sp>
+        <p:nvSpPr>
+          <p:cNvPr id="5" name="Footer Placeholder 4"/>
+          <p:cNvSpPr>
+            <a:spLocks noGrp="1"/>
+          </p:cNvSpPr>
+          <p:nvPr>
+            <p:ph type="ftr" sz="quarter" idx="11"/>
+          </p:nvPr>
+        </p:nvSpPr>
+        <p:spPr/>
+        <p:txBody>
+          <a:bodyPr/>
+          <a:lstStyle/>
+          <a:p>
+            <a:r>
+              <a:rPr lang="en-US"/>
+              <a:t>EECS 489 – Lecture 4</a:t>
+            </a:r>
+            <a:endParaRPr lang="en-US" sz="1050" b="0">
+              <a:latin typeface="Times New Roman" charset="0"/>
+            </a:endParaRPr>
+          </a:p>
+        </p:txBody>
+      </p:sp>
+      <p:sp>
+        <p:nvSpPr>
+          <p:cNvPr id="6" name="Slide Number Placeholder 5"/>
+          <p:cNvSpPr>
+            <a:spLocks noGrp="1"/>
+          </p:cNvSpPr>
+          <p:nvPr>
+            <p:ph type="sldNum" sz="quarter" idx="12"/>
+          </p:nvPr>
+        </p:nvSpPr>
+        <p:spPr/>
+        <p:txBody>
+          <a:bodyPr/>
+          <a:lstStyle/>
+          <a:p>
+            <a:fld id="{A190D881-957A-7944-A8D0-1584E528B88F}" type="slidenum">
+              <a:rPr lang="en-US" smtClean="0"/>
+              <a:pPr/>
+              <a:t>2</a:t>
+            </a:fld>
+            <a:endParaRPr lang="en-US"/>
+          </a:p>
+        </p:txBody>
+      </p:sp>
+    </p:spTree>
+    <p:extLst>
+      <p:ext uri="{BB962C8B-B14F-4D97-AF65-F5344CB8AC3E}">
+        <p14:creationId xmlns:p14="http://schemas.microsoft.com/office/powerpoint/2010/main" val="631649081"/>
+      </p:ext>
+    </p:extLst>
+  </p:cSld>
+  <p:clrMapOvr>
+    <a:masterClrMapping/>
+  </p:clrMapOvr>
+</p:sld>
+</file>
+
+<file path=ppt/slides/slide20.xml><?xml version="1.0" encoding="utf-8"?>
+<p:sld xmlns:a="http://schemas.openxmlformats.org/drawingml/2006/main" xmlns:r="http://schemas.openxmlformats.org/officeDocument/2006/relationships" xmlns:p="http://schemas.openxmlformats.org/presentationml/2006/main">
+  <p:cSld>
+    <p:spTree>
+      <p:nvGrpSpPr>
+        <p:cNvPr id="1" name=""/>
+        <p:cNvGrpSpPr/>
+        <p:nvPr/>
+      </p:nvGrpSpPr>
+      <p:grpSpPr>
+        <a:xfrm>
+          <a:off x="0" y="0"/>
+          <a:ext cx="0" cy="0"/>
+          <a:chOff x="0" y="0"/>
+          <a:chExt cx="0" cy="0"/>
+        </a:xfrm>
+      </p:grpSpPr>
+      <p:sp>
+        <p:nvSpPr>
           <p:cNvPr id="67587" name="Rectangle 2"/>
           <p:cNvSpPr>
             <a:spLocks noGrp="1" noChangeArrowheads="1"/>
@@ -15632,7 +16251,7 @@
             <a:fld id="{A190D881-957A-7944-A8D0-1584E528B88F}" type="slidenum">
               <a:rPr lang="en-US" smtClean="0"/>
               <a:pPr/>
-              <a:t>18</a:t>
+              <a:t>20</a:t>
             </a:fld>
             <a:endParaRPr lang="en-US"/>
           </a:p>
@@ -15986,7 +16605,7 @@
 </p:sld>
 </file>
 
-<file path=ppt/slides/slide19.xml><?xml version="1.0" encoding="utf-8"?>
+<file path=ppt/slides/slide21.xml><?xml version="1.0" encoding="utf-8"?>
 <p:sld xmlns:a="http://schemas.openxmlformats.org/drawingml/2006/main" xmlns:r="http://schemas.openxmlformats.org/officeDocument/2006/relationships" xmlns:p="http://schemas.openxmlformats.org/presentationml/2006/main">
   <p:cSld>
     <p:spTree>
@@ -16164,7 +16783,7 @@
             <a:fld id="{A190D881-957A-7944-A8D0-1584E528B88F}" type="slidenum">
               <a:rPr lang="en-US" smtClean="0"/>
               <a:pPr/>
-              <a:t>19</a:t>
+              <a:t>21</a:t>
             </a:fld>
             <a:endParaRPr lang="en-US"/>
           </a:p>
@@ -16376,7 +16995,7 @@
 </p:sld>
 </file>
 
-<file path=ppt/slides/slide2.xml><?xml version="1.0" encoding="utf-8"?>
+<file path=ppt/slides/slide22.xml><?xml version="1.0" encoding="utf-8"?>
 <p:sld xmlns:a="http://schemas.openxmlformats.org/drawingml/2006/main" xmlns:r="http://schemas.openxmlformats.org/officeDocument/2006/relationships" xmlns:p="http://schemas.openxmlformats.org/presentationml/2006/main">
   <p:cSld>
     <p:spTree>
@@ -16395,160 +17014,6 @@
       </p:grpSpPr>
       <p:sp>
         <p:nvSpPr>
-          <p:cNvPr id="2" name="Title 1"/>
-          <p:cNvSpPr>
-            <a:spLocks noGrp="1"/>
-          </p:cNvSpPr>
-          <p:nvPr>
-            <p:ph type="title"/>
-          </p:nvPr>
-        </p:nvSpPr>
-        <p:spPr/>
-        <p:txBody>
-          <a:bodyPr/>
-          <a:lstStyle/>
-          <a:p>
-            <a:r>
-              <a:rPr lang="en-US" dirty="0"/>
-              <a:t>Agenda</a:t>
-            </a:r>
-          </a:p>
-        </p:txBody>
-      </p:sp>
-      <p:sp>
-        <p:nvSpPr>
-          <p:cNvPr id="3" name="Content Placeholder 2"/>
-          <p:cNvSpPr>
-            <a:spLocks noGrp="1"/>
-          </p:cNvSpPr>
-          <p:nvPr>
-            <p:ph idx="1"/>
-          </p:nvPr>
-        </p:nvSpPr>
-        <p:spPr/>
-        <p:txBody>
-          <a:bodyPr/>
-          <a:lstStyle/>
-          <a:p>
-            <a:r>
-              <a:rPr lang="en-US" dirty="0"/>
-              <a:t>CDN: Content Distribution Network</a:t>
-            </a:r>
-          </a:p>
-          <a:p>
-            <a:r>
-              <a:rPr lang="en-US" dirty="0"/>
-              <a:t>DNS: Domain Name System</a:t>
-            </a:r>
-          </a:p>
-        </p:txBody>
-      </p:sp>
-      <p:sp>
-        <p:nvSpPr>
-          <p:cNvPr id="4" name="Date Placeholder 3"/>
-          <p:cNvSpPr>
-            <a:spLocks noGrp="1"/>
-          </p:cNvSpPr>
-          <p:nvPr>
-            <p:ph type="dt" sz="half" idx="10"/>
-          </p:nvPr>
-        </p:nvSpPr>
-        <p:spPr/>
-        <p:txBody>
-          <a:bodyPr/>
-          <a:lstStyle/>
-          <a:p>
-            <a:r>
-              <a:rPr lang="en-US"/>
-              <a:t>September 14, 2020</a:t>
-            </a:r>
-            <a:endParaRPr lang="en-US" sz="1050" b="0">
-              <a:latin typeface="Times New Roman" charset="0"/>
-            </a:endParaRPr>
-          </a:p>
-        </p:txBody>
-      </p:sp>
-      <p:sp>
-        <p:nvSpPr>
-          <p:cNvPr id="5" name="Footer Placeholder 4"/>
-          <p:cNvSpPr>
-            <a:spLocks noGrp="1"/>
-          </p:cNvSpPr>
-          <p:nvPr>
-            <p:ph type="ftr" sz="quarter" idx="11"/>
-          </p:nvPr>
-        </p:nvSpPr>
-        <p:spPr/>
-        <p:txBody>
-          <a:bodyPr/>
-          <a:lstStyle/>
-          <a:p>
-            <a:r>
-              <a:rPr lang="en-US"/>
-              <a:t>EECS 489 – Lecture 4</a:t>
-            </a:r>
-            <a:endParaRPr lang="en-US" sz="1050" b="0">
-              <a:latin typeface="Times New Roman" charset="0"/>
-            </a:endParaRPr>
-          </a:p>
-        </p:txBody>
-      </p:sp>
-      <p:sp>
-        <p:nvSpPr>
-          <p:cNvPr id="6" name="Slide Number Placeholder 5"/>
-          <p:cNvSpPr>
-            <a:spLocks noGrp="1"/>
-          </p:cNvSpPr>
-          <p:nvPr>
-            <p:ph type="sldNum" sz="quarter" idx="12"/>
-          </p:nvPr>
-        </p:nvSpPr>
-        <p:spPr/>
-        <p:txBody>
-          <a:bodyPr/>
-          <a:lstStyle/>
-          <a:p>
-            <a:fld id="{A190D881-957A-7944-A8D0-1584E528B88F}" type="slidenum">
-              <a:rPr lang="en-US" smtClean="0"/>
-              <a:pPr/>
-              <a:t>2</a:t>
-            </a:fld>
-            <a:endParaRPr lang="en-US"/>
-          </a:p>
-        </p:txBody>
-      </p:sp>
-    </p:spTree>
-    <p:extLst>
-      <p:ext uri="{BB962C8B-B14F-4D97-AF65-F5344CB8AC3E}">
-        <p14:creationId xmlns:p14="http://schemas.microsoft.com/office/powerpoint/2010/main" val="631649081"/>
-      </p:ext>
-    </p:extLst>
-  </p:cSld>
-  <p:clrMapOvr>
-    <a:masterClrMapping/>
-  </p:clrMapOvr>
-</p:sld>
-</file>
-
-<file path=ppt/slides/slide20.xml><?xml version="1.0" encoding="utf-8"?>
-<p:sld xmlns:a="http://schemas.openxmlformats.org/drawingml/2006/main" xmlns:r="http://schemas.openxmlformats.org/officeDocument/2006/relationships" xmlns:p="http://schemas.openxmlformats.org/presentationml/2006/main">
-  <p:cSld>
-    <p:spTree>
-      <p:nvGrpSpPr>
-        <p:cNvPr id="1" name=""/>
-        <p:cNvGrpSpPr/>
-        <p:nvPr/>
-      </p:nvGrpSpPr>
-      <p:grpSpPr>
-        <a:xfrm>
-          <a:off x="0" y="0"/>
-          <a:ext cx="0" cy="0"/>
-          <a:chOff x="0" y="0"/>
-          <a:chExt cx="0" cy="0"/>
-        </a:xfrm>
-      </p:grpSpPr>
-      <p:sp>
-        <p:nvSpPr>
           <p:cNvPr id="71683" name="Rectangle 2"/>
           <p:cNvSpPr>
             <a:spLocks noGrp="1" noChangeArrowheads="1"/>
@@ -16619,14 +17084,14 @@
           </a:ln>
           <a:extLst>
             <a:ext uri="{909E8E84-426E-40dd-AFC4-6F175D3DCCD1}">
-              <a14:hiddenFill xmlns="" xmlns:a14="http://schemas.microsoft.com/office/drawing/2010/main">
+              <a14:hiddenFill xmlns:a14="http://schemas.microsoft.com/office/drawing/2010/main" xmlns="">
                 <a:solidFill>
                   <a:srgbClr val="FFFFFF"/>
                 </a:solidFill>
               </a14:hiddenFill>
             </a:ext>
             <a:ext uri="{91240B29-F687-4f45-9708-019B960494DF}">
-              <a14:hiddenLine xmlns="" xmlns:a14="http://schemas.microsoft.com/office/drawing/2010/main" w="9525">
+              <a14:hiddenLine xmlns:a14="http://schemas.microsoft.com/office/drawing/2010/main" xmlns="" w="9525">
                 <a:solidFill>
                   <a:srgbClr val="000000"/>
                 </a:solidFill>
@@ -16680,14 +17145,14 @@
           </a:ln>
           <a:extLst>
             <a:ext uri="{909E8E84-426E-40dd-AFC4-6F175D3DCCD1}">
-              <a14:hiddenFill xmlns="" xmlns:a14="http://schemas.microsoft.com/office/drawing/2010/main">
+              <a14:hiddenFill xmlns:a14="http://schemas.microsoft.com/office/drawing/2010/main" xmlns="">
                 <a:solidFill>
                   <a:srgbClr val="FFFFFF"/>
                 </a:solidFill>
               </a14:hiddenFill>
             </a:ext>
             <a:ext uri="{91240B29-F687-4f45-9708-019B960494DF}">
-              <a14:hiddenLine xmlns="" xmlns:a14="http://schemas.microsoft.com/office/drawing/2010/main" w="9525">
+              <a14:hiddenLine xmlns:a14="http://schemas.microsoft.com/office/drawing/2010/main" xmlns="" w="9525">
                 <a:solidFill>
                   <a:srgbClr val="000000"/>
                 </a:solidFill>
@@ -16767,7 +17232,7 @@
           </a:ln>
           <a:extLst>
             <a:ext uri="{909E8E84-426E-40dd-AFC4-6F175D3DCCD1}">
-              <a14:hiddenFill xmlns="" xmlns:a14="http://schemas.microsoft.com/office/drawing/2010/main">
+              <a14:hiddenFill xmlns:a14="http://schemas.microsoft.com/office/drawing/2010/main" xmlns="">
                 <a:solidFill>
                   <a:srgbClr val="FFFFFF"/>
                 </a:solidFill>
@@ -16805,14 +17270,14 @@
           </a:ln>
           <a:extLst>
             <a:ext uri="{909E8E84-426E-40dd-AFC4-6F175D3DCCD1}">
-              <a14:hiddenFill xmlns="" xmlns:a14="http://schemas.microsoft.com/office/drawing/2010/main">
+              <a14:hiddenFill xmlns:a14="http://schemas.microsoft.com/office/drawing/2010/main" xmlns="">
                 <a:solidFill>
                   <a:srgbClr val="FFFFFF"/>
                 </a:solidFill>
               </a14:hiddenFill>
             </a:ext>
             <a:ext uri="{91240B29-F687-4f45-9708-019B960494DF}">
-              <a14:hiddenLine xmlns="" xmlns:a14="http://schemas.microsoft.com/office/drawing/2010/main" w="9525">
+              <a14:hiddenLine xmlns:a14="http://schemas.microsoft.com/office/drawing/2010/main" xmlns="" w="9525">
                 <a:solidFill>
                   <a:srgbClr val="000000"/>
                 </a:solidFill>
@@ -17047,7 +17512,7 @@
             <a:fld id="{A190D881-957A-7944-A8D0-1584E528B88F}" type="slidenum">
               <a:rPr lang="en-US" smtClean="0"/>
               <a:pPr/>
-              <a:t>20</a:t>
+              <a:t>22</a:t>
             </a:fld>
             <a:endParaRPr lang="en-US"/>
           </a:p>
@@ -17066,7 +17531,7 @@
 </p:sld>
 </file>
 
-<file path=ppt/slides/slide21.xml><?xml version="1.0" encoding="utf-8"?>
+<file path=ppt/slides/slide23.xml><?xml version="1.0" encoding="utf-8"?>
 <p:sld xmlns:a="http://schemas.openxmlformats.org/drawingml/2006/main" xmlns:r="http://schemas.openxmlformats.org/officeDocument/2006/relationships" xmlns:p="http://schemas.openxmlformats.org/presentationml/2006/main">
   <p:cSld>
     <p:spTree>
@@ -17159,14 +17624,14 @@
           </a:ln>
           <a:extLst>
             <a:ext uri="{909E8E84-426E-40dd-AFC4-6F175D3DCCD1}">
-              <a14:hiddenFill xmlns="" xmlns:a14="http://schemas.microsoft.com/office/drawing/2010/main">
+              <a14:hiddenFill xmlns:a14="http://schemas.microsoft.com/office/drawing/2010/main" xmlns="">
                 <a:solidFill>
                   <a:srgbClr val="FFFFFF"/>
                 </a:solidFill>
               </a14:hiddenFill>
             </a:ext>
             <a:ext uri="{91240B29-F687-4f45-9708-019B960494DF}">
-              <a14:hiddenLine xmlns="" xmlns:a14="http://schemas.microsoft.com/office/drawing/2010/main" w="9525">
+              <a14:hiddenLine xmlns:a14="http://schemas.microsoft.com/office/drawing/2010/main" xmlns="" w="9525">
                 <a:solidFill>
                   <a:srgbClr val="000000"/>
                 </a:solidFill>
@@ -17220,14 +17685,14 @@
           </a:ln>
           <a:extLst>
             <a:ext uri="{909E8E84-426E-40dd-AFC4-6F175D3DCCD1}">
-              <a14:hiddenFill xmlns="" xmlns:a14="http://schemas.microsoft.com/office/drawing/2010/main">
+              <a14:hiddenFill xmlns:a14="http://schemas.microsoft.com/office/drawing/2010/main" xmlns="">
                 <a:solidFill>
                   <a:srgbClr val="FFFFFF"/>
                 </a:solidFill>
               </a14:hiddenFill>
             </a:ext>
             <a:ext uri="{91240B29-F687-4f45-9708-019B960494DF}">
-              <a14:hiddenLine xmlns="" xmlns:a14="http://schemas.microsoft.com/office/drawing/2010/main" w="9525">
+              <a14:hiddenLine xmlns:a14="http://schemas.microsoft.com/office/drawing/2010/main" xmlns="" w="9525">
                 <a:solidFill>
                   <a:srgbClr val="000000"/>
                 </a:solidFill>
@@ -17307,7 +17772,7 @@
           </a:ln>
           <a:extLst>
             <a:ext uri="{909E8E84-426E-40dd-AFC4-6F175D3DCCD1}">
-              <a14:hiddenFill xmlns="" xmlns:a14="http://schemas.microsoft.com/office/drawing/2010/main">
+              <a14:hiddenFill xmlns:a14="http://schemas.microsoft.com/office/drawing/2010/main" xmlns="">
                 <a:solidFill>
                   <a:srgbClr val="FFFFFF"/>
                 </a:solidFill>
@@ -17345,14 +17810,14 @@
           </a:ln>
           <a:extLst>
             <a:ext uri="{909E8E84-426E-40dd-AFC4-6F175D3DCCD1}">
-              <a14:hiddenFill xmlns="" xmlns:a14="http://schemas.microsoft.com/office/drawing/2010/main">
+              <a14:hiddenFill xmlns:a14="http://schemas.microsoft.com/office/drawing/2010/main" xmlns="">
                 <a:solidFill>
                   <a:srgbClr val="FFFFFF"/>
                 </a:solidFill>
               </a14:hiddenFill>
             </a:ext>
             <a:ext uri="{91240B29-F687-4f45-9708-019B960494DF}">
-              <a14:hiddenLine xmlns="" xmlns:a14="http://schemas.microsoft.com/office/drawing/2010/main" w="9525">
+              <a14:hiddenLine xmlns:a14="http://schemas.microsoft.com/office/drawing/2010/main" xmlns="" w="9525">
                 <a:solidFill>
                   <a:srgbClr val="000000"/>
                 </a:solidFill>
@@ -17572,7 +18037,7 @@
           </a:ln>
           <a:extLst>
             <a:ext uri="{909E8E84-426E-40dd-AFC4-6F175D3DCCD1}">
-              <a14:hiddenFill xmlns="" xmlns:a14="http://schemas.microsoft.com/office/drawing/2010/main">
+              <a14:hiddenFill xmlns:a14="http://schemas.microsoft.com/office/drawing/2010/main" xmlns="">
                 <a:solidFill>
                   <a:srgbClr val="FFFFFF"/>
                 </a:solidFill>
@@ -17610,14 +18075,14 @@
           </a:ln>
           <a:extLst>
             <a:ext uri="{909E8E84-426E-40dd-AFC4-6F175D3DCCD1}">
-              <a14:hiddenFill xmlns="" xmlns:a14="http://schemas.microsoft.com/office/drawing/2010/main">
+              <a14:hiddenFill xmlns:a14="http://schemas.microsoft.com/office/drawing/2010/main" xmlns="">
                 <a:solidFill>
                   <a:srgbClr val="FFFFFF"/>
                 </a:solidFill>
               </a14:hiddenFill>
             </a:ext>
             <a:ext uri="{91240B29-F687-4f45-9708-019B960494DF}">
-              <a14:hiddenLine xmlns="" xmlns:a14="http://schemas.microsoft.com/office/drawing/2010/main" w="9525">
+              <a14:hiddenLine xmlns:a14="http://schemas.microsoft.com/office/drawing/2010/main" xmlns="" w="9525">
                 <a:solidFill>
                   <a:srgbClr val="000000"/>
                 </a:solidFill>
@@ -17876,7 +18341,7 @@
           </a:ln>
           <a:extLst>
             <a:ext uri="{909E8E84-426E-40dd-AFC4-6F175D3DCCD1}">
-              <a14:hiddenFill xmlns="" xmlns:a14="http://schemas.microsoft.com/office/drawing/2010/main">
+              <a14:hiddenFill xmlns:a14="http://schemas.microsoft.com/office/drawing/2010/main" xmlns="">
                 <a:solidFill>
                   <a:srgbClr val="FFFFFF"/>
                 </a:solidFill>
@@ -17914,14 +18379,14 @@
           </a:ln>
           <a:extLst>
             <a:ext uri="{909E8E84-426E-40dd-AFC4-6F175D3DCCD1}">
-              <a14:hiddenFill xmlns="" xmlns:a14="http://schemas.microsoft.com/office/drawing/2010/main">
+              <a14:hiddenFill xmlns:a14="http://schemas.microsoft.com/office/drawing/2010/main" xmlns="">
                 <a:solidFill>
                   <a:srgbClr val="FFFFFF"/>
                 </a:solidFill>
               </a14:hiddenFill>
             </a:ext>
             <a:ext uri="{91240B29-F687-4f45-9708-019B960494DF}">
-              <a14:hiddenLine xmlns="" xmlns:a14="http://schemas.microsoft.com/office/drawing/2010/main" w="9525">
+              <a14:hiddenLine xmlns:a14="http://schemas.microsoft.com/office/drawing/2010/main" xmlns="" w="9525">
                 <a:solidFill>
                   <a:srgbClr val="000000"/>
                 </a:solidFill>
@@ -18137,7 +18602,7 @@
           </a:ln>
           <a:extLst>
             <a:ext uri="{909E8E84-426E-40dd-AFC4-6F175D3DCCD1}">
-              <a14:hiddenFill xmlns="" xmlns:a14="http://schemas.microsoft.com/office/drawing/2010/main">
+              <a14:hiddenFill xmlns:a14="http://schemas.microsoft.com/office/drawing/2010/main" xmlns="">
                 <a:solidFill>
                   <a:srgbClr val="FFFFFF"/>
                 </a:solidFill>
@@ -18175,14 +18640,14 @@
           </a:ln>
           <a:extLst>
             <a:ext uri="{909E8E84-426E-40dd-AFC4-6F175D3DCCD1}">
-              <a14:hiddenFill xmlns="" xmlns:a14="http://schemas.microsoft.com/office/drawing/2010/main">
+              <a14:hiddenFill xmlns:a14="http://schemas.microsoft.com/office/drawing/2010/main" xmlns="">
                 <a:solidFill>
                   <a:srgbClr val="FFFFFF"/>
                 </a:solidFill>
               </a14:hiddenFill>
             </a:ext>
             <a:ext uri="{91240B29-F687-4f45-9708-019B960494DF}">
-              <a14:hiddenLine xmlns="" xmlns:a14="http://schemas.microsoft.com/office/drawing/2010/main" w="9525">
+              <a14:hiddenLine xmlns:a14="http://schemas.microsoft.com/office/drawing/2010/main" xmlns="" w="9525">
                 <a:solidFill>
                   <a:srgbClr val="000000"/>
                 </a:solidFill>
@@ -18387,7 +18852,7 @@
           </a:ln>
           <a:extLst>
             <a:ext uri="{909E8E84-426E-40dd-AFC4-6F175D3DCCD1}">
-              <a14:hiddenFill xmlns="" xmlns:a14="http://schemas.microsoft.com/office/drawing/2010/main">
+              <a14:hiddenFill xmlns:a14="http://schemas.microsoft.com/office/drawing/2010/main" xmlns="">
                 <a:solidFill>
                   <a:srgbClr val="FFFFFF"/>
                 </a:solidFill>
@@ -18425,14 +18890,14 @@
           </a:ln>
           <a:extLst>
             <a:ext uri="{909E8E84-426E-40dd-AFC4-6F175D3DCCD1}">
-              <a14:hiddenFill xmlns="" xmlns:a14="http://schemas.microsoft.com/office/drawing/2010/main">
+              <a14:hiddenFill xmlns:a14="http://schemas.microsoft.com/office/drawing/2010/main" xmlns="">
                 <a:solidFill>
                   <a:srgbClr val="FFFFFF"/>
                 </a:solidFill>
               </a14:hiddenFill>
             </a:ext>
             <a:ext uri="{91240B29-F687-4f45-9708-019B960494DF}">
-              <a14:hiddenLine xmlns="" xmlns:a14="http://schemas.microsoft.com/office/drawing/2010/main" w="9525">
+              <a14:hiddenLine xmlns:a14="http://schemas.microsoft.com/office/drawing/2010/main" xmlns="" w="9525">
                 <a:solidFill>
                   <a:srgbClr val="000000"/>
                 </a:solidFill>
@@ -18637,7 +19102,7 @@
           </a:ln>
           <a:extLst>
             <a:ext uri="{909E8E84-426E-40dd-AFC4-6F175D3DCCD1}">
-              <a14:hiddenFill xmlns="" xmlns:a14="http://schemas.microsoft.com/office/drawing/2010/main">
+              <a14:hiddenFill xmlns:a14="http://schemas.microsoft.com/office/drawing/2010/main" xmlns="">
                 <a:solidFill>
                   <a:srgbClr val="FFFFFF"/>
                 </a:solidFill>
@@ -18675,14 +19140,14 @@
           </a:ln>
           <a:extLst>
             <a:ext uri="{909E8E84-426E-40dd-AFC4-6F175D3DCCD1}">
-              <a14:hiddenFill xmlns="" xmlns:a14="http://schemas.microsoft.com/office/drawing/2010/main">
+              <a14:hiddenFill xmlns:a14="http://schemas.microsoft.com/office/drawing/2010/main" xmlns="">
                 <a:solidFill>
                   <a:srgbClr val="FFFFFF"/>
                 </a:solidFill>
               </a14:hiddenFill>
             </a:ext>
             <a:ext uri="{91240B29-F687-4f45-9708-019B960494DF}">
-              <a14:hiddenLine xmlns="" xmlns:a14="http://schemas.microsoft.com/office/drawing/2010/main" w="9525">
+              <a14:hiddenLine xmlns:a14="http://schemas.microsoft.com/office/drawing/2010/main" xmlns="" w="9525">
                 <a:solidFill>
                   <a:srgbClr val="000000"/>
                 </a:solidFill>
@@ -18959,7 +19424,7 @@
             <a:fld id="{A190D881-957A-7944-A8D0-1584E528B88F}" type="slidenum">
               <a:rPr lang="en-US" smtClean="0"/>
               <a:pPr/>
-              <a:t>21</a:t>
+              <a:t>23</a:t>
             </a:fld>
             <a:endParaRPr lang="en-US"/>
           </a:p>
@@ -18969,296 +19434,6 @@
     <p:extLst>
       <p:ext uri="{BB962C8B-B14F-4D97-AF65-F5344CB8AC3E}">
         <p14:creationId xmlns:p14="http://schemas.microsoft.com/office/powerpoint/2010/main" val="150347526"/>
-      </p:ext>
-    </p:extLst>
-  </p:cSld>
-  <p:clrMapOvr>
-    <a:masterClrMapping/>
-  </p:clrMapOvr>
-</p:sld>
-</file>
-
-<file path=ppt/slides/slide22.xml><?xml version="1.0" encoding="utf-8"?>
-<p:sld xmlns:a="http://schemas.openxmlformats.org/drawingml/2006/main" xmlns:r="http://schemas.openxmlformats.org/officeDocument/2006/relationships" xmlns:p="http://schemas.openxmlformats.org/presentationml/2006/main">
-  <p:cSld>
-    <p:spTree>
-      <p:nvGrpSpPr>
-        <p:cNvPr id="1" name=""/>
-        <p:cNvGrpSpPr/>
-        <p:nvPr/>
-      </p:nvGrpSpPr>
-      <p:grpSpPr>
-        <a:xfrm>
-          <a:off x="0" y="0"/>
-          <a:ext cx="0" cy="0"/>
-          <a:chOff x="0" y="0"/>
-          <a:chExt cx="0" cy="0"/>
-        </a:xfrm>
-      </p:grpSpPr>
-      <p:sp>
-        <p:nvSpPr>
-          <p:cNvPr id="7" name="Title 6"/>
-          <p:cNvSpPr>
-            <a:spLocks noGrp="1"/>
-          </p:cNvSpPr>
-          <p:nvPr>
-            <p:ph type="title"/>
-          </p:nvPr>
-        </p:nvSpPr>
-        <p:spPr/>
-        <p:txBody>
-          <a:bodyPr/>
-          <a:lstStyle/>
-          <a:p>
-            <a:r>
-              <a:rPr lang="en-US" dirty="0"/>
-              <a:t>5-minute break!</a:t>
-            </a:r>
-          </a:p>
-        </p:txBody>
-      </p:sp>
-      <p:sp>
-        <p:nvSpPr>
-          <p:cNvPr id="8" name="Text Placeholder 7"/>
-          <p:cNvSpPr>
-            <a:spLocks noGrp="1"/>
-          </p:cNvSpPr>
-          <p:nvPr>
-            <p:ph type="body" idx="1"/>
-          </p:nvPr>
-        </p:nvSpPr>
-        <p:spPr/>
-        <p:txBody>
-          <a:bodyPr/>
-          <a:lstStyle/>
-          <a:p>
-            <a:endParaRPr lang="en-US"/>
-          </a:p>
-        </p:txBody>
-      </p:sp>
-      <p:sp>
-        <p:nvSpPr>
-          <p:cNvPr id="4" name="Date Placeholder 3"/>
-          <p:cNvSpPr>
-            <a:spLocks noGrp="1"/>
-          </p:cNvSpPr>
-          <p:nvPr>
-            <p:ph type="dt" sz="half" idx="10"/>
-          </p:nvPr>
-        </p:nvSpPr>
-        <p:spPr/>
-        <p:txBody>
-          <a:bodyPr/>
-          <a:lstStyle/>
-          <a:p>
-            <a:r>
-              <a:rPr lang="en-US"/>
-              <a:t>September 14, 2020</a:t>
-            </a:r>
-            <a:endParaRPr lang="en-US" sz="1050" b="0">
-              <a:latin typeface="Times New Roman" charset="0"/>
-            </a:endParaRPr>
-          </a:p>
-        </p:txBody>
-      </p:sp>
-      <p:sp>
-        <p:nvSpPr>
-          <p:cNvPr id="5" name="Footer Placeholder 4"/>
-          <p:cNvSpPr>
-            <a:spLocks noGrp="1"/>
-          </p:cNvSpPr>
-          <p:nvPr>
-            <p:ph type="ftr" sz="quarter" idx="11"/>
-          </p:nvPr>
-        </p:nvSpPr>
-        <p:spPr/>
-        <p:txBody>
-          <a:bodyPr/>
-          <a:lstStyle/>
-          <a:p>
-            <a:r>
-              <a:rPr lang="en-US"/>
-              <a:t>EECS 489 – Lecture 4</a:t>
-            </a:r>
-            <a:endParaRPr lang="en-US" sz="1050" b="0">
-              <a:latin typeface="Times New Roman" charset="0"/>
-            </a:endParaRPr>
-          </a:p>
-        </p:txBody>
-      </p:sp>
-      <p:sp>
-        <p:nvSpPr>
-          <p:cNvPr id="6" name="Slide Number Placeholder 5"/>
-          <p:cNvSpPr>
-            <a:spLocks noGrp="1"/>
-          </p:cNvSpPr>
-          <p:nvPr>
-            <p:ph type="sldNum" sz="quarter" idx="12"/>
-          </p:nvPr>
-        </p:nvSpPr>
-        <p:spPr/>
-        <p:txBody>
-          <a:bodyPr/>
-          <a:lstStyle/>
-          <a:p>
-            <a:fld id="{A190D881-957A-7944-A8D0-1584E528B88F}" type="slidenum">
-              <a:rPr lang="en-US" smtClean="0"/>
-              <a:pPr/>
-              <a:t>22</a:t>
-            </a:fld>
-            <a:endParaRPr lang="en-US"/>
-          </a:p>
-        </p:txBody>
-      </p:sp>
-    </p:spTree>
-    <p:extLst>
-      <p:ext uri="{BB962C8B-B14F-4D97-AF65-F5344CB8AC3E}">
-        <p14:creationId xmlns:p14="http://schemas.microsoft.com/office/powerpoint/2010/main" val="202957718"/>
-      </p:ext>
-    </p:extLst>
-  </p:cSld>
-  <p:clrMapOvr>
-    <a:masterClrMapping/>
-  </p:clrMapOvr>
-</p:sld>
-</file>
-
-<file path=ppt/slides/slide23.xml><?xml version="1.0" encoding="utf-8"?>
-<p:sld xmlns:a="http://schemas.openxmlformats.org/drawingml/2006/main" xmlns:r="http://schemas.openxmlformats.org/officeDocument/2006/relationships" xmlns:p="http://schemas.openxmlformats.org/presentationml/2006/main">
-  <p:cSld>
-    <p:spTree>
-      <p:nvGrpSpPr>
-        <p:cNvPr id="1" name=""/>
-        <p:cNvGrpSpPr/>
-        <p:nvPr/>
-      </p:nvGrpSpPr>
-      <p:grpSpPr>
-        <a:xfrm>
-          <a:off x="0" y="0"/>
-          <a:ext cx="0" cy="0"/>
-          <a:chOff x="0" y="0"/>
-          <a:chExt cx="0" cy="0"/>
-        </a:xfrm>
-      </p:grpSpPr>
-      <p:sp>
-        <p:nvSpPr>
-          <p:cNvPr id="7" name="Title 6"/>
-          <p:cNvSpPr>
-            <a:spLocks noGrp="1"/>
-          </p:cNvSpPr>
-          <p:nvPr>
-            <p:ph type="title"/>
-          </p:nvPr>
-        </p:nvSpPr>
-        <p:spPr/>
-        <p:txBody>
-          <a:bodyPr/>
-          <a:lstStyle/>
-          <a:p>
-            <a:r>
-              <a:rPr lang="en-US" dirty="0"/>
-              <a:t>Announcements</a:t>
-            </a:r>
-          </a:p>
-        </p:txBody>
-      </p:sp>
-      <p:sp>
-        <p:nvSpPr>
-          <p:cNvPr id="8" name="Content Placeholder 7"/>
-          <p:cNvSpPr>
-            <a:spLocks noGrp="1"/>
-          </p:cNvSpPr>
-          <p:nvPr>
-            <p:ph idx="1"/>
-          </p:nvPr>
-        </p:nvSpPr>
-        <p:spPr/>
-        <p:txBody>
-          <a:bodyPr/>
-          <a:lstStyle/>
-          <a:p>
-            <a:endParaRPr lang="en-US" dirty="0"/>
-          </a:p>
-        </p:txBody>
-      </p:sp>
-      <p:sp>
-        <p:nvSpPr>
-          <p:cNvPr id="4" name="Date Placeholder 3"/>
-          <p:cNvSpPr>
-            <a:spLocks noGrp="1"/>
-          </p:cNvSpPr>
-          <p:nvPr>
-            <p:ph type="dt" sz="half" idx="10"/>
-          </p:nvPr>
-        </p:nvSpPr>
-        <p:spPr/>
-        <p:txBody>
-          <a:bodyPr/>
-          <a:lstStyle/>
-          <a:p>
-            <a:r>
-              <a:rPr lang="en-US"/>
-              <a:t>September 14, 2020</a:t>
-            </a:r>
-            <a:endParaRPr lang="en-US" sz="1050" b="0">
-              <a:latin typeface="Times New Roman" charset="0"/>
-            </a:endParaRPr>
-          </a:p>
-        </p:txBody>
-      </p:sp>
-      <p:sp>
-        <p:nvSpPr>
-          <p:cNvPr id="5" name="Footer Placeholder 4"/>
-          <p:cNvSpPr>
-            <a:spLocks noGrp="1"/>
-          </p:cNvSpPr>
-          <p:nvPr>
-            <p:ph type="ftr" sz="quarter" idx="11"/>
-          </p:nvPr>
-        </p:nvSpPr>
-        <p:spPr/>
-        <p:txBody>
-          <a:bodyPr/>
-          <a:lstStyle/>
-          <a:p>
-            <a:r>
-              <a:rPr lang="en-US"/>
-              <a:t>EECS 489 – Lecture 4</a:t>
-            </a:r>
-            <a:endParaRPr lang="en-US" sz="1050" b="0">
-              <a:latin typeface="Times New Roman" charset="0"/>
-            </a:endParaRPr>
-          </a:p>
-        </p:txBody>
-      </p:sp>
-      <p:sp>
-        <p:nvSpPr>
-          <p:cNvPr id="6" name="Slide Number Placeholder 5"/>
-          <p:cNvSpPr>
-            <a:spLocks noGrp="1"/>
-          </p:cNvSpPr>
-          <p:nvPr>
-            <p:ph type="sldNum" sz="quarter" idx="12"/>
-          </p:nvPr>
-        </p:nvSpPr>
-        <p:spPr/>
-        <p:txBody>
-          <a:bodyPr/>
-          <a:lstStyle/>
-          <a:p>
-            <a:fld id="{81F2EB77-FB6C-2244-A076-ADF097535D48}" type="slidenum">
-              <a:rPr lang="en-US" smtClean="0"/>
-              <a:pPr/>
-              <a:t>23</a:t>
-            </a:fld>
-            <a:endParaRPr lang="en-US"/>
-          </a:p>
-        </p:txBody>
-      </p:sp>
-    </p:spTree>
-    <p:extLst>
-      <p:ext uri="{BB962C8B-B14F-4D97-AF65-F5344CB8AC3E}">
-        <p14:creationId xmlns:p14="http://schemas.microsoft.com/office/powerpoint/2010/main" val="1677897595"/>
       </p:ext>
     </p:extLst>
   </p:cSld>
@@ -19287,6 +19462,307 @@
       </p:grpSpPr>
       <p:sp>
         <p:nvSpPr>
+          <p:cNvPr id="7" name="Title 6"/>
+          <p:cNvSpPr>
+            <a:spLocks noGrp="1"/>
+          </p:cNvSpPr>
+          <p:nvPr>
+            <p:ph type="title"/>
+          </p:nvPr>
+        </p:nvSpPr>
+        <p:spPr/>
+        <p:txBody>
+          <a:bodyPr/>
+          <a:lstStyle/>
+          <a:p>
+            <a:r>
+              <a:rPr lang="en-US" dirty="0"/>
+              <a:t>5-minute break!</a:t>
+            </a:r>
+          </a:p>
+        </p:txBody>
+      </p:sp>
+      <p:sp>
+        <p:nvSpPr>
+          <p:cNvPr id="8" name="Text Placeholder 7"/>
+          <p:cNvSpPr>
+            <a:spLocks noGrp="1"/>
+          </p:cNvSpPr>
+          <p:nvPr>
+            <p:ph type="body" idx="1"/>
+          </p:nvPr>
+        </p:nvSpPr>
+        <p:spPr/>
+        <p:txBody>
+          <a:bodyPr/>
+          <a:lstStyle/>
+          <a:p>
+            <a:endParaRPr lang="en-US"/>
+          </a:p>
+        </p:txBody>
+      </p:sp>
+      <p:sp>
+        <p:nvSpPr>
+          <p:cNvPr id="4" name="Date Placeholder 3"/>
+          <p:cNvSpPr>
+            <a:spLocks noGrp="1"/>
+          </p:cNvSpPr>
+          <p:nvPr>
+            <p:ph type="dt" sz="half" idx="10"/>
+          </p:nvPr>
+        </p:nvSpPr>
+        <p:spPr/>
+        <p:txBody>
+          <a:bodyPr/>
+          <a:lstStyle/>
+          <a:p>
+            <a:r>
+              <a:rPr lang="en-US"/>
+              <a:t>September 14, 2020</a:t>
+            </a:r>
+            <a:endParaRPr lang="en-US" sz="1050" b="0">
+              <a:latin typeface="Times New Roman" charset="0"/>
+            </a:endParaRPr>
+          </a:p>
+        </p:txBody>
+      </p:sp>
+      <p:sp>
+        <p:nvSpPr>
+          <p:cNvPr id="5" name="Footer Placeholder 4"/>
+          <p:cNvSpPr>
+            <a:spLocks noGrp="1"/>
+          </p:cNvSpPr>
+          <p:nvPr>
+            <p:ph type="ftr" sz="quarter" idx="11"/>
+          </p:nvPr>
+        </p:nvSpPr>
+        <p:spPr/>
+        <p:txBody>
+          <a:bodyPr/>
+          <a:lstStyle/>
+          <a:p>
+            <a:r>
+              <a:rPr lang="en-US"/>
+              <a:t>EECS 489 – Lecture 4</a:t>
+            </a:r>
+            <a:endParaRPr lang="en-US" sz="1050" b="0">
+              <a:latin typeface="Times New Roman" charset="0"/>
+            </a:endParaRPr>
+          </a:p>
+        </p:txBody>
+      </p:sp>
+      <p:sp>
+        <p:nvSpPr>
+          <p:cNvPr id="6" name="Slide Number Placeholder 5"/>
+          <p:cNvSpPr>
+            <a:spLocks noGrp="1"/>
+          </p:cNvSpPr>
+          <p:nvPr>
+            <p:ph type="sldNum" sz="quarter" idx="12"/>
+          </p:nvPr>
+        </p:nvSpPr>
+        <p:spPr/>
+        <p:txBody>
+          <a:bodyPr/>
+          <a:lstStyle/>
+          <a:p>
+            <a:fld id="{A190D881-957A-7944-A8D0-1584E528B88F}" type="slidenum">
+              <a:rPr lang="en-US" smtClean="0"/>
+              <a:pPr/>
+              <a:t>24</a:t>
+            </a:fld>
+            <a:endParaRPr lang="en-US"/>
+          </a:p>
+        </p:txBody>
+      </p:sp>
+    </p:spTree>
+    <p:extLst>
+      <p:ext uri="{BB962C8B-B14F-4D97-AF65-F5344CB8AC3E}">
+        <p14:creationId xmlns:p14="http://schemas.microsoft.com/office/powerpoint/2010/main" val="202957718"/>
+      </p:ext>
+    </p:extLst>
+  </p:cSld>
+  <p:clrMapOvr>
+    <a:masterClrMapping/>
+  </p:clrMapOvr>
+</p:sld>
+</file>
+
+<file path=ppt/slides/slide25.xml><?xml version="1.0" encoding="utf-8"?>
+<p:sld xmlns:a="http://schemas.openxmlformats.org/drawingml/2006/main" xmlns:r="http://schemas.openxmlformats.org/officeDocument/2006/relationships" xmlns:p="http://schemas.openxmlformats.org/presentationml/2006/main">
+  <p:cSld>
+    <p:spTree>
+      <p:nvGrpSpPr>
+        <p:cNvPr id="1" name=""/>
+        <p:cNvGrpSpPr/>
+        <p:nvPr/>
+      </p:nvGrpSpPr>
+      <p:grpSpPr>
+        <a:xfrm>
+          <a:off x="0" y="0"/>
+          <a:ext cx="0" cy="0"/>
+          <a:chOff x="0" y="0"/>
+          <a:chExt cx="0" cy="0"/>
+        </a:xfrm>
+      </p:grpSpPr>
+      <p:sp>
+        <p:nvSpPr>
+          <p:cNvPr id="7" name="Title 6"/>
+          <p:cNvSpPr>
+            <a:spLocks noGrp="1"/>
+          </p:cNvSpPr>
+          <p:nvPr>
+            <p:ph type="title"/>
+          </p:nvPr>
+        </p:nvSpPr>
+        <p:spPr/>
+        <p:txBody>
+          <a:bodyPr/>
+          <a:lstStyle/>
+          <a:p>
+            <a:r>
+              <a:rPr lang="en-US" dirty="0"/>
+              <a:t>Announcements</a:t>
+            </a:r>
+          </a:p>
+        </p:txBody>
+      </p:sp>
+      <p:sp>
+        <p:nvSpPr>
+          <p:cNvPr id="8" name="Content Placeholder 7"/>
+          <p:cNvSpPr>
+            <a:spLocks noGrp="1"/>
+          </p:cNvSpPr>
+          <p:nvPr>
+            <p:ph idx="1"/>
+          </p:nvPr>
+        </p:nvSpPr>
+        <p:spPr/>
+        <p:txBody>
+          <a:bodyPr/>
+          <a:lstStyle/>
+          <a:p>
+            <a:r>
+              <a:rPr lang="en-US" dirty="0" err="1"/>
+              <a:t>Autograder</a:t>
+            </a:r>
+            <a:r>
+              <a:rPr lang="en-US" dirty="0"/>
+              <a:t> is down because the authentication is not working on the EECS server that hosts it</a:t>
+            </a:r>
+          </a:p>
+          <a:p>
+            <a:pPr lvl="1"/>
+            <a:endParaRPr lang="en-US" dirty="0"/>
+          </a:p>
+        </p:txBody>
+      </p:sp>
+      <p:sp>
+        <p:nvSpPr>
+          <p:cNvPr id="4" name="Date Placeholder 3"/>
+          <p:cNvSpPr>
+            <a:spLocks noGrp="1"/>
+          </p:cNvSpPr>
+          <p:nvPr>
+            <p:ph type="dt" sz="half" idx="10"/>
+          </p:nvPr>
+        </p:nvSpPr>
+        <p:spPr/>
+        <p:txBody>
+          <a:bodyPr/>
+          <a:lstStyle/>
+          <a:p>
+            <a:r>
+              <a:rPr lang="en-US"/>
+              <a:t>September 14, 2020</a:t>
+            </a:r>
+            <a:endParaRPr lang="en-US" sz="1050" b="0">
+              <a:latin typeface="Times New Roman" charset="0"/>
+            </a:endParaRPr>
+          </a:p>
+        </p:txBody>
+      </p:sp>
+      <p:sp>
+        <p:nvSpPr>
+          <p:cNvPr id="5" name="Footer Placeholder 4"/>
+          <p:cNvSpPr>
+            <a:spLocks noGrp="1"/>
+          </p:cNvSpPr>
+          <p:nvPr>
+            <p:ph type="ftr" sz="quarter" idx="11"/>
+          </p:nvPr>
+        </p:nvSpPr>
+        <p:spPr/>
+        <p:txBody>
+          <a:bodyPr/>
+          <a:lstStyle/>
+          <a:p>
+            <a:r>
+              <a:rPr lang="en-US"/>
+              <a:t>EECS 489 – Lecture 4</a:t>
+            </a:r>
+            <a:endParaRPr lang="en-US" sz="1050" b="0">
+              <a:latin typeface="Times New Roman" charset="0"/>
+            </a:endParaRPr>
+          </a:p>
+        </p:txBody>
+      </p:sp>
+      <p:sp>
+        <p:nvSpPr>
+          <p:cNvPr id="6" name="Slide Number Placeholder 5"/>
+          <p:cNvSpPr>
+            <a:spLocks noGrp="1"/>
+          </p:cNvSpPr>
+          <p:nvPr>
+            <p:ph type="sldNum" sz="quarter" idx="12"/>
+          </p:nvPr>
+        </p:nvSpPr>
+        <p:spPr/>
+        <p:txBody>
+          <a:bodyPr/>
+          <a:lstStyle/>
+          <a:p>
+            <a:fld id="{81F2EB77-FB6C-2244-A076-ADF097535D48}" type="slidenum">
+              <a:rPr lang="en-US" smtClean="0"/>
+              <a:pPr/>
+              <a:t>25</a:t>
+            </a:fld>
+            <a:endParaRPr lang="en-US"/>
+          </a:p>
+        </p:txBody>
+      </p:sp>
+    </p:spTree>
+    <p:extLst>
+      <p:ext uri="{BB962C8B-B14F-4D97-AF65-F5344CB8AC3E}">
+        <p14:creationId xmlns:p14="http://schemas.microsoft.com/office/powerpoint/2010/main" val="1677897595"/>
+      </p:ext>
+    </p:extLst>
+  </p:cSld>
+  <p:clrMapOvr>
+    <a:masterClrMapping/>
+  </p:clrMapOvr>
+</p:sld>
+</file>
+
+<file path=ppt/slides/slide26.xml><?xml version="1.0" encoding="utf-8"?>
+<p:sld xmlns:a="http://schemas.openxmlformats.org/drawingml/2006/main" xmlns:r="http://schemas.openxmlformats.org/officeDocument/2006/relationships" xmlns:p="http://schemas.openxmlformats.org/presentationml/2006/main">
+  <p:cSld>
+    <p:spTree>
+      <p:nvGrpSpPr>
+        <p:cNvPr id="1" name=""/>
+        <p:cNvGrpSpPr/>
+        <p:nvPr/>
+      </p:nvGrpSpPr>
+      <p:grpSpPr>
+        <a:xfrm>
+          <a:off x="0" y="0"/>
+          <a:ext cx="0" cy="0"/>
+          <a:chOff x="0" y="0"/>
+          <a:chExt cx="0" cy="0"/>
+        </a:xfrm>
+      </p:grpSpPr>
+      <p:sp>
+        <p:nvSpPr>
           <p:cNvPr id="1634306" name="Rectangle 2"/>
           <p:cNvSpPr>
             <a:spLocks noGrp="1" noChangeArrowheads="1"/>
@@ -19512,7 +19988,7 @@
             <a:fld id="{A190D881-957A-7944-A8D0-1584E528B88F}" type="slidenum">
               <a:rPr lang="en-US" smtClean="0"/>
               <a:pPr/>
-              <a:t>24</a:t>
+              <a:t>26</a:t>
             </a:fld>
             <a:endParaRPr lang="en-US"/>
           </a:p>
@@ -19783,7 +20259,7 @@
 </p:sld>
 </file>
 
-<file path=ppt/slides/slide25.xml><?xml version="1.0" encoding="utf-8"?>
+<file path=ppt/slides/slide27.xml><?xml version="1.0" encoding="utf-8"?>
 <p:sld xmlns:a="http://schemas.openxmlformats.org/drawingml/2006/main" xmlns:r="http://schemas.openxmlformats.org/officeDocument/2006/relationships" xmlns:p="http://schemas.openxmlformats.org/presentationml/2006/main">
   <p:cSld>
     <p:spTree>
@@ -20055,7 +20531,7 @@
             <a:fld id="{A190D881-957A-7944-A8D0-1584E528B88F}" type="slidenum">
               <a:rPr lang="en-US" smtClean="0"/>
               <a:pPr/>
-              <a:t>25</a:t>
+              <a:t>27</a:t>
             </a:fld>
             <a:endParaRPr lang="en-US"/>
           </a:p>
@@ -20215,7 +20691,7 @@
 </p:sld>
 </file>
 
-<file path=ppt/slides/slide26.xml><?xml version="1.0" encoding="utf-8"?>
+<file path=ppt/slides/slide28.xml><?xml version="1.0" encoding="utf-8"?>
 <p:sld xmlns:a="http://schemas.openxmlformats.org/drawingml/2006/main" xmlns:r="http://schemas.openxmlformats.org/officeDocument/2006/relationships" xmlns:p="http://schemas.openxmlformats.org/presentationml/2006/main">
   <p:cSld>
     <p:spTree>
@@ -20419,7 +20895,7 @@
             <a:fld id="{A190D881-957A-7944-A8D0-1584E528B88F}" type="slidenum">
               <a:rPr lang="en-US" smtClean="0"/>
               <a:pPr/>
-              <a:t>26</a:t>
+              <a:t>28</a:t>
             </a:fld>
             <a:endParaRPr lang="en-US"/>
           </a:p>
@@ -20755,7 +21231,7 @@
 </p:sld>
 </file>
 
-<file path=ppt/slides/slide27.xml><?xml version="1.0" encoding="utf-8"?>
+<file path=ppt/slides/slide29.xml><?xml version="1.0" encoding="utf-8"?>
 <p:sld xmlns:a="http://schemas.openxmlformats.org/drawingml/2006/main" xmlns:r="http://schemas.openxmlformats.org/officeDocument/2006/relationships" xmlns:p="http://schemas.openxmlformats.org/presentationml/2006/main">
   <p:cSld>
     <p:spTree>
@@ -20958,7 +21434,7 @@
             <a:fld id="{A190D881-957A-7944-A8D0-1584E528B88F}" type="slidenum">
               <a:rPr lang="en-US" smtClean="0"/>
               <a:pPr/>
-              <a:t>27</a:t>
+              <a:t>29</a:t>
             </a:fld>
             <a:endParaRPr lang="en-US"/>
           </a:p>
@@ -21312,7 +21788,7 @@
 </p:sld>
 </file>
 
-<file path=ppt/slides/slide28.xml><?xml version="1.0" encoding="utf-8"?>
+<file path=ppt/slides/slide3.xml><?xml version="1.0" encoding="utf-8"?>
 <p:sld xmlns:a="http://schemas.openxmlformats.org/drawingml/2006/main" xmlns:r="http://schemas.openxmlformats.org/officeDocument/2006/relationships" xmlns:p="http://schemas.openxmlformats.org/presentationml/2006/main">
   <p:cSld>
     <p:spTree>
@@ -21331,6 +21807,555 @@
       </p:grpSpPr>
       <p:sp>
         <p:nvSpPr>
+          <p:cNvPr id="2" name="Title 1"/>
+          <p:cNvSpPr>
+            <a:spLocks noGrp="1"/>
+          </p:cNvSpPr>
+          <p:nvPr>
+            <p:ph type="title"/>
+          </p:nvPr>
+        </p:nvSpPr>
+        <p:spPr/>
+        <p:txBody>
+          <a:bodyPr/>
+          <a:lstStyle/>
+          <a:p>
+            <a:r>
+              <a:rPr lang="en-US" dirty="0"/>
+              <a:t>Recap:</a:t>
+            </a:r>
+            <a:br>
+              <a:rPr lang="en-US" dirty="0"/>
+            </a:br>
+            <a:r>
+              <a:rPr lang="en-US" dirty="0"/>
+              <a:t>Improving HTTP performance</a:t>
+            </a:r>
+          </a:p>
+        </p:txBody>
+      </p:sp>
+      <p:sp>
+        <p:nvSpPr>
+          <p:cNvPr id="3" name="Content Placeholder 2"/>
+          <p:cNvSpPr>
+            <a:spLocks noGrp="1"/>
+          </p:cNvSpPr>
+          <p:nvPr>
+            <p:ph idx="1"/>
+          </p:nvPr>
+        </p:nvSpPr>
+        <p:spPr/>
+        <p:txBody>
+          <a:bodyPr/>
+          <a:lstStyle/>
+          <a:p>
+            <a:r>
+              <a:rPr lang="en-US" dirty="0"/>
+              <a:t>Optimizing connections using </a:t>
+            </a:r>
+            <a:r>
+              <a:rPr lang="en-US" dirty="0">
+                <a:solidFill>
+                  <a:srgbClr val="0000FF"/>
+                </a:solidFill>
+              </a:rPr>
+              <a:t>three “P”s</a:t>
+            </a:r>
+          </a:p>
+          <a:p>
+            <a:pPr lvl="1"/>
+            <a:r>
+              <a:rPr lang="en-US" dirty="0"/>
+              <a:t>Persistent connections </a:t>
+            </a:r>
+          </a:p>
+          <a:p>
+            <a:pPr lvl="1"/>
+            <a:r>
+              <a:rPr lang="en-US" dirty="0"/>
+              <a:t>Parallel/concurrent connections </a:t>
+            </a:r>
+          </a:p>
+          <a:p>
+            <a:pPr lvl="1"/>
+            <a:r>
+              <a:rPr lang="en-US" dirty="0"/>
+              <a:t>Pipelined transfers over the same connection</a:t>
+            </a:r>
+          </a:p>
+          <a:p>
+            <a:r>
+              <a:rPr lang="en-US" dirty="0"/>
+              <a:t>Caching</a:t>
+            </a:r>
+          </a:p>
+          <a:p>
+            <a:pPr lvl="1"/>
+            <a:r>
+              <a:rPr lang="en-US" dirty="0"/>
+              <a:t>Forward proxy: close to clients</a:t>
+            </a:r>
+          </a:p>
+          <a:p>
+            <a:pPr lvl="1"/>
+            <a:r>
+              <a:rPr lang="en-US" dirty="0"/>
+              <a:t>Reverse proxy: close to servers</a:t>
+            </a:r>
+          </a:p>
+          <a:p>
+            <a:r>
+              <a:rPr lang="en-US" dirty="0"/>
+              <a:t>Replication</a:t>
+            </a:r>
+          </a:p>
+          <a:p>
+            <a:pPr lvl="1"/>
+            <a:endParaRPr lang="en-US" dirty="0"/>
+          </a:p>
+        </p:txBody>
+      </p:sp>
+      <p:sp>
+        <p:nvSpPr>
+          <p:cNvPr id="4" name="Date Placeholder 3"/>
+          <p:cNvSpPr>
+            <a:spLocks noGrp="1"/>
+          </p:cNvSpPr>
+          <p:nvPr>
+            <p:ph type="dt" sz="half" idx="10"/>
+          </p:nvPr>
+        </p:nvSpPr>
+        <p:spPr/>
+        <p:txBody>
+          <a:bodyPr/>
+          <a:lstStyle/>
+          <a:p>
+            <a:r>
+              <a:rPr lang="en-US"/>
+              <a:t>September 14, 2020</a:t>
+            </a:r>
+            <a:endParaRPr lang="en-US" sz="1050" b="0">
+              <a:latin typeface="Times New Roman" charset="0"/>
+            </a:endParaRPr>
+          </a:p>
+        </p:txBody>
+      </p:sp>
+      <p:sp>
+        <p:nvSpPr>
+          <p:cNvPr id="5" name="Footer Placeholder 4"/>
+          <p:cNvSpPr>
+            <a:spLocks noGrp="1"/>
+          </p:cNvSpPr>
+          <p:nvPr>
+            <p:ph type="ftr" sz="quarter" idx="11"/>
+          </p:nvPr>
+        </p:nvSpPr>
+        <p:spPr/>
+        <p:txBody>
+          <a:bodyPr/>
+          <a:lstStyle/>
+          <a:p>
+            <a:r>
+              <a:rPr lang="en-US"/>
+              <a:t>EECS 489 – Lecture 4</a:t>
+            </a:r>
+            <a:endParaRPr lang="en-US" sz="1050" b="0">
+              <a:latin typeface="Times New Roman" charset="0"/>
+            </a:endParaRPr>
+          </a:p>
+        </p:txBody>
+      </p:sp>
+      <p:sp>
+        <p:nvSpPr>
+          <p:cNvPr id="6" name="Slide Number Placeholder 5"/>
+          <p:cNvSpPr>
+            <a:spLocks noGrp="1"/>
+          </p:cNvSpPr>
+          <p:nvPr>
+            <p:ph type="sldNum" sz="quarter" idx="12"/>
+          </p:nvPr>
+        </p:nvSpPr>
+        <p:spPr/>
+        <p:txBody>
+          <a:bodyPr/>
+          <a:lstStyle/>
+          <a:p>
+            <a:fld id="{A190D881-957A-7944-A8D0-1584E528B88F}" type="slidenum">
+              <a:rPr lang="en-US" smtClean="0"/>
+              <a:pPr/>
+              <a:t>3</a:t>
+            </a:fld>
+            <a:endParaRPr lang="en-US"/>
+          </a:p>
+        </p:txBody>
+      </p:sp>
+    </p:spTree>
+    <p:extLst>
+      <p:ext uri="{BB962C8B-B14F-4D97-AF65-F5344CB8AC3E}">
+        <p14:creationId xmlns:p14="http://schemas.microsoft.com/office/powerpoint/2010/main" val="1472821813"/>
+      </p:ext>
+    </p:extLst>
+  </p:cSld>
+  <p:clrMapOvr>
+    <a:masterClrMapping/>
+  </p:clrMapOvr>
+  <p:timing>
+    <p:tnLst>
+      <p:par>
+        <p:cTn id="1" dur="indefinite" restart="never" nodeType="tmRoot">
+          <p:childTnLst>
+            <p:seq concurrent="1" nextAc="seek">
+              <p:cTn id="2" dur="indefinite" nodeType="mainSeq">
+                <p:childTnLst>
+                  <p:par>
+                    <p:cTn id="3" fill="hold">
+                      <p:stCondLst>
+                        <p:cond delay="indefinite"/>
+                      </p:stCondLst>
+                      <p:childTnLst>
+                        <p:par>
+                          <p:cTn id="4" fill="hold">
+                            <p:stCondLst>
+                              <p:cond delay="0"/>
+                            </p:stCondLst>
+                            <p:childTnLst>
+                              <p:par>
+                                <p:cTn id="5" presetID="1" presetClass="entr" presetSubtype="0" fill="hold" grpId="0" nodeType="clickEffect">
+                                  <p:stCondLst>
+                                    <p:cond delay="0"/>
+                                  </p:stCondLst>
+                                  <p:childTnLst>
+                                    <p:set>
+                                      <p:cBhvr>
+                                        <p:cTn id="6" dur="1" fill="hold">
+                                          <p:stCondLst>
+                                            <p:cond delay="0"/>
+                                          </p:stCondLst>
+                                        </p:cTn>
+                                        <p:tgtEl>
+                                          <p:spTgt spid="3">
+                                            <p:txEl>
+                                              <p:pRg st="0" end="0"/>
+                                            </p:txEl>
+                                          </p:spTgt>
+                                        </p:tgtEl>
+                                        <p:attrNameLst>
+                                          <p:attrName>style.visibility</p:attrName>
+                                        </p:attrNameLst>
+                                      </p:cBhvr>
+                                      <p:to>
+                                        <p:strVal val="visible"/>
+                                      </p:to>
+                                    </p:set>
+                                  </p:childTnLst>
+                                </p:cTn>
+                              </p:par>
+                              <p:par>
+                                <p:cTn id="7" presetID="1" presetClass="entr" presetSubtype="0" fill="hold" grpId="0" nodeType="withEffect">
+                                  <p:stCondLst>
+                                    <p:cond delay="0"/>
+                                  </p:stCondLst>
+                                  <p:childTnLst>
+                                    <p:set>
+                                      <p:cBhvr>
+                                        <p:cTn id="8" dur="1" fill="hold">
+                                          <p:stCondLst>
+                                            <p:cond delay="0"/>
+                                          </p:stCondLst>
+                                        </p:cTn>
+                                        <p:tgtEl>
+                                          <p:spTgt spid="3">
+                                            <p:txEl>
+                                              <p:pRg st="1" end="1"/>
+                                            </p:txEl>
+                                          </p:spTgt>
+                                        </p:tgtEl>
+                                        <p:attrNameLst>
+                                          <p:attrName>style.visibility</p:attrName>
+                                        </p:attrNameLst>
+                                      </p:cBhvr>
+                                      <p:to>
+                                        <p:strVal val="visible"/>
+                                      </p:to>
+                                    </p:set>
+                                  </p:childTnLst>
+                                </p:cTn>
+                              </p:par>
+                              <p:par>
+                                <p:cTn id="9" presetID="1" presetClass="entr" presetSubtype="0" fill="hold" grpId="0" nodeType="withEffect">
+                                  <p:stCondLst>
+                                    <p:cond delay="0"/>
+                                  </p:stCondLst>
+                                  <p:childTnLst>
+                                    <p:set>
+                                      <p:cBhvr>
+                                        <p:cTn id="10" dur="1" fill="hold">
+                                          <p:stCondLst>
+                                            <p:cond delay="0"/>
+                                          </p:stCondLst>
+                                        </p:cTn>
+                                        <p:tgtEl>
+                                          <p:spTgt spid="3">
+                                            <p:txEl>
+                                              <p:pRg st="2" end="2"/>
+                                            </p:txEl>
+                                          </p:spTgt>
+                                        </p:tgtEl>
+                                        <p:attrNameLst>
+                                          <p:attrName>style.visibility</p:attrName>
+                                        </p:attrNameLst>
+                                      </p:cBhvr>
+                                      <p:to>
+                                        <p:strVal val="visible"/>
+                                      </p:to>
+                                    </p:set>
+                                  </p:childTnLst>
+                                </p:cTn>
+                              </p:par>
+                              <p:par>
+                                <p:cTn id="11" presetID="1" presetClass="entr" presetSubtype="0" fill="hold" grpId="0" nodeType="withEffect">
+                                  <p:stCondLst>
+                                    <p:cond delay="0"/>
+                                  </p:stCondLst>
+                                  <p:childTnLst>
+                                    <p:set>
+                                      <p:cBhvr>
+                                        <p:cTn id="12" dur="1" fill="hold">
+                                          <p:stCondLst>
+                                            <p:cond delay="0"/>
+                                          </p:stCondLst>
+                                        </p:cTn>
+                                        <p:tgtEl>
+                                          <p:spTgt spid="3">
+                                            <p:txEl>
+                                              <p:pRg st="3" end="3"/>
+                                            </p:txEl>
+                                          </p:spTgt>
+                                        </p:tgtEl>
+                                        <p:attrNameLst>
+                                          <p:attrName>style.visibility</p:attrName>
+                                        </p:attrNameLst>
+                                      </p:cBhvr>
+                                      <p:to>
+                                        <p:strVal val="visible"/>
+                                      </p:to>
+                                    </p:set>
+                                  </p:childTnLst>
+                                </p:cTn>
+                              </p:par>
+                            </p:childTnLst>
+                          </p:cTn>
+                        </p:par>
+                      </p:childTnLst>
+                    </p:cTn>
+                  </p:par>
+                  <p:par>
+                    <p:cTn id="13" fill="hold">
+                      <p:stCondLst>
+                        <p:cond delay="indefinite"/>
+                      </p:stCondLst>
+                      <p:childTnLst>
+                        <p:par>
+                          <p:cTn id="14" fill="hold">
+                            <p:stCondLst>
+                              <p:cond delay="0"/>
+                            </p:stCondLst>
+                            <p:childTnLst>
+                              <p:par>
+                                <p:cTn id="15" presetID="1" presetClass="entr" presetSubtype="0" fill="hold" grpId="0" nodeType="clickEffect">
+                                  <p:stCondLst>
+                                    <p:cond delay="0"/>
+                                  </p:stCondLst>
+                                  <p:childTnLst>
+                                    <p:set>
+                                      <p:cBhvr>
+                                        <p:cTn id="16" dur="1" fill="hold">
+                                          <p:stCondLst>
+                                            <p:cond delay="0"/>
+                                          </p:stCondLst>
+                                        </p:cTn>
+                                        <p:tgtEl>
+                                          <p:spTgt spid="3">
+                                            <p:txEl>
+                                              <p:pRg st="4" end="4"/>
+                                            </p:txEl>
+                                          </p:spTgt>
+                                        </p:tgtEl>
+                                        <p:attrNameLst>
+                                          <p:attrName>style.visibility</p:attrName>
+                                        </p:attrNameLst>
+                                      </p:cBhvr>
+                                      <p:to>
+                                        <p:strVal val="visible"/>
+                                      </p:to>
+                                    </p:set>
+                                  </p:childTnLst>
+                                </p:cTn>
+                              </p:par>
+                              <p:par>
+                                <p:cTn id="17" presetID="1" presetClass="entr" presetSubtype="0" fill="hold" grpId="0" nodeType="withEffect">
+                                  <p:stCondLst>
+                                    <p:cond delay="0"/>
+                                  </p:stCondLst>
+                                  <p:childTnLst>
+                                    <p:set>
+                                      <p:cBhvr>
+                                        <p:cTn id="18" dur="1" fill="hold">
+                                          <p:stCondLst>
+                                            <p:cond delay="0"/>
+                                          </p:stCondLst>
+                                        </p:cTn>
+                                        <p:tgtEl>
+                                          <p:spTgt spid="3">
+                                            <p:txEl>
+                                              <p:pRg st="5" end="5"/>
+                                            </p:txEl>
+                                          </p:spTgt>
+                                        </p:tgtEl>
+                                        <p:attrNameLst>
+                                          <p:attrName>style.visibility</p:attrName>
+                                        </p:attrNameLst>
+                                      </p:cBhvr>
+                                      <p:to>
+                                        <p:strVal val="visible"/>
+                                      </p:to>
+                                    </p:set>
+                                  </p:childTnLst>
+                                </p:cTn>
+                              </p:par>
+                              <p:par>
+                                <p:cTn id="19" presetID="1" presetClass="entr" presetSubtype="0" fill="hold" grpId="0" nodeType="withEffect">
+                                  <p:stCondLst>
+                                    <p:cond delay="0"/>
+                                  </p:stCondLst>
+                                  <p:childTnLst>
+                                    <p:set>
+                                      <p:cBhvr>
+                                        <p:cTn id="20" dur="1" fill="hold">
+                                          <p:stCondLst>
+                                            <p:cond delay="0"/>
+                                          </p:stCondLst>
+                                        </p:cTn>
+                                        <p:tgtEl>
+                                          <p:spTgt spid="3">
+                                            <p:txEl>
+                                              <p:pRg st="6" end="6"/>
+                                            </p:txEl>
+                                          </p:spTgt>
+                                        </p:tgtEl>
+                                        <p:attrNameLst>
+                                          <p:attrName>style.visibility</p:attrName>
+                                        </p:attrNameLst>
+                                      </p:cBhvr>
+                                      <p:to>
+                                        <p:strVal val="visible"/>
+                                      </p:to>
+                                    </p:set>
+                                  </p:childTnLst>
+                                </p:cTn>
+                              </p:par>
+                            </p:childTnLst>
+                          </p:cTn>
+                        </p:par>
+                      </p:childTnLst>
+                    </p:cTn>
+                  </p:par>
+                  <p:par>
+                    <p:cTn id="21" fill="hold">
+                      <p:stCondLst>
+                        <p:cond delay="indefinite"/>
+                      </p:stCondLst>
+                      <p:childTnLst>
+                        <p:par>
+                          <p:cTn id="22" fill="hold">
+                            <p:stCondLst>
+                              <p:cond delay="0"/>
+                            </p:stCondLst>
+                            <p:childTnLst>
+                              <p:par>
+                                <p:cTn id="23" presetID="1" presetClass="entr" presetSubtype="0" fill="hold" grpId="0" nodeType="clickEffect">
+                                  <p:stCondLst>
+                                    <p:cond delay="0"/>
+                                  </p:stCondLst>
+                                  <p:childTnLst>
+                                    <p:set>
+                                      <p:cBhvr>
+                                        <p:cTn id="24" dur="1" fill="hold">
+                                          <p:stCondLst>
+                                            <p:cond delay="0"/>
+                                          </p:stCondLst>
+                                        </p:cTn>
+                                        <p:tgtEl>
+                                          <p:spTgt spid="3">
+                                            <p:txEl>
+                                              <p:pRg st="7" end="7"/>
+                                            </p:txEl>
+                                          </p:spTgt>
+                                        </p:tgtEl>
+                                        <p:attrNameLst>
+                                          <p:attrName>style.visibility</p:attrName>
+                                        </p:attrNameLst>
+                                      </p:cBhvr>
+                                      <p:to>
+                                        <p:strVal val="visible"/>
+                                      </p:to>
+                                    </p:set>
+                                  </p:childTnLst>
+                                </p:cTn>
+                              </p:par>
+                            </p:childTnLst>
+                          </p:cTn>
+                        </p:par>
+                      </p:childTnLst>
+                    </p:cTn>
+                  </p:par>
+                </p:childTnLst>
+              </p:cTn>
+              <p:prevCondLst>
+                <p:cond evt="onPrev" delay="0">
+                  <p:tgtEl>
+                    <p:sldTgt/>
+                  </p:tgtEl>
+                </p:cond>
+              </p:prevCondLst>
+              <p:nextCondLst>
+                <p:cond evt="onNext" delay="0">
+                  <p:tgtEl>
+                    <p:sldTgt/>
+                  </p:tgtEl>
+                </p:cond>
+              </p:nextCondLst>
+            </p:seq>
+          </p:childTnLst>
+        </p:cTn>
+      </p:par>
+    </p:tnLst>
+    <p:bldLst>
+      <p:bldP spid="3" grpId="0" uiExpand="1" build="p"/>
+    </p:bldLst>
+  </p:timing>
+</p:sld>
+</file>
+
+<file path=ppt/slides/slide30.xml><?xml version="1.0" encoding="utf-8"?>
+<p:sld xmlns:a="http://schemas.openxmlformats.org/drawingml/2006/main" xmlns:r="http://schemas.openxmlformats.org/officeDocument/2006/relationships" xmlns:p="http://schemas.openxmlformats.org/presentationml/2006/main">
+  <p:cSld>
+    <p:spTree>
+      <p:nvGrpSpPr>
+        <p:cNvPr id="1" name=""/>
+        <p:cNvGrpSpPr/>
+        <p:nvPr/>
+      </p:nvGrpSpPr>
+      <p:grpSpPr>
+        <a:xfrm>
+          <a:off x="0" y="0"/>
+          <a:ext cx="0" cy="0"/>
+          <a:chOff x="0" y="0"/>
+          <a:chExt cx="0" cy="0"/>
+        </a:xfrm>
+      </p:grpSpPr>
+      <p:sp>
+        <p:nvSpPr>
           <p:cNvPr id="2" name="Title 1">
             <a:extLst>
               <a:ext uri="{FF2B5EF4-FFF2-40B4-BE49-F238E27FC236}">
@@ -21961,7 +22986,7 @@
             <a:fld id="{A190D881-957A-7944-A8D0-1584E528B88F}" type="slidenum">
               <a:rPr lang="en-US" smtClean="0"/>
               <a:pPr/>
-              <a:t>28</a:t>
+              <a:t>30</a:t>
             </a:fld>
             <a:endParaRPr lang="en-US"/>
           </a:p>
@@ -21980,7 +23005,7 @@
 </p:sld>
 </file>
 
-<file path=ppt/slides/slide29.xml><?xml version="1.0" encoding="utf-8"?>
+<file path=ppt/slides/slide31.xml><?xml version="1.0" encoding="utf-8"?>
 <p:sld xmlns:a="http://schemas.openxmlformats.org/drawingml/2006/main" xmlns:r="http://schemas.openxmlformats.org/officeDocument/2006/relationships" xmlns:p="http://schemas.openxmlformats.org/presentationml/2006/main">
   <p:cSld>
     <p:spTree>
@@ -22440,7 +23465,7 @@
             </a:ln>
             <a:extLst>
               <a:ext uri="{C572A759-6A51-4108-AA02-DFA0A04FC94B}">
-                <ma14:wrappingTextBoxFlag xmlns="" xmlns:ma14="http://schemas.microsoft.com/office/mac/drawingml/2011/main" val="1"/>
+                <ma14:wrappingTextBoxFlag xmlns:ma14="http://schemas.microsoft.com/office/mac/drawingml/2011/main" xmlns="" val="1"/>
               </a:ext>
             </a:extLst>
           </p:spPr>
@@ -22610,7 +23635,7 @@
           </a:ln>
           <a:extLst>
             <a:ext uri="{C572A759-6A51-4108-AA02-DFA0A04FC94B}">
-              <ma14:wrappingTextBoxFlag xmlns="" xmlns:ma14="http://schemas.microsoft.com/office/mac/drawingml/2011/main" val="1"/>
+              <ma14:wrappingTextBoxFlag xmlns:ma14="http://schemas.microsoft.com/office/mac/drawingml/2011/main" xmlns="" val="1"/>
             </a:ext>
           </a:extLst>
         </p:spPr>
@@ -22669,7 +23694,7 @@
           </a:ln>
           <a:extLst>
             <a:ext uri="{C572A759-6A51-4108-AA02-DFA0A04FC94B}">
-              <ma14:wrappingTextBoxFlag xmlns="" xmlns:ma14="http://schemas.microsoft.com/office/mac/drawingml/2011/main" val="1"/>
+              <ma14:wrappingTextBoxFlag xmlns:ma14="http://schemas.microsoft.com/office/mac/drawingml/2011/main" xmlns="" val="1"/>
             </a:ext>
           </a:extLst>
         </p:spPr>
@@ -22808,7 +23833,7 @@
           </a:ln>
           <a:extLst>
             <a:ext uri="{C572A759-6A51-4108-AA02-DFA0A04FC94B}">
-              <ma14:wrappingTextBoxFlag xmlns="" xmlns:ma14="http://schemas.microsoft.com/office/mac/drawingml/2011/main" val="1"/>
+              <ma14:wrappingTextBoxFlag xmlns:ma14="http://schemas.microsoft.com/office/mac/drawingml/2011/main" xmlns="" val="1"/>
             </a:ext>
           </a:extLst>
         </p:spPr>
@@ -22867,7 +23892,7 @@
           </a:ln>
           <a:extLst>
             <a:ext uri="{C572A759-6A51-4108-AA02-DFA0A04FC94B}">
-              <ma14:wrappingTextBoxFlag xmlns="" xmlns:ma14="http://schemas.microsoft.com/office/mac/drawingml/2011/main" val="1"/>
+              <ma14:wrappingTextBoxFlag xmlns:ma14="http://schemas.microsoft.com/office/mac/drawingml/2011/main" xmlns="" val="1"/>
             </a:ext>
           </a:extLst>
         </p:spPr>
@@ -22942,7 +23967,7 @@
           </a:ln>
           <a:extLst>
             <a:ext uri="{C572A759-6A51-4108-AA02-DFA0A04FC94B}">
-              <ma14:wrappingTextBoxFlag xmlns="" xmlns:ma14="http://schemas.microsoft.com/office/mac/drawingml/2011/main" val="1"/>
+              <ma14:wrappingTextBoxFlag xmlns:ma14="http://schemas.microsoft.com/office/mac/drawingml/2011/main" xmlns="" val="1"/>
             </a:ext>
           </a:extLst>
         </p:spPr>
@@ -23058,7 +24083,7 @@
             <a:fld id="{9507A418-0CEB-9E4A-BA45-3B7D3D133EB9}" type="slidenum">
               <a:rPr lang="en-US" smtClean="0"/>
               <a:pPr/>
-              <a:t>29</a:t>
+              <a:t>31</a:t>
             </a:fld>
             <a:endParaRPr lang="en-US"/>
           </a:p>
@@ -23256,556 +24281,7 @@
 </p:sld>
 </file>
 
-<file path=ppt/slides/slide3.xml><?xml version="1.0" encoding="utf-8"?>
-<p:sld xmlns:a="http://schemas.openxmlformats.org/drawingml/2006/main" xmlns:r="http://schemas.openxmlformats.org/officeDocument/2006/relationships" xmlns:p="http://schemas.openxmlformats.org/presentationml/2006/main">
-  <p:cSld>
-    <p:spTree>
-      <p:nvGrpSpPr>
-        <p:cNvPr id="1" name=""/>
-        <p:cNvGrpSpPr/>
-        <p:nvPr/>
-      </p:nvGrpSpPr>
-      <p:grpSpPr>
-        <a:xfrm>
-          <a:off x="0" y="0"/>
-          <a:ext cx="0" cy="0"/>
-          <a:chOff x="0" y="0"/>
-          <a:chExt cx="0" cy="0"/>
-        </a:xfrm>
-      </p:grpSpPr>
-      <p:sp>
-        <p:nvSpPr>
-          <p:cNvPr id="2" name="Title 1"/>
-          <p:cNvSpPr>
-            <a:spLocks noGrp="1"/>
-          </p:cNvSpPr>
-          <p:nvPr>
-            <p:ph type="title"/>
-          </p:nvPr>
-        </p:nvSpPr>
-        <p:spPr/>
-        <p:txBody>
-          <a:bodyPr/>
-          <a:lstStyle/>
-          <a:p>
-            <a:r>
-              <a:rPr lang="en-US" dirty="0"/>
-              <a:t>Recap:</a:t>
-            </a:r>
-            <a:br>
-              <a:rPr lang="en-US" dirty="0"/>
-            </a:br>
-            <a:r>
-              <a:rPr lang="en-US" dirty="0"/>
-              <a:t>Improving HTTP performance</a:t>
-            </a:r>
-          </a:p>
-        </p:txBody>
-      </p:sp>
-      <p:sp>
-        <p:nvSpPr>
-          <p:cNvPr id="3" name="Content Placeholder 2"/>
-          <p:cNvSpPr>
-            <a:spLocks noGrp="1"/>
-          </p:cNvSpPr>
-          <p:nvPr>
-            <p:ph idx="1"/>
-          </p:nvPr>
-        </p:nvSpPr>
-        <p:spPr/>
-        <p:txBody>
-          <a:bodyPr/>
-          <a:lstStyle/>
-          <a:p>
-            <a:r>
-              <a:rPr lang="en-US" dirty="0"/>
-              <a:t>Optimizing connections using </a:t>
-            </a:r>
-            <a:r>
-              <a:rPr lang="en-US" dirty="0">
-                <a:solidFill>
-                  <a:srgbClr val="0000FF"/>
-                </a:solidFill>
-              </a:rPr>
-              <a:t>three “P”s</a:t>
-            </a:r>
-          </a:p>
-          <a:p>
-            <a:pPr lvl="1"/>
-            <a:r>
-              <a:rPr lang="en-US" dirty="0"/>
-              <a:t>Persistent connections </a:t>
-            </a:r>
-          </a:p>
-          <a:p>
-            <a:pPr lvl="1"/>
-            <a:r>
-              <a:rPr lang="en-US" dirty="0"/>
-              <a:t>Parallel/concurrent connections </a:t>
-            </a:r>
-          </a:p>
-          <a:p>
-            <a:pPr lvl="1"/>
-            <a:r>
-              <a:rPr lang="en-US" dirty="0"/>
-              <a:t>Pipelined transfers over the same connection</a:t>
-            </a:r>
-          </a:p>
-          <a:p>
-            <a:r>
-              <a:rPr lang="en-US" dirty="0"/>
-              <a:t>Caching</a:t>
-            </a:r>
-          </a:p>
-          <a:p>
-            <a:pPr lvl="1"/>
-            <a:r>
-              <a:rPr lang="en-US" dirty="0"/>
-              <a:t>Forward proxy: close to clients</a:t>
-            </a:r>
-          </a:p>
-          <a:p>
-            <a:pPr lvl="1"/>
-            <a:r>
-              <a:rPr lang="en-US" dirty="0"/>
-              <a:t>Reverse proxy: close to servers</a:t>
-            </a:r>
-          </a:p>
-          <a:p>
-            <a:r>
-              <a:rPr lang="en-US" dirty="0"/>
-              <a:t>Replication</a:t>
-            </a:r>
-          </a:p>
-          <a:p>
-            <a:pPr lvl="1"/>
-            <a:endParaRPr lang="en-US" dirty="0"/>
-          </a:p>
-        </p:txBody>
-      </p:sp>
-      <p:sp>
-        <p:nvSpPr>
-          <p:cNvPr id="4" name="Date Placeholder 3"/>
-          <p:cNvSpPr>
-            <a:spLocks noGrp="1"/>
-          </p:cNvSpPr>
-          <p:nvPr>
-            <p:ph type="dt" sz="half" idx="10"/>
-          </p:nvPr>
-        </p:nvSpPr>
-        <p:spPr/>
-        <p:txBody>
-          <a:bodyPr/>
-          <a:lstStyle/>
-          <a:p>
-            <a:r>
-              <a:rPr lang="en-US"/>
-              <a:t>September 14, 2020</a:t>
-            </a:r>
-            <a:endParaRPr lang="en-US" sz="1050" b="0">
-              <a:latin typeface="Times New Roman" charset="0"/>
-            </a:endParaRPr>
-          </a:p>
-        </p:txBody>
-      </p:sp>
-      <p:sp>
-        <p:nvSpPr>
-          <p:cNvPr id="5" name="Footer Placeholder 4"/>
-          <p:cNvSpPr>
-            <a:spLocks noGrp="1"/>
-          </p:cNvSpPr>
-          <p:nvPr>
-            <p:ph type="ftr" sz="quarter" idx="11"/>
-          </p:nvPr>
-        </p:nvSpPr>
-        <p:spPr/>
-        <p:txBody>
-          <a:bodyPr/>
-          <a:lstStyle/>
-          <a:p>
-            <a:r>
-              <a:rPr lang="en-US"/>
-              <a:t>EECS 489 – Lecture 4</a:t>
-            </a:r>
-            <a:endParaRPr lang="en-US" sz="1050" b="0">
-              <a:latin typeface="Times New Roman" charset="0"/>
-            </a:endParaRPr>
-          </a:p>
-        </p:txBody>
-      </p:sp>
-      <p:sp>
-        <p:nvSpPr>
-          <p:cNvPr id="6" name="Slide Number Placeholder 5"/>
-          <p:cNvSpPr>
-            <a:spLocks noGrp="1"/>
-          </p:cNvSpPr>
-          <p:nvPr>
-            <p:ph type="sldNum" sz="quarter" idx="12"/>
-          </p:nvPr>
-        </p:nvSpPr>
-        <p:spPr/>
-        <p:txBody>
-          <a:bodyPr/>
-          <a:lstStyle/>
-          <a:p>
-            <a:fld id="{A190D881-957A-7944-A8D0-1584E528B88F}" type="slidenum">
-              <a:rPr lang="en-US" smtClean="0"/>
-              <a:pPr/>
-              <a:t>3</a:t>
-            </a:fld>
-            <a:endParaRPr lang="en-US"/>
-          </a:p>
-        </p:txBody>
-      </p:sp>
-    </p:spTree>
-    <p:extLst>
-      <p:ext uri="{BB962C8B-B14F-4D97-AF65-F5344CB8AC3E}">
-        <p14:creationId xmlns:p14="http://schemas.microsoft.com/office/powerpoint/2010/main" val="1472821813"/>
-      </p:ext>
-    </p:extLst>
-  </p:cSld>
-  <p:clrMapOvr>
-    <a:masterClrMapping/>
-  </p:clrMapOvr>
-  <p:timing>
-    <p:tnLst>
-      <p:par>
-        <p:cTn id="1" dur="indefinite" restart="never" nodeType="tmRoot">
-          <p:childTnLst>
-            <p:seq concurrent="1" nextAc="seek">
-              <p:cTn id="2" dur="indefinite" nodeType="mainSeq">
-                <p:childTnLst>
-                  <p:par>
-                    <p:cTn id="3" fill="hold">
-                      <p:stCondLst>
-                        <p:cond delay="indefinite"/>
-                      </p:stCondLst>
-                      <p:childTnLst>
-                        <p:par>
-                          <p:cTn id="4" fill="hold">
-                            <p:stCondLst>
-                              <p:cond delay="0"/>
-                            </p:stCondLst>
-                            <p:childTnLst>
-                              <p:par>
-                                <p:cTn id="5" presetID="1" presetClass="entr" presetSubtype="0" fill="hold" grpId="0" nodeType="clickEffect">
-                                  <p:stCondLst>
-                                    <p:cond delay="0"/>
-                                  </p:stCondLst>
-                                  <p:childTnLst>
-                                    <p:set>
-                                      <p:cBhvr>
-                                        <p:cTn id="6" dur="1" fill="hold">
-                                          <p:stCondLst>
-                                            <p:cond delay="0"/>
-                                          </p:stCondLst>
-                                        </p:cTn>
-                                        <p:tgtEl>
-                                          <p:spTgt spid="3">
-                                            <p:txEl>
-                                              <p:pRg st="0" end="0"/>
-                                            </p:txEl>
-                                          </p:spTgt>
-                                        </p:tgtEl>
-                                        <p:attrNameLst>
-                                          <p:attrName>style.visibility</p:attrName>
-                                        </p:attrNameLst>
-                                      </p:cBhvr>
-                                      <p:to>
-                                        <p:strVal val="visible"/>
-                                      </p:to>
-                                    </p:set>
-                                  </p:childTnLst>
-                                </p:cTn>
-                              </p:par>
-                              <p:par>
-                                <p:cTn id="7" presetID="1" presetClass="entr" presetSubtype="0" fill="hold" grpId="0" nodeType="withEffect">
-                                  <p:stCondLst>
-                                    <p:cond delay="0"/>
-                                  </p:stCondLst>
-                                  <p:childTnLst>
-                                    <p:set>
-                                      <p:cBhvr>
-                                        <p:cTn id="8" dur="1" fill="hold">
-                                          <p:stCondLst>
-                                            <p:cond delay="0"/>
-                                          </p:stCondLst>
-                                        </p:cTn>
-                                        <p:tgtEl>
-                                          <p:spTgt spid="3">
-                                            <p:txEl>
-                                              <p:pRg st="1" end="1"/>
-                                            </p:txEl>
-                                          </p:spTgt>
-                                        </p:tgtEl>
-                                        <p:attrNameLst>
-                                          <p:attrName>style.visibility</p:attrName>
-                                        </p:attrNameLst>
-                                      </p:cBhvr>
-                                      <p:to>
-                                        <p:strVal val="visible"/>
-                                      </p:to>
-                                    </p:set>
-                                  </p:childTnLst>
-                                </p:cTn>
-                              </p:par>
-                              <p:par>
-                                <p:cTn id="9" presetID="1" presetClass="entr" presetSubtype="0" fill="hold" grpId="0" nodeType="withEffect">
-                                  <p:stCondLst>
-                                    <p:cond delay="0"/>
-                                  </p:stCondLst>
-                                  <p:childTnLst>
-                                    <p:set>
-                                      <p:cBhvr>
-                                        <p:cTn id="10" dur="1" fill="hold">
-                                          <p:stCondLst>
-                                            <p:cond delay="0"/>
-                                          </p:stCondLst>
-                                        </p:cTn>
-                                        <p:tgtEl>
-                                          <p:spTgt spid="3">
-                                            <p:txEl>
-                                              <p:pRg st="2" end="2"/>
-                                            </p:txEl>
-                                          </p:spTgt>
-                                        </p:tgtEl>
-                                        <p:attrNameLst>
-                                          <p:attrName>style.visibility</p:attrName>
-                                        </p:attrNameLst>
-                                      </p:cBhvr>
-                                      <p:to>
-                                        <p:strVal val="visible"/>
-                                      </p:to>
-                                    </p:set>
-                                  </p:childTnLst>
-                                </p:cTn>
-                              </p:par>
-                              <p:par>
-                                <p:cTn id="11" presetID="1" presetClass="entr" presetSubtype="0" fill="hold" grpId="0" nodeType="withEffect">
-                                  <p:stCondLst>
-                                    <p:cond delay="0"/>
-                                  </p:stCondLst>
-                                  <p:childTnLst>
-                                    <p:set>
-                                      <p:cBhvr>
-                                        <p:cTn id="12" dur="1" fill="hold">
-                                          <p:stCondLst>
-                                            <p:cond delay="0"/>
-                                          </p:stCondLst>
-                                        </p:cTn>
-                                        <p:tgtEl>
-                                          <p:spTgt spid="3">
-                                            <p:txEl>
-                                              <p:pRg st="3" end="3"/>
-                                            </p:txEl>
-                                          </p:spTgt>
-                                        </p:tgtEl>
-                                        <p:attrNameLst>
-                                          <p:attrName>style.visibility</p:attrName>
-                                        </p:attrNameLst>
-                                      </p:cBhvr>
-                                      <p:to>
-                                        <p:strVal val="visible"/>
-                                      </p:to>
-                                    </p:set>
-                                  </p:childTnLst>
-                                </p:cTn>
-                              </p:par>
-                            </p:childTnLst>
-                          </p:cTn>
-                        </p:par>
-                      </p:childTnLst>
-                    </p:cTn>
-                  </p:par>
-                  <p:par>
-                    <p:cTn id="13" fill="hold">
-                      <p:stCondLst>
-                        <p:cond delay="indefinite"/>
-                      </p:stCondLst>
-                      <p:childTnLst>
-                        <p:par>
-                          <p:cTn id="14" fill="hold">
-                            <p:stCondLst>
-                              <p:cond delay="0"/>
-                            </p:stCondLst>
-                            <p:childTnLst>
-                              <p:par>
-                                <p:cTn id="15" presetID="1" presetClass="entr" presetSubtype="0" fill="hold" grpId="0" nodeType="clickEffect">
-                                  <p:stCondLst>
-                                    <p:cond delay="0"/>
-                                  </p:stCondLst>
-                                  <p:childTnLst>
-                                    <p:set>
-                                      <p:cBhvr>
-                                        <p:cTn id="16" dur="1" fill="hold">
-                                          <p:stCondLst>
-                                            <p:cond delay="0"/>
-                                          </p:stCondLst>
-                                        </p:cTn>
-                                        <p:tgtEl>
-                                          <p:spTgt spid="3">
-                                            <p:txEl>
-                                              <p:pRg st="4" end="4"/>
-                                            </p:txEl>
-                                          </p:spTgt>
-                                        </p:tgtEl>
-                                        <p:attrNameLst>
-                                          <p:attrName>style.visibility</p:attrName>
-                                        </p:attrNameLst>
-                                      </p:cBhvr>
-                                      <p:to>
-                                        <p:strVal val="visible"/>
-                                      </p:to>
-                                    </p:set>
-                                  </p:childTnLst>
-                                </p:cTn>
-                              </p:par>
-                              <p:par>
-                                <p:cTn id="17" presetID="1" presetClass="entr" presetSubtype="0" fill="hold" grpId="0" nodeType="withEffect">
-                                  <p:stCondLst>
-                                    <p:cond delay="0"/>
-                                  </p:stCondLst>
-                                  <p:childTnLst>
-                                    <p:set>
-                                      <p:cBhvr>
-                                        <p:cTn id="18" dur="1" fill="hold">
-                                          <p:stCondLst>
-                                            <p:cond delay="0"/>
-                                          </p:stCondLst>
-                                        </p:cTn>
-                                        <p:tgtEl>
-                                          <p:spTgt spid="3">
-                                            <p:txEl>
-                                              <p:pRg st="5" end="5"/>
-                                            </p:txEl>
-                                          </p:spTgt>
-                                        </p:tgtEl>
-                                        <p:attrNameLst>
-                                          <p:attrName>style.visibility</p:attrName>
-                                        </p:attrNameLst>
-                                      </p:cBhvr>
-                                      <p:to>
-                                        <p:strVal val="visible"/>
-                                      </p:to>
-                                    </p:set>
-                                  </p:childTnLst>
-                                </p:cTn>
-                              </p:par>
-                              <p:par>
-                                <p:cTn id="19" presetID="1" presetClass="entr" presetSubtype="0" fill="hold" grpId="0" nodeType="withEffect">
-                                  <p:stCondLst>
-                                    <p:cond delay="0"/>
-                                  </p:stCondLst>
-                                  <p:childTnLst>
-                                    <p:set>
-                                      <p:cBhvr>
-                                        <p:cTn id="20" dur="1" fill="hold">
-                                          <p:stCondLst>
-                                            <p:cond delay="0"/>
-                                          </p:stCondLst>
-                                        </p:cTn>
-                                        <p:tgtEl>
-                                          <p:spTgt spid="3">
-                                            <p:txEl>
-                                              <p:pRg st="6" end="6"/>
-                                            </p:txEl>
-                                          </p:spTgt>
-                                        </p:tgtEl>
-                                        <p:attrNameLst>
-                                          <p:attrName>style.visibility</p:attrName>
-                                        </p:attrNameLst>
-                                      </p:cBhvr>
-                                      <p:to>
-                                        <p:strVal val="visible"/>
-                                      </p:to>
-                                    </p:set>
-                                  </p:childTnLst>
-                                </p:cTn>
-                              </p:par>
-                            </p:childTnLst>
-                          </p:cTn>
-                        </p:par>
-                      </p:childTnLst>
-                    </p:cTn>
-                  </p:par>
-                  <p:par>
-                    <p:cTn id="21" fill="hold">
-                      <p:stCondLst>
-                        <p:cond delay="indefinite"/>
-                      </p:stCondLst>
-                      <p:childTnLst>
-                        <p:par>
-                          <p:cTn id="22" fill="hold">
-                            <p:stCondLst>
-                              <p:cond delay="0"/>
-                            </p:stCondLst>
-                            <p:childTnLst>
-                              <p:par>
-                                <p:cTn id="23" presetID="1" presetClass="entr" presetSubtype="0" fill="hold" grpId="0" nodeType="clickEffect">
-                                  <p:stCondLst>
-                                    <p:cond delay="0"/>
-                                  </p:stCondLst>
-                                  <p:childTnLst>
-                                    <p:set>
-                                      <p:cBhvr>
-                                        <p:cTn id="24" dur="1" fill="hold">
-                                          <p:stCondLst>
-                                            <p:cond delay="0"/>
-                                          </p:stCondLst>
-                                        </p:cTn>
-                                        <p:tgtEl>
-                                          <p:spTgt spid="3">
-                                            <p:txEl>
-                                              <p:pRg st="7" end="7"/>
-                                            </p:txEl>
-                                          </p:spTgt>
-                                        </p:tgtEl>
-                                        <p:attrNameLst>
-                                          <p:attrName>style.visibility</p:attrName>
-                                        </p:attrNameLst>
-                                      </p:cBhvr>
-                                      <p:to>
-                                        <p:strVal val="visible"/>
-                                      </p:to>
-                                    </p:set>
-                                  </p:childTnLst>
-                                </p:cTn>
-                              </p:par>
-                            </p:childTnLst>
-                          </p:cTn>
-                        </p:par>
-                      </p:childTnLst>
-                    </p:cTn>
-                  </p:par>
-                </p:childTnLst>
-              </p:cTn>
-              <p:prevCondLst>
-                <p:cond evt="onPrev" delay="0">
-                  <p:tgtEl>
-                    <p:sldTgt/>
-                  </p:tgtEl>
-                </p:cond>
-              </p:prevCondLst>
-              <p:nextCondLst>
-                <p:cond evt="onNext" delay="0">
-                  <p:tgtEl>
-                    <p:sldTgt/>
-                  </p:tgtEl>
-                </p:cond>
-              </p:nextCondLst>
-            </p:seq>
-          </p:childTnLst>
-        </p:cTn>
-      </p:par>
-    </p:tnLst>
-    <p:bldLst>
-      <p:bldP spid="3" grpId="0" uiExpand="1" build="p"/>
-    </p:bldLst>
-  </p:timing>
-</p:sld>
-</file>
-
-<file path=ppt/slides/slide30.xml><?xml version="1.0" encoding="utf-8"?>
+<file path=ppt/slides/slide32.xml><?xml version="1.0" encoding="utf-8"?>
 <p:sld xmlns:a="http://schemas.openxmlformats.org/drawingml/2006/main" xmlns:r="http://schemas.openxmlformats.org/officeDocument/2006/relationships" xmlns:p="http://schemas.openxmlformats.org/presentationml/2006/main">
   <p:cSld>
     <p:spTree>
@@ -24265,7 +24741,7 @@
             </a:ln>
             <a:extLst>
               <a:ext uri="{C572A759-6A51-4108-AA02-DFA0A04FC94B}">
-                <ma14:wrappingTextBoxFlag xmlns="" xmlns:ma14="http://schemas.microsoft.com/office/mac/drawingml/2011/main" val="1"/>
+                <ma14:wrappingTextBoxFlag xmlns:ma14="http://schemas.microsoft.com/office/mac/drawingml/2011/main" xmlns="" val="1"/>
               </a:ext>
             </a:extLst>
           </p:spPr>
@@ -24435,7 +24911,7 @@
           </a:ln>
           <a:extLst>
             <a:ext uri="{C572A759-6A51-4108-AA02-DFA0A04FC94B}">
-              <ma14:wrappingTextBoxFlag xmlns="" xmlns:ma14="http://schemas.microsoft.com/office/mac/drawingml/2011/main" val="1"/>
+              <ma14:wrappingTextBoxFlag xmlns:ma14="http://schemas.microsoft.com/office/mac/drawingml/2011/main" xmlns="" val="1"/>
             </a:ext>
           </a:extLst>
         </p:spPr>
@@ -24494,7 +24970,7 @@
           </a:ln>
           <a:extLst>
             <a:ext uri="{C572A759-6A51-4108-AA02-DFA0A04FC94B}">
-              <ma14:wrappingTextBoxFlag xmlns="" xmlns:ma14="http://schemas.microsoft.com/office/mac/drawingml/2011/main" val="1"/>
+              <ma14:wrappingTextBoxFlag xmlns:ma14="http://schemas.microsoft.com/office/mac/drawingml/2011/main" xmlns="" val="1"/>
             </a:ext>
           </a:extLst>
         </p:spPr>
@@ -24633,7 +25109,7 @@
           </a:ln>
           <a:extLst>
             <a:ext uri="{C572A759-6A51-4108-AA02-DFA0A04FC94B}">
-              <ma14:wrappingTextBoxFlag xmlns="" xmlns:ma14="http://schemas.microsoft.com/office/mac/drawingml/2011/main" val="1"/>
+              <ma14:wrappingTextBoxFlag xmlns:ma14="http://schemas.microsoft.com/office/mac/drawingml/2011/main" xmlns="" val="1"/>
             </a:ext>
           </a:extLst>
         </p:spPr>
@@ -24692,7 +25168,7 @@
           </a:ln>
           <a:extLst>
             <a:ext uri="{C572A759-6A51-4108-AA02-DFA0A04FC94B}">
-              <ma14:wrappingTextBoxFlag xmlns="" xmlns:ma14="http://schemas.microsoft.com/office/mac/drawingml/2011/main" val="1"/>
+              <ma14:wrappingTextBoxFlag xmlns:ma14="http://schemas.microsoft.com/office/mac/drawingml/2011/main" xmlns="" val="1"/>
             </a:ext>
           </a:extLst>
         </p:spPr>
@@ -24767,7 +25243,7 @@
           </a:ln>
           <a:extLst>
             <a:ext uri="{C572A759-6A51-4108-AA02-DFA0A04FC94B}">
-              <ma14:wrappingTextBoxFlag xmlns="" xmlns:ma14="http://schemas.microsoft.com/office/mac/drawingml/2011/main" val="1"/>
+              <ma14:wrappingTextBoxFlag xmlns:ma14="http://schemas.microsoft.com/office/mac/drawingml/2011/main" xmlns="" val="1"/>
             </a:ext>
           </a:extLst>
         </p:spPr>
@@ -24875,7 +25351,7 @@
           </a:ln>
           <a:extLst>
             <a:ext uri="{C572A759-6A51-4108-AA02-DFA0A04FC94B}">
-              <ma14:wrappingTextBoxFlag xmlns="" xmlns:ma14="http://schemas.microsoft.com/office/mac/drawingml/2011/main" val="1"/>
+              <ma14:wrappingTextBoxFlag xmlns:ma14="http://schemas.microsoft.com/office/mac/drawingml/2011/main" xmlns="" val="1"/>
             </a:ext>
           </a:extLst>
         </p:spPr>
@@ -24950,7 +25426,7 @@
           </a:ln>
           <a:extLst>
             <a:ext uri="{C572A759-6A51-4108-AA02-DFA0A04FC94B}">
-              <ma14:wrappingTextBoxFlag xmlns="" xmlns:ma14="http://schemas.microsoft.com/office/mac/drawingml/2011/main" val="1"/>
+              <ma14:wrappingTextBoxFlag xmlns:ma14="http://schemas.microsoft.com/office/mac/drawingml/2011/main" xmlns="" val="1"/>
             </a:ext>
           </a:extLst>
         </p:spPr>
@@ -25079,7 +25555,7 @@
             <a:fld id="{9507A418-0CEB-9E4A-BA45-3B7D3D133EB9}" type="slidenum">
               <a:rPr lang="en-US" smtClean="0"/>
               <a:pPr/>
-              <a:t>30</a:t>
+              <a:t>32</a:t>
             </a:fld>
             <a:endParaRPr lang="en-US"/>
           </a:p>
@@ -25219,7 +25695,7 @@
 </p:sld>
 </file>
 
-<file path=ppt/slides/slide31.xml><?xml version="1.0" encoding="utf-8"?>
+<file path=ppt/slides/slide33.xml><?xml version="1.0" encoding="utf-8"?>
 <p:sld xmlns:a="http://schemas.openxmlformats.org/drawingml/2006/main" xmlns:r="http://schemas.openxmlformats.org/officeDocument/2006/relationships" xmlns:p="http://schemas.openxmlformats.org/presentationml/2006/main">
   <p:cSld>
     <p:spTree>
@@ -25679,7 +26155,7 @@
             </a:ln>
             <a:extLst>
               <a:ext uri="{C572A759-6A51-4108-AA02-DFA0A04FC94B}">
-                <ma14:wrappingTextBoxFlag xmlns="" xmlns:ma14="http://schemas.microsoft.com/office/mac/drawingml/2011/main" val="1"/>
+                <ma14:wrappingTextBoxFlag xmlns:ma14="http://schemas.microsoft.com/office/mac/drawingml/2011/main" xmlns="" val="1"/>
               </a:ext>
             </a:extLst>
           </p:spPr>
@@ -25849,7 +26325,7 @@
           </a:ln>
           <a:extLst>
             <a:ext uri="{C572A759-6A51-4108-AA02-DFA0A04FC94B}">
-              <ma14:wrappingTextBoxFlag xmlns="" xmlns:ma14="http://schemas.microsoft.com/office/mac/drawingml/2011/main" val="1"/>
+              <ma14:wrappingTextBoxFlag xmlns:ma14="http://schemas.microsoft.com/office/mac/drawingml/2011/main" xmlns="" val="1"/>
             </a:ext>
           </a:extLst>
         </p:spPr>
@@ -25908,7 +26384,7 @@
           </a:ln>
           <a:extLst>
             <a:ext uri="{C572A759-6A51-4108-AA02-DFA0A04FC94B}">
-              <ma14:wrappingTextBoxFlag xmlns="" xmlns:ma14="http://schemas.microsoft.com/office/mac/drawingml/2011/main" val="1"/>
+              <ma14:wrappingTextBoxFlag xmlns:ma14="http://schemas.microsoft.com/office/mac/drawingml/2011/main" xmlns="" val="1"/>
             </a:ext>
           </a:extLst>
         </p:spPr>
@@ -26050,7 +26526,7 @@
           </a:ln>
           <a:extLst>
             <a:ext uri="{C572A759-6A51-4108-AA02-DFA0A04FC94B}">
-              <ma14:wrappingTextBoxFlag xmlns="" xmlns:ma14="http://schemas.microsoft.com/office/mac/drawingml/2011/main" val="1"/>
+              <ma14:wrappingTextBoxFlag xmlns:ma14="http://schemas.microsoft.com/office/mac/drawingml/2011/main" xmlns="" val="1"/>
             </a:ext>
           </a:extLst>
         </p:spPr>
@@ -26109,7 +26585,7 @@
           </a:ln>
           <a:extLst>
             <a:ext uri="{C572A759-6A51-4108-AA02-DFA0A04FC94B}">
-              <ma14:wrappingTextBoxFlag xmlns="" xmlns:ma14="http://schemas.microsoft.com/office/mac/drawingml/2011/main" val="1"/>
+              <ma14:wrappingTextBoxFlag xmlns:ma14="http://schemas.microsoft.com/office/mac/drawingml/2011/main" xmlns="" val="1"/>
             </a:ext>
           </a:extLst>
         </p:spPr>
@@ -26184,7 +26660,7 @@
           </a:ln>
           <a:extLst>
             <a:ext uri="{C572A759-6A51-4108-AA02-DFA0A04FC94B}">
-              <ma14:wrappingTextBoxFlag xmlns="" xmlns:ma14="http://schemas.microsoft.com/office/mac/drawingml/2011/main" val="1"/>
+              <ma14:wrappingTextBoxFlag xmlns:ma14="http://schemas.microsoft.com/office/mac/drawingml/2011/main" xmlns="" val="1"/>
             </a:ext>
           </a:extLst>
         </p:spPr>
@@ -26292,7 +26768,7 @@
           </a:ln>
           <a:extLst>
             <a:ext uri="{C572A759-6A51-4108-AA02-DFA0A04FC94B}">
-              <ma14:wrappingTextBoxFlag xmlns="" xmlns:ma14="http://schemas.microsoft.com/office/mac/drawingml/2011/main" val="1"/>
+              <ma14:wrappingTextBoxFlag xmlns:ma14="http://schemas.microsoft.com/office/mac/drawingml/2011/main" xmlns="" val="1"/>
             </a:ext>
           </a:extLst>
         </p:spPr>
@@ -26367,7 +26843,7 @@
           </a:ln>
           <a:extLst>
             <a:ext uri="{C572A759-6A51-4108-AA02-DFA0A04FC94B}">
-              <ma14:wrappingTextBoxFlag xmlns="" xmlns:ma14="http://schemas.microsoft.com/office/mac/drawingml/2011/main" val="1"/>
+              <ma14:wrappingTextBoxFlag xmlns:ma14="http://schemas.microsoft.com/office/mac/drawingml/2011/main" xmlns="" val="1"/>
             </a:ext>
           </a:extLst>
         </p:spPr>
@@ -26537,7 +27013,7 @@
             <a:fld id="{9507A418-0CEB-9E4A-BA45-3B7D3D133EB9}" type="slidenum">
               <a:rPr lang="en-US" smtClean="0"/>
               <a:pPr/>
-              <a:t>31</a:t>
+              <a:t>33</a:t>
             </a:fld>
             <a:endParaRPr lang="en-US"/>
           </a:p>
@@ -26645,7 +27121,7 @@
 </p:sld>
 </file>
 
-<file path=ppt/slides/slide32.xml><?xml version="1.0" encoding="utf-8"?>
+<file path=ppt/slides/slide34.xml><?xml version="1.0" encoding="utf-8"?>
 <p:sld xmlns:a="http://schemas.openxmlformats.org/drawingml/2006/main" xmlns:r="http://schemas.openxmlformats.org/officeDocument/2006/relationships" xmlns:p="http://schemas.openxmlformats.org/presentationml/2006/main">
   <p:cSld>
     <p:spTree>
@@ -27105,7 +27581,7 @@
             </a:ln>
             <a:extLst>
               <a:ext uri="{C572A759-6A51-4108-AA02-DFA0A04FC94B}">
-                <ma14:wrappingTextBoxFlag xmlns="" xmlns:ma14="http://schemas.microsoft.com/office/mac/drawingml/2011/main" val="1"/>
+                <ma14:wrappingTextBoxFlag xmlns:ma14="http://schemas.microsoft.com/office/mac/drawingml/2011/main" xmlns="" val="1"/>
               </a:ext>
             </a:extLst>
           </p:spPr>
@@ -27275,7 +27751,7 @@
           </a:ln>
           <a:extLst>
             <a:ext uri="{C572A759-6A51-4108-AA02-DFA0A04FC94B}">
-              <ma14:wrappingTextBoxFlag xmlns="" xmlns:ma14="http://schemas.microsoft.com/office/mac/drawingml/2011/main" val="1"/>
+              <ma14:wrappingTextBoxFlag xmlns:ma14="http://schemas.microsoft.com/office/mac/drawingml/2011/main" xmlns="" val="1"/>
             </a:ext>
           </a:extLst>
         </p:spPr>
@@ -27334,7 +27810,7 @@
           </a:ln>
           <a:extLst>
             <a:ext uri="{C572A759-6A51-4108-AA02-DFA0A04FC94B}">
-              <ma14:wrappingTextBoxFlag xmlns="" xmlns:ma14="http://schemas.microsoft.com/office/mac/drawingml/2011/main" val="1"/>
+              <ma14:wrappingTextBoxFlag xmlns:ma14="http://schemas.microsoft.com/office/mac/drawingml/2011/main" xmlns="" val="1"/>
             </a:ext>
           </a:extLst>
         </p:spPr>
@@ -27436,7 +27912,7 @@
           </a:ln>
           <a:extLst>
             <a:ext uri="{C572A759-6A51-4108-AA02-DFA0A04FC94B}">
-              <ma14:wrappingTextBoxFlag xmlns="" xmlns:ma14="http://schemas.microsoft.com/office/mac/drawingml/2011/main" val="1"/>
+              <ma14:wrappingTextBoxFlag xmlns:ma14="http://schemas.microsoft.com/office/mac/drawingml/2011/main" xmlns="" val="1"/>
             </a:ext>
           </a:extLst>
         </p:spPr>
@@ -27495,7 +27971,7 @@
           </a:ln>
           <a:extLst>
             <a:ext uri="{C572A759-6A51-4108-AA02-DFA0A04FC94B}">
-              <ma14:wrappingTextBoxFlag xmlns="" xmlns:ma14="http://schemas.microsoft.com/office/mac/drawingml/2011/main" val="1"/>
+              <ma14:wrappingTextBoxFlag xmlns:ma14="http://schemas.microsoft.com/office/mac/drawingml/2011/main" xmlns="" val="1"/>
             </a:ext>
           </a:extLst>
         </p:spPr>
@@ -27579,7 +28055,7 @@
           </a:ln>
           <a:extLst>
             <a:ext uri="{C572A759-6A51-4108-AA02-DFA0A04FC94B}">
-              <ma14:wrappingTextBoxFlag xmlns="" xmlns:ma14="http://schemas.microsoft.com/office/mac/drawingml/2011/main" val="1"/>
+              <ma14:wrappingTextBoxFlag xmlns:ma14="http://schemas.microsoft.com/office/mac/drawingml/2011/main" xmlns="" val="1"/>
             </a:ext>
           </a:extLst>
         </p:spPr>
@@ -27687,7 +28163,7 @@
           </a:ln>
           <a:extLst>
             <a:ext uri="{C572A759-6A51-4108-AA02-DFA0A04FC94B}">
-              <ma14:wrappingTextBoxFlag xmlns="" xmlns:ma14="http://schemas.microsoft.com/office/mac/drawingml/2011/main" val="1"/>
+              <ma14:wrappingTextBoxFlag xmlns:ma14="http://schemas.microsoft.com/office/mac/drawingml/2011/main" xmlns="" val="1"/>
             </a:ext>
           </a:extLst>
         </p:spPr>
@@ -27762,7 +28238,7 @@
           </a:ln>
           <a:extLst>
             <a:ext uri="{C572A759-6A51-4108-AA02-DFA0A04FC94B}">
-              <ma14:wrappingTextBoxFlag xmlns="" xmlns:ma14="http://schemas.microsoft.com/office/mac/drawingml/2011/main" val="1"/>
+              <ma14:wrappingTextBoxFlag xmlns:ma14="http://schemas.microsoft.com/office/mac/drawingml/2011/main" xmlns="" val="1"/>
             </a:ext>
           </a:extLst>
         </p:spPr>
@@ -27973,7 +28449,7 @@
             <a:fld id="{9507A418-0CEB-9E4A-BA45-3B7D3D133EB9}" type="slidenum">
               <a:rPr lang="en-US" smtClean="0"/>
               <a:pPr/>
-              <a:t>32</a:t>
+              <a:t>34</a:t>
             </a:fld>
             <a:endParaRPr lang="en-US"/>
           </a:p>
@@ -28081,7 +28557,7 @@
 </p:sld>
 </file>
 
-<file path=ppt/slides/slide33.xml><?xml version="1.0" encoding="utf-8"?>
+<file path=ppt/slides/slide35.xml><?xml version="1.0" encoding="utf-8"?>
 <p:sld xmlns:a="http://schemas.openxmlformats.org/drawingml/2006/main" xmlns:r="http://schemas.openxmlformats.org/officeDocument/2006/relationships" xmlns:p="http://schemas.openxmlformats.org/presentationml/2006/main">
   <p:cSld>
     <p:spTree>
@@ -28541,7 +29017,7 @@
             </a:ln>
             <a:extLst>
               <a:ext uri="{C572A759-6A51-4108-AA02-DFA0A04FC94B}">
-                <ma14:wrappingTextBoxFlag xmlns="" xmlns:ma14="http://schemas.microsoft.com/office/mac/drawingml/2011/main" val="1"/>
+                <ma14:wrappingTextBoxFlag xmlns:ma14="http://schemas.microsoft.com/office/mac/drawingml/2011/main" xmlns="" val="1"/>
               </a:ext>
             </a:extLst>
           </p:spPr>
@@ -28711,7 +29187,7 @@
           </a:ln>
           <a:extLst>
             <a:ext uri="{C572A759-6A51-4108-AA02-DFA0A04FC94B}">
-              <ma14:wrappingTextBoxFlag xmlns="" xmlns:ma14="http://schemas.microsoft.com/office/mac/drawingml/2011/main" val="1"/>
+              <ma14:wrappingTextBoxFlag xmlns:ma14="http://schemas.microsoft.com/office/mac/drawingml/2011/main" xmlns="" val="1"/>
             </a:ext>
           </a:extLst>
         </p:spPr>
@@ -28770,7 +29246,7 @@
           </a:ln>
           <a:extLst>
             <a:ext uri="{C572A759-6A51-4108-AA02-DFA0A04FC94B}">
-              <ma14:wrappingTextBoxFlag xmlns="" xmlns:ma14="http://schemas.microsoft.com/office/mac/drawingml/2011/main" val="1"/>
+              <ma14:wrappingTextBoxFlag xmlns:ma14="http://schemas.microsoft.com/office/mac/drawingml/2011/main" xmlns="" val="1"/>
             </a:ext>
           </a:extLst>
         </p:spPr>
@@ -28832,7 +29308,7 @@
           </a:ln>
           <a:extLst>
             <a:ext uri="{C572A759-6A51-4108-AA02-DFA0A04FC94B}">
-              <ma14:wrappingTextBoxFlag xmlns="" xmlns:ma14="http://schemas.microsoft.com/office/mac/drawingml/2011/main" val="1"/>
+              <ma14:wrappingTextBoxFlag xmlns:ma14="http://schemas.microsoft.com/office/mac/drawingml/2011/main" xmlns="" val="1"/>
             </a:ext>
           </a:extLst>
         </p:spPr>
@@ -28891,7 +29367,7 @@
           </a:ln>
           <a:extLst>
             <a:ext uri="{C572A759-6A51-4108-AA02-DFA0A04FC94B}">
-              <ma14:wrappingTextBoxFlag xmlns="" xmlns:ma14="http://schemas.microsoft.com/office/mac/drawingml/2011/main" val="1"/>
+              <ma14:wrappingTextBoxFlag xmlns:ma14="http://schemas.microsoft.com/office/mac/drawingml/2011/main" xmlns="" val="1"/>
             </a:ext>
           </a:extLst>
         </p:spPr>
@@ -28975,7 +29451,7 @@
           </a:ln>
           <a:extLst>
             <a:ext uri="{C572A759-6A51-4108-AA02-DFA0A04FC94B}">
-              <ma14:wrappingTextBoxFlag xmlns="" xmlns:ma14="http://schemas.microsoft.com/office/mac/drawingml/2011/main" val="1"/>
+              <ma14:wrappingTextBoxFlag xmlns:ma14="http://schemas.microsoft.com/office/mac/drawingml/2011/main" xmlns="" val="1"/>
             </a:ext>
           </a:extLst>
         </p:spPr>
@@ -29083,7 +29559,7 @@
           </a:ln>
           <a:extLst>
             <a:ext uri="{C572A759-6A51-4108-AA02-DFA0A04FC94B}">
-              <ma14:wrappingTextBoxFlag xmlns="" xmlns:ma14="http://schemas.microsoft.com/office/mac/drawingml/2011/main" val="1"/>
+              <ma14:wrappingTextBoxFlag xmlns:ma14="http://schemas.microsoft.com/office/mac/drawingml/2011/main" xmlns="" val="1"/>
             </a:ext>
           </a:extLst>
         </p:spPr>
@@ -29158,7 +29634,7 @@
           </a:ln>
           <a:extLst>
             <a:ext uri="{C572A759-6A51-4108-AA02-DFA0A04FC94B}">
-              <ma14:wrappingTextBoxFlag xmlns="" xmlns:ma14="http://schemas.microsoft.com/office/mac/drawingml/2011/main" val="1"/>
+              <ma14:wrappingTextBoxFlag xmlns:ma14="http://schemas.microsoft.com/office/mac/drawingml/2011/main" xmlns="" val="1"/>
             </a:ext>
           </a:extLst>
         </p:spPr>
@@ -29574,7 +30050,7 @@
             <a:fld id="{9507A418-0CEB-9E4A-BA45-3B7D3D133EB9}" type="slidenum">
               <a:rPr lang="en-US" smtClean="0"/>
               <a:pPr/>
-              <a:t>33</a:t>
+              <a:t>35</a:t>
             </a:fld>
             <a:endParaRPr lang="en-US"/>
           </a:p>
@@ -29893,7 +30369,7 @@
 </p:sld>
 </file>
 
-<file path=ppt/slides/slide34.xml><?xml version="1.0" encoding="utf-8"?>
+<file path=ppt/slides/slide36.xml><?xml version="1.0" encoding="utf-8"?>
 <p:sld xmlns:a="http://schemas.openxmlformats.org/drawingml/2006/main" xmlns:r="http://schemas.openxmlformats.org/officeDocument/2006/relationships" xmlns:p="http://schemas.openxmlformats.org/presentationml/2006/main">
   <p:cSld>
     <p:spTree>
@@ -30353,7 +30829,7 @@
             </a:ln>
             <a:extLst>
               <a:ext uri="{C572A759-6A51-4108-AA02-DFA0A04FC94B}">
-                <ma14:wrappingTextBoxFlag xmlns="" xmlns:ma14="http://schemas.microsoft.com/office/mac/drawingml/2011/main" val="1"/>
+                <ma14:wrappingTextBoxFlag xmlns:ma14="http://schemas.microsoft.com/office/mac/drawingml/2011/main" xmlns="" val="1"/>
               </a:ext>
             </a:extLst>
           </p:spPr>
@@ -30523,7 +30999,7 @@
           </a:ln>
           <a:extLst>
             <a:ext uri="{C572A759-6A51-4108-AA02-DFA0A04FC94B}">
-              <ma14:wrappingTextBoxFlag xmlns="" xmlns:ma14="http://schemas.microsoft.com/office/mac/drawingml/2011/main" val="1"/>
+              <ma14:wrappingTextBoxFlag xmlns:ma14="http://schemas.microsoft.com/office/mac/drawingml/2011/main" xmlns="" val="1"/>
             </a:ext>
           </a:extLst>
         </p:spPr>
@@ -30582,7 +31058,7 @@
           </a:ln>
           <a:extLst>
             <a:ext uri="{C572A759-6A51-4108-AA02-DFA0A04FC94B}">
-              <ma14:wrappingTextBoxFlag xmlns="" xmlns:ma14="http://schemas.microsoft.com/office/mac/drawingml/2011/main" val="1"/>
+              <ma14:wrappingTextBoxFlag xmlns:ma14="http://schemas.microsoft.com/office/mac/drawingml/2011/main" xmlns="" val="1"/>
             </a:ext>
           </a:extLst>
         </p:spPr>
@@ -30721,7 +31197,7 @@
           </a:ln>
           <a:extLst>
             <a:ext uri="{C572A759-6A51-4108-AA02-DFA0A04FC94B}">
-              <ma14:wrappingTextBoxFlag xmlns="" xmlns:ma14="http://schemas.microsoft.com/office/mac/drawingml/2011/main" val="1"/>
+              <ma14:wrappingTextBoxFlag xmlns:ma14="http://schemas.microsoft.com/office/mac/drawingml/2011/main" xmlns="" val="1"/>
             </a:ext>
           </a:extLst>
         </p:spPr>
@@ -30780,7 +31256,7 @@
           </a:ln>
           <a:extLst>
             <a:ext uri="{C572A759-6A51-4108-AA02-DFA0A04FC94B}">
-              <ma14:wrappingTextBoxFlag xmlns="" xmlns:ma14="http://schemas.microsoft.com/office/mac/drawingml/2011/main" val="1"/>
+              <ma14:wrappingTextBoxFlag xmlns:ma14="http://schemas.microsoft.com/office/mac/drawingml/2011/main" xmlns="" val="1"/>
             </a:ext>
           </a:extLst>
         </p:spPr>
@@ -30855,7 +31331,7 @@
           </a:ln>
           <a:extLst>
             <a:ext uri="{C572A759-6A51-4108-AA02-DFA0A04FC94B}">
-              <ma14:wrappingTextBoxFlag xmlns="" xmlns:ma14="http://schemas.microsoft.com/office/mac/drawingml/2011/main" val="1"/>
+              <ma14:wrappingTextBoxFlag xmlns:ma14="http://schemas.microsoft.com/office/mac/drawingml/2011/main" xmlns="" val="1"/>
             </a:ext>
           </a:extLst>
         </p:spPr>
@@ -30963,7 +31439,7 @@
           </a:ln>
           <a:extLst>
             <a:ext uri="{C572A759-6A51-4108-AA02-DFA0A04FC94B}">
-              <ma14:wrappingTextBoxFlag xmlns="" xmlns:ma14="http://schemas.microsoft.com/office/mac/drawingml/2011/main" val="1"/>
+              <ma14:wrappingTextBoxFlag xmlns:ma14="http://schemas.microsoft.com/office/mac/drawingml/2011/main" xmlns="" val="1"/>
             </a:ext>
           </a:extLst>
         </p:spPr>
@@ -31374,7 +31850,7 @@
             <a:fld id="{9507A418-0CEB-9E4A-BA45-3B7D3D133EB9}" type="slidenum">
               <a:rPr lang="en-US" smtClean="0"/>
               <a:pPr/>
-              <a:t>34</a:t>
+              <a:t>36</a:t>
             </a:fld>
             <a:endParaRPr lang="en-US"/>
           </a:p>
@@ -31885,7 +32361,7 @@
 </p:sld>
 </file>
 
-<file path=ppt/slides/slide35.xml><?xml version="1.0" encoding="utf-8"?>
+<file path=ppt/slides/slide37.xml><?xml version="1.0" encoding="utf-8"?>
 <p:sld xmlns:a="http://schemas.openxmlformats.org/drawingml/2006/main" xmlns:r="http://schemas.openxmlformats.org/officeDocument/2006/relationships" xmlns:p="http://schemas.openxmlformats.org/presentationml/2006/main">
   <p:cSld>
     <p:spTree>
@@ -32040,7 +32516,7 @@
             <a:fld id="{9507A418-0CEB-9E4A-BA45-3B7D3D133EB9}" type="slidenum">
               <a:rPr lang="en-US" smtClean="0"/>
               <a:pPr/>
-              <a:t>35</a:t>
+              <a:t>37</a:t>
             </a:fld>
             <a:endParaRPr lang="en-US"/>
           </a:p>
@@ -32141,7 +32617,7 @@
 </p:sld>
 </file>
 
-<file path=ppt/slides/slide36.xml><?xml version="1.0" encoding="utf-8"?>
+<file path=ppt/slides/slide38.xml><?xml version="1.0" encoding="utf-8"?>
 <p:sld xmlns:a="http://schemas.openxmlformats.org/drawingml/2006/main" xmlns:r="http://schemas.openxmlformats.org/officeDocument/2006/relationships" xmlns:p="http://schemas.openxmlformats.org/presentationml/2006/main">
   <p:cSld>
     <p:spTree>
@@ -32335,7 +32811,7 @@
             <a:fld id="{A190D881-957A-7944-A8D0-1584E528B88F}" type="slidenum">
               <a:rPr lang="en-US" smtClean="0"/>
               <a:pPr/>
-              <a:t>36</a:t>
+              <a:t>38</a:t>
             </a:fld>
             <a:endParaRPr lang="en-US"/>
           </a:p>
@@ -32578,7 +33054,7 @@
 </p:sld>
 </file>
 
-<file path=ppt/slides/slide37.xml><?xml version="1.0" encoding="utf-8"?>
+<file path=ppt/slides/slide39.xml><?xml version="1.0" encoding="utf-8"?>
 <p:sld xmlns:a="http://schemas.openxmlformats.org/drawingml/2006/main" xmlns:r="http://schemas.openxmlformats.org/officeDocument/2006/relationships" xmlns:p="http://schemas.openxmlformats.org/presentationml/2006/main">
   <p:cSld>
     <p:spTree>
@@ -32729,7 +33205,7 @@
             <a:fld id="{A190D881-957A-7944-A8D0-1584E528B88F}" type="slidenum">
               <a:rPr lang="en-US" smtClean="0"/>
               <a:pPr/>
-              <a:t>37</a:t>
+              <a:t>39</a:t>
             </a:fld>
             <a:endParaRPr lang="en-US"/>
           </a:p>
@@ -32977,7 +33453,7 @@
 </p:sld>
 </file>
 
-<file path=ppt/slides/slide38.xml><?xml version="1.0" encoding="utf-8"?>
+<file path=ppt/slides/slide4.xml><?xml version="1.0" encoding="utf-8"?>
 <p:sld xmlns:a="http://schemas.openxmlformats.org/drawingml/2006/main" xmlns:r="http://schemas.openxmlformats.org/officeDocument/2006/relationships" xmlns:p="http://schemas.openxmlformats.org/presentationml/2006/main">
   <p:cSld>
     <p:spTree>
@@ -32996,6 +33472,170 @@
       </p:grpSpPr>
       <p:sp>
         <p:nvSpPr>
+          <p:cNvPr id="2" name="Title 1"/>
+          <p:cNvSpPr>
+            <a:spLocks noGrp="1"/>
+          </p:cNvSpPr>
+          <p:nvPr>
+            <p:ph type="title"/>
+          </p:nvPr>
+        </p:nvSpPr>
+        <p:spPr/>
+        <p:txBody>
+          <a:bodyPr/>
+          <a:lstStyle/>
+          <a:p>
+            <a:r>
+              <a:rPr lang="en-US"/>
+              <a:t>Replication</a:t>
+            </a:r>
+            <a:endParaRPr lang="en-US" dirty="0"/>
+          </a:p>
+        </p:txBody>
+      </p:sp>
+      <p:sp>
+        <p:nvSpPr>
+          <p:cNvPr id="3" name="Content Placeholder 2"/>
+          <p:cNvSpPr>
+            <a:spLocks noGrp="1"/>
+          </p:cNvSpPr>
+          <p:nvPr>
+            <p:ph idx="1"/>
+          </p:nvPr>
+        </p:nvSpPr>
+        <p:spPr/>
+        <p:txBody>
+          <a:bodyPr/>
+          <a:lstStyle/>
+          <a:p>
+            <a:r>
+              <a:rPr lang="en-US" dirty="0"/>
+              <a:t>Replicate popular Websites across many machines</a:t>
+            </a:r>
+          </a:p>
+          <a:p>
+            <a:pPr lvl="1"/>
+            <a:r>
+              <a:rPr lang="en-US" dirty="0"/>
+              <a:t>Spreads load across servers</a:t>
+            </a:r>
+          </a:p>
+          <a:p>
+            <a:pPr lvl="1"/>
+            <a:r>
+              <a:rPr lang="en-US" dirty="0"/>
+              <a:t>Places content closer to clients</a:t>
+            </a:r>
+          </a:p>
+          <a:p>
+            <a:pPr lvl="1"/>
+            <a:r>
+              <a:rPr lang="en-US" dirty="0"/>
+              <a:t>Helps when content isn’t cacheable</a:t>
+            </a:r>
+          </a:p>
+        </p:txBody>
+      </p:sp>
+      <p:sp>
+        <p:nvSpPr>
+          <p:cNvPr id="4" name="Date Placeholder 3"/>
+          <p:cNvSpPr>
+            <a:spLocks noGrp="1"/>
+          </p:cNvSpPr>
+          <p:nvPr>
+            <p:ph type="dt" sz="half" idx="10"/>
+          </p:nvPr>
+        </p:nvSpPr>
+        <p:spPr/>
+        <p:txBody>
+          <a:bodyPr/>
+          <a:lstStyle/>
+          <a:p>
+            <a:r>
+              <a:rPr lang="en-US"/>
+              <a:t>September 14, 2020</a:t>
+            </a:r>
+          </a:p>
+        </p:txBody>
+      </p:sp>
+      <p:sp>
+        <p:nvSpPr>
+          <p:cNvPr id="5" name="Footer Placeholder 4"/>
+          <p:cNvSpPr>
+            <a:spLocks noGrp="1"/>
+          </p:cNvSpPr>
+          <p:nvPr>
+            <p:ph type="ftr" sz="quarter" idx="11"/>
+          </p:nvPr>
+        </p:nvSpPr>
+        <p:spPr/>
+        <p:txBody>
+          <a:bodyPr/>
+          <a:lstStyle/>
+          <a:p>
+            <a:r>
+              <a:rPr lang="en-US"/>
+              <a:t>EECS 489 – Lecture 4</a:t>
+            </a:r>
+          </a:p>
+        </p:txBody>
+      </p:sp>
+      <p:sp>
+        <p:nvSpPr>
+          <p:cNvPr id="6" name="Slide Number Placeholder 5"/>
+          <p:cNvSpPr>
+            <a:spLocks noGrp="1"/>
+          </p:cNvSpPr>
+          <p:nvPr>
+            <p:ph type="sldNum" sz="quarter" idx="12"/>
+          </p:nvPr>
+        </p:nvSpPr>
+        <p:spPr/>
+        <p:txBody>
+          <a:bodyPr/>
+          <a:lstStyle/>
+          <a:p>
+            <a:fld id="{A190D881-957A-7944-A8D0-1584E528B88F}" type="slidenum">
+              <a:rPr lang="en-US" smtClean="0"/>
+              <a:pPr/>
+              <a:t>4</a:t>
+            </a:fld>
+            <a:endParaRPr lang="en-US"/>
+          </a:p>
+        </p:txBody>
+      </p:sp>
+    </p:spTree>
+    <p:extLst>
+      <p:ext uri="{BB962C8B-B14F-4D97-AF65-F5344CB8AC3E}">
+        <p14:creationId xmlns:p14="http://schemas.microsoft.com/office/powerpoint/2010/main" val="945769916"/>
+      </p:ext>
+    </p:extLst>
+  </p:cSld>
+  <p:clrMapOvr>
+    <a:masterClrMapping/>
+  </p:clrMapOvr>
+</p:sld>
+</file>
+
+<file path=ppt/slides/slide40.xml><?xml version="1.0" encoding="utf-8"?>
+<p:sld xmlns:a="http://schemas.openxmlformats.org/drawingml/2006/main" xmlns:r="http://schemas.openxmlformats.org/officeDocument/2006/relationships" xmlns:p="http://schemas.openxmlformats.org/presentationml/2006/main">
+  <p:cSld>
+    <p:spTree>
+      <p:nvGrpSpPr>
+        <p:cNvPr id="1" name=""/>
+        <p:cNvGrpSpPr/>
+        <p:nvPr/>
+      </p:nvGrpSpPr>
+      <p:grpSpPr>
+        <a:xfrm>
+          <a:off x="0" y="0"/>
+          <a:ext cx="0" cy="0"/>
+          <a:chOff x="0" y="0"/>
+          <a:chExt cx="0" cy="0"/>
+        </a:xfrm>
+      </p:grpSpPr>
+      <p:sp>
+        <p:nvSpPr>
           <p:cNvPr id="99331" name="Rectangle 2"/>
           <p:cNvSpPr>
             <a:spLocks noGrp="1" noChangeArrowheads="1"/>
@@ -33207,7 +33847,7 @@
             <a:fld id="{A190D881-957A-7944-A8D0-1584E528B88F}" type="slidenum">
               <a:rPr lang="en-US" smtClean="0"/>
               <a:pPr/>
-              <a:t>38</a:t>
+              <a:t>40</a:t>
             </a:fld>
             <a:endParaRPr lang="en-US"/>
           </a:p>
@@ -33610,7 +34250,7 @@
 </p:sld>
 </file>
 
-<file path=ppt/slides/slide39.xml><?xml version="1.0" encoding="utf-8"?>
+<file path=ppt/slides/slide41.xml><?xml version="1.0" encoding="utf-8"?>
 <p:sld xmlns:a="http://schemas.openxmlformats.org/drawingml/2006/main" xmlns:r="http://schemas.openxmlformats.org/officeDocument/2006/relationships" xmlns:p="http://schemas.openxmlformats.org/presentationml/2006/main">
   <p:cSld>
     <p:spTree>
@@ -33767,7 +34407,7 @@
             <a:fld id="{A190D881-957A-7944-A8D0-1584E528B88F}" type="slidenum">
               <a:rPr lang="en-US" smtClean="0"/>
               <a:pPr/>
-              <a:t>39</a:t>
+              <a:t>41</a:t>
             </a:fld>
             <a:endParaRPr lang="en-US"/>
           </a:p>
@@ -33786,7 +34426,7 @@
 </p:sld>
 </file>
 
-<file path=ppt/slides/slide4.xml><?xml version="1.0" encoding="utf-8"?>
+<file path=ppt/slides/slide42.xml><?xml version="1.0" encoding="utf-8"?>
 <p:sld xmlns:a="http://schemas.openxmlformats.org/drawingml/2006/main" xmlns:r="http://schemas.openxmlformats.org/officeDocument/2006/relationships" xmlns:p="http://schemas.openxmlformats.org/presentationml/2006/main">
   <p:cSld>
     <p:spTree>
@@ -33805,9 +34445,9 @@
       </p:grpSpPr>
       <p:sp>
         <p:nvSpPr>
-          <p:cNvPr id="2" name="Title 1"/>
+          <p:cNvPr id="91139" name="Rectangle 2"/>
           <p:cNvSpPr>
-            <a:spLocks noGrp="1"/>
+            <a:spLocks noGrp="1" noChangeArrowheads="1"/>
           </p:cNvSpPr>
           <p:nvPr>
             <p:ph type="title"/>
@@ -33819,18 +34459,17 @@
           <a:lstStyle/>
           <a:p>
             <a:r>
-              <a:rPr lang="en-US"/>
-              <a:t>Replication</a:t>
-            </a:r>
-            <a:endParaRPr lang="en-US" dirty="0"/>
-          </a:p>
-        </p:txBody>
-      </p:sp>
-      <p:sp>
-        <p:nvSpPr>
-          <p:cNvPr id="3" name="Content Placeholder 2"/>
+              <a:rPr lang="en-US" dirty="0"/>
+              <a:t>DNS caching</a:t>
+            </a:r>
+          </a:p>
+        </p:txBody>
+      </p:sp>
+      <p:sp>
+        <p:nvSpPr>
+          <p:cNvPr id="951299" name="Rectangle 3"/>
           <p:cNvSpPr>
-            <a:spLocks noGrp="1"/>
+            <a:spLocks noGrp="1" noChangeArrowheads="1"/>
           </p:cNvSpPr>
           <p:nvPr>
             <p:ph idx="1"/>
@@ -33843,35 +34482,119 @@
           <a:p>
             <a:r>
               <a:rPr lang="en-US" dirty="0"/>
-              <a:t>Replicate popular Websites across many machines</a:t>
+              <a:t>Performing all these queries takes time</a:t>
             </a:r>
           </a:p>
           <a:p>
             <a:pPr lvl="1"/>
             <a:r>
               <a:rPr lang="en-US" dirty="0"/>
-              <a:t>Spreads load across servers</a:t>
+              <a:t>Up to 1-second latency before starting download</a:t>
+            </a:r>
+          </a:p>
+          <a:p>
+            <a:r>
+              <a:rPr lang="en-US" dirty="0"/>
+              <a:t>Caching can greatly reduce overhead</a:t>
             </a:r>
           </a:p>
           <a:p>
             <a:pPr lvl="1"/>
             <a:r>
               <a:rPr lang="en-US" dirty="0"/>
-              <a:t>Places content closer to clients</a:t>
+              <a:t>The top-level servers very rarely change</a:t>
             </a:r>
           </a:p>
           <a:p>
             <a:pPr lvl="1"/>
             <a:r>
               <a:rPr lang="en-US" dirty="0"/>
-              <a:t>Helps when content isn’t cacheable</a:t>
-            </a:r>
-          </a:p>
-        </p:txBody>
-      </p:sp>
-      <p:sp>
-        <p:nvSpPr>
-          <p:cNvPr id="4" name="Date Placeholder 3"/>
+              <a:t>Popular sites (e.g., </a:t>
+            </a:r>
+            <a:r>
+              <a:rPr lang="en-US" dirty="0" err="1"/>
+              <a:t>www.google.com</a:t>
+            </a:r>
+            <a:r>
+              <a:rPr lang="en-US" dirty="0"/>
+              <a:t>) visited often</a:t>
+            </a:r>
+          </a:p>
+          <a:p>
+            <a:pPr lvl="1"/>
+            <a:r>
+              <a:rPr lang="en-US" dirty="0"/>
+              <a:t>Local DNS server often has the information cached</a:t>
+            </a:r>
+          </a:p>
+          <a:p>
+            <a:r>
+              <a:rPr lang="en-US" dirty="0"/>
+              <a:t>How DNS caching works</a:t>
+            </a:r>
+          </a:p>
+          <a:p>
+            <a:pPr lvl="1"/>
+            <a:r>
+              <a:rPr lang="en-US" dirty="0"/>
+              <a:t>DNS servers cache responses to queries</a:t>
+            </a:r>
+          </a:p>
+          <a:p>
+            <a:pPr lvl="1"/>
+            <a:r>
+              <a:rPr lang="en-US" dirty="0"/>
+              <a:t>Responses include a </a:t>
+            </a:r>
+            <a:r>
+              <a:rPr lang="ja-JP" altLang="en-US" dirty="0">
+                <a:solidFill>
+                  <a:srgbClr val="0000FF"/>
+                </a:solidFill>
+              </a:rPr>
+              <a:t>“</a:t>
+            </a:r>
+            <a:r>
+              <a:rPr lang="en-US" dirty="0">
+                <a:solidFill>
+                  <a:srgbClr val="0000FF"/>
+                </a:solidFill>
+              </a:rPr>
+              <a:t>time to live</a:t>
+            </a:r>
+            <a:r>
+              <a:rPr lang="ja-JP" altLang="en-US" dirty="0">
+                <a:solidFill>
+                  <a:srgbClr val="0000FF"/>
+                </a:solidFill>
+              </a:rPr>
+              <a:t>”</a:t>
+            </a:r>
+            <a:r>
+              <a:rPr lang="en-US" dirty="0">
+                <a:solidFill>
+                  <a:srgbClr val="0000FF"/>
+                </a:solidFill>
+              </a:rPr>
+              <a:t> (TTL)</a:t>
+            </a:r>
+            <a:r>
+              <a:rPr lang="en-US" dirty="0"/>
+              <a:t> field</a:t>
+            </a:r>
+          </a:p>
+          <a:p>
+            <a:pPr lvl="1"/>
+            <a:r>
+              <a:rPr lang="en-US" dirty="0"/>
+              <a:t>Server deletes cached entry after TTL expires</a:t>
+            </a:r>
+          </a:p>
+        </p:txBody>
+      </p:sp>
+      <p:sp>
+        <p:nvSpPr>
+          <p:cNvPr id="2" name="Date Placeholder 1"/>
           <p:cNvSpPr>
             <a:spLocks noGrp="1"/>
           </p:cNvSpPr>
@@ -33888,12 +34611,15 @@
               <a:rPr lang="en-US"/>
               <a:t>September 14, 2020</a:t>
             </a:r>
-          </a:p>
-        </p:txBody>
-      </p:sp>
-      <p:sp>
-        <p:nvSpPr>
-          <p:cNvPr id="5" name="Footer Placeholder 4"/>
+            <a:endParaRPr lang="en-US" sz="1050" b="0">
+              <a:latin typeface="Times New Roman" charset="0"/>
+            </a:endParaRPr>
+          </a:p>
+        </p:txBody>
+      </p:sp>
+      <p:sp>
+        <p:nvSpPr>
+          <p:cNvPr id="3" name="Footer Placeholder 2"/>
           <p:cNvSpPr>
             <a:spLocks noGrp="1"/>
           </p:cNvSpPr>
@@ -33910,12 +34636,15 @@
               <a:rPr lang="en-US"/>
               <a:t>EECS 489 – Lecture 4</a:t>
             </a:r>
-          </a:p>
-        </p:txBody>
-      </p:sp>
-      <p:sp>
-        <p:nvSpPr>
-          <p:cNvPr id="6" name="Slide Number Placeholder 5"/>
+            <a:endParaRPr lang="en-US" sz="1050" b="0">
+              <a:latin typeface="Times New Roman" charset="0"/>
+            </a:endParaRPr>
+          </a:p>
+        </p:txBody>
+      </p:sp>
+      <p:sp>
+        <p:nvSpPr>
+          <p:cNvPr id="4" name="Slide Number Placeholder 3"/>
           <p:cNvSpPr>
             <a:spLocks noGrp="1"/>
           </p:cNvSpPr>
@@ -33931,240 +34660,7 @@
             <a:fld id="{A190D881-957A-7944-A8D0-1584E528B88F}" type="slidenum">
               <a:rPr lang="en-US" smtClean="0"/>
               <a:pPr/>
-              <a:t>4</a:t>
-            </a:fld>
-            <a:endParaRPr lang="en-US"/>
-          </a:p>
-        </p:txBody>
-      </p:sp>
-    </p:spTree>
-    <p:extLst>
-      <p:ext uri="{BB962C8B-B14F-4D97-AF65-F5344CB8AC3E}">
-        <p14:creationId xmlns:p14="http://schemas.microsoft.com/office/powerpoint/2010/main" val="945769916"/>
-      </p:ext>
-    </p:extLst>
-  </p:cSld>
-  <p:clrMapOvr>
-    <a:masterClrMapping/>
-  </p:clrMapOvr>
-</p:sld>
-</file>
-
-<file path=ppt/slides/slide40.xml><?xml version="1.0" encoding="utf-8"?>
-<p:sld xmlns:a="http://schemas.openxmlformats.org/drawingml/2006/main" xmlns:r="http://schemas.openxmlformats.org/officeDocument/2006/relationships" xmlns:p="http://schemas.openxmlformats.org/presentationml/2006/main">
-  <p:cSld>
-    <p:spTree>
-      <p:nvGrpSpPr>
-        <p:cNvPr id="1" name=""/>
-        <p:cNvGrpSpPr/>
-        <p:nvPr/>
-      </p:nvGrpSpPr>
-      <p:grpSpPr>
-        <a:xfrm>
-          <a:off x="0" y="0"/>
-          <a:ext cx="0" cy="0"/>
-          <a:chOff x="0" y="0"/>
-          <a:chExt cx="0" cy="0"/>
-        </a:xfrm>
-      </p:grpSpPr>
-      <p:sp>
-        <p:nvSpPr>
-          <p:cNvPr id="91139" name="Rectangle 2"/>
-          <p:cNvSpPr>
-            <a:spLocks noGrp="1" noChangeArrowheads="1"/>
-          </p:cNvSpPr>
-          <p:nvPr>
-            <p:ph type="title"/>
-          </p:nvPr>
-        </p:nvSpPr>
-        <p:spPr/>
-        <p:txBody>
-          <a:bodyPr/>
-          <a:lstStyle/>
-          <a:p>
-            <a:r>
-              <a:rPr lang="en-US" dirty="0"/>
-              <a:t>DNS caching</a:t>
-            </a:r>
-          </a:p>
-        </p:txBody>
-      </p:sp>
-      <p:sp>
-        <p:nvSpPr>
-          <p:cNvPr id="951299" name="Rectangle 3"/>
-          <p:cNvSpPr>
-            <a:spLocks noGrp="1" noChangeArrowheads="1"/>
-          </p:cNvSpPr>
-          <p:nvPr>
-            <p:ph idx="1"/>
-          </p:nvPr>
-        </p:nvSpPr>
-        <p:spPr/>
-        <p:txBody>
-          <a:bodyPr/>
-          <a:lstStyle/>
-          <a:p>
-            <a:r>
-              <a:rPr lang="en-US" dirty="0"/>
-              <a:t>Performing all these queries takes time</a:t>
-            </a:r>
-          </a:p>
-          <a:p>
-            <a:pPr lvl="1"/>
-            <a:r>
-              <a:rPr lang="en-US" dirty="0"/>
-              <a:t>Up to 1-second latency before starting download</a:t>
-            </a:r>
-          </a:p>
-          <a:p>
-            <a:r>
-              <a:rPr lang="en-US" dirty="0"/>
-              <a:t>Caching can greatly reduce overhead</a:t>
-            </a:r>
-          </a:p>
-          <a:p>
-            <a:pPr lvl="1"/>
-            <a:r>
-              <a:rPr lang="en-US" dirty="0"/>
-              <a:t>The top-level servers very rarely change</a:t>
-            </a:r>
-          </a:p>
-          <a:p>
-            <a:pPr lvl="1"/>
-            <a:r>
-              <a:rPr lang="en-US" dirty="0"/>
-              <a:t>Popular sites (e.g., </a:t>
-            </a:r>
-            <a:r>
-              <a:rPr lang="en-US" dirty="0" err="1"/>
-              <a:t>www.google.com</a:t>
-            </a:r>
-            <a:r>
-              <a:rPr lang="en-US" dirty="0"/>
-              <a:t>) visited often</a:t>
-            </a:r>
-          </a:p>
-          <a:p>
-            <a:pPr lvl="1"/>
-            <a:r>
-              <a:rPr lang="en-US" dirty="0"/>
-              <a:t>Local DNS server often has the information cached</a:t>
-            </a:r>
-          </a:p>
-          <a:p>
-            <a:r>
-              <a:rPr lang="en-US" dirty="0"/>
-              <a:t>How DNS caching works</a:t>
-            </a:r>
-          </a:p>
-          <a:p>
-            <a:pPr lvl="1"/>
-            <a:r>
-              <a:rPr lang="en-US" dirty="0"/>
-              <a:t>DNS servers cache responses to queries</a:t>
-            </a:r>
-          </a:p>
-          <a:p>
-            <a:pPr lvl="1"/>
-            <a:r>
-              <a:rPr lang="en-US" dirty="0"/>
-              <a:t>Responses include a </a:t>
-            </a:r>
-            <a:r>
-              <a:rPr lang="ja-JP" altLang="en-US" dirty="0"/>
-              <a:t>“</a:t>
-            </a:r>
-            <a:r>
-              <a:rPr lang="en-US" dirty="0"/>
-              <a:t>time to live</a:t>
-            </a:r>
-            <a:r>
-              <a:rPr lang="ja-JP" altLang="en-US" dirty="0"/>
-              <a:t>”</a:t>
-            </a:r>
-            <a:r>
-              <a:rPr lang="en-US" dirty="0"/>
-              <a:t> (TTL) field</a:t>
-            </a:r>
-          </a:p>
-          <a:p>
-            <a:pPr lvl="1"/>
-            <a:r>
-              <a:rPr lang="en-US" dirty="0"/>
-              <a:t>Server deletes cached entry after TTL expires</a:t>
-            </a:r>
-          </a:p>
-        </p:txBody>
-      </p:sp>
-      <p:sp>
-        <p:nvSpPr>
-          <p:cNvPr id="2" name="Date Placeholder 1"/>
-          <p:cNvSpPr>
-            <a:spLocks noGrp="1"/>
-          </p:cNvSpPr>
-          <p:nvPr>
-            <p:ph type="dt" sz="half" idx="10"/>
-          </p:nvPr>
-        </p:nvSpPr>
-        <p:spPr/>
-        <p:txBody>
-          <a:bodyPr/>
-          <a:lstStyle/>
-          <a:p>
-            <a:r>
-              <a:rPr lang="en-US"/>
-              <a:t>September 14, 2020</a:t>
-            </a:r>
-            <a:endParaRPr lang="en-US" sz="1050" b="0">
-              <a:latin typeface="Times New Roman" charset="0"/>
-            </a:endParaRPr>
-          </a:p>
-        </p:txBody>
-      </p:sp>
-      <p:sp>
-        <p:nvSpPr>
-          <p:cNvPr id="3" name="Footer Placeholder 2"/>
-          <p:cNvSpPr>
-            <a:spLocks noGrp="1"/>
-          </p:cNvSpPr>
-          <p:nvPr>
-            <p:ph type="ftr" sz="quarter" idx="11"/>
-          </p:nvPr>
-        </p:nvSpPr>
-        <p:spPr/>
-        <p:txBody>
-          <a:bodyPr/>
-          <a:lstStyle/>
-          <a:p>
-            <a:r>
-              <a:rPr lang="en-US"/>
-              <a:t>EECS 489 – Lecture 4</a:t>
-            </a:r>
-            <a:endParaRPr lang="en-US" sz="1050" b="0">
-              <a:latin typeface="Times New Roman" charset="0"/>
-            </a:endParaRPr>
-          </a:p>
-        </p:txBody>
-      </p:sp>
-      <p:sp>
-        <p:nvSpPr>
-          <p:cNvPr id="4" name="Slide Number Placeholder 3"/>
-          <p:cNvSpPr>
-            <a:spLocks noGrp="1"/>
-          </p:cNvSpPr>
-          <p:nvPr>
-            <p:ph type="sldNum" sz="quarter" idx="12"/>
-          </p:nvPr>
-        </p:nvSpPr>
-        <p:spPr/>
-        <p:txBody>
-          <a:bodyPr/>
-          <a:lstStyle/>
-          <a:p>
-            <a:fld id="{A190D881-957A-7944-A8D0-1584E528B88F}" type="slidenum">
-              <a:rPr lang="en-US" smtClean="0"/>
-              <a:pPr/>
-              <a:t>40</a:t>
+              <a:t>42</a:t>
             </a:fld>
             <a:endParaRPr lang="en-US"/>
           </a:p>
@@ -34580,7 +35076,7 @@
 </p:sld>
 </file>
 
-<file path=ppt/slides/slide41.xml><?xml version="1.0" encoding="utf-8"?>
+<file path=ppt/slides/slide43.xml><?xml version="1.0" encoding="utf-8"?>
 <p:sld xmlns:a="http://schemas.openxmlformats.org/drawingml/2006/main" xmlns:r="http://schemas.openxmlformats.org/officeDocument/2006/relationships" xmlns:p="http://schemas.openxmlformats.org/presentationml/2006/main">
   <p:cSld>
     <p:spTree>
@@ -35229,7 +35725,7 @@
             <a:fld id="{A190D881-957A-7944-A8D0-1584E528B88F}" type="slidenum">
               <a:rPr lang="en-US" smtClean="0"/>
               <a:pPr/>
-              <a:t>41</a:t>
+              <a:t>43</a:t>
             </a:fld>
             <a:endParaRPr lang="en-US"/>
           </a:p>
@@ -35352,7 +35848,7 @@
 </p:sld>
 </file>
 
-<file path=ppt/slides/slide42.xml><?xml version="1.0" encoding="utf-8"?>
+<file path=ppt/slides/slide44.xml><?xml version="1.0" encoding="utf-8"?>
 <p:sld xmlns:a="http://schemas.openxmlformats.org/drawingml/2006/main" xmlns:r="http://schemas.openxmlformats.org/officeDocument/2006/relationships" xmlns:p="http://schemas.openxmlformats.org/presentationml/2006/main">
   <p:cSld>
     <p:spTree>
@@ -35408,15 +35904,7 @@
           <a:p>
             <a:r>
               <a:rPr lang="en-US" dirty="0"/>
-              <a:t>Remember things that don</a:t>
-            </a:r>
-            <a:r>
-              <a:rPr lang="ja-JP" altLang="en-US" dirty="0"/>
-              <a:t>’</a:t>
-            </a:r>
-            <a:r>
-              <a:rPr lang="en-US" dirty="0"/>
-              <a:t>t work</a:t>
+              <a:t>Remember things that do not work</a:t>
             </a:r>
           </a:p>
           <a:p>
@@ -35442,15 +35930,7 @@
             <a:pPr lvl="1"/>
             <a:r>
               <a:rPr lang="en-US" dirty="0"/>
-              <a:t>Good to remember that they don</a:t>
-            </a:r>
-            <a:r>
-              <a:rPr lang="ja-JP" altLang="en-US" dirty="0"/>
-              <a:t>’</a:t>
-            </a:r>
-            <a:r>
-              <a:rPr lang="en-US" dirty="0"/>
-              <a:t>t work so the failure takes less time the next time around</a:t>
+              <a:t>Good to remember that they do not work so the failure takes less time the next time around</a:t>
             </a:r>
           </a:p>
           <a:p>
@@ -35544,7 +36024,7 @@
             <a:fld id="{A190D881-957A-7944-A8D0-1584E528B88F}" type="slidenum">
               <a:rPr lang="en-US" smtClean="0"/>
               <a:pPr/>
-              <a:t>42</a:t>
+              <a:t>44</a:t>
             </a:fld>
             <a:endParaRPr lang="en-US"/>
           </a:p>
@@ -35673,7 +36153,7 @@
 </p:sld>
 </file>
 
-<file path=ppt/slides/slide43.xml><?xml version="1.0" encoding="utf-8"?>
+<file path=ppt/slides/slide45.xml><?xml version="1.0" encoding="utf-8"?>
 <p:sld xmlns:a="http://schemas.openxmlformats.org/drawingml/2006/main" xmlns:r="http://schemas.openxmlformats.org/officeDocument/2006/relationships" xmlns:p="http://schemas.openxmlformats.org/presentationml/2006/main">
   <p:cSld>
     <p:spTree>
@@ -35830,7 +36310,7 @@
             <a:fld id="{A190D881-957A-7944-A8D0-1584E528B88F}" type="slidenum">
               <a:rPr lang="en-US" smtClean="0"/>
               <a:pPr/>
-              <a:t>43</a:t>
+              <a:t>45</a:t>
             </a:fld>
             <a:endParaRPr lang="en-US"/>
           </a:p>
@@ -35849,7 +36329,7 @@
 </p:sld>
 </file>
 
-<file path=ppt/slides/slide44.xml><?xml version="1.0" encoding="utf-8"?>
+<file path=ppt/slides/slide46.xml><?xml version="1.0" encoding="utf-8"?>
 <p:sld xmlns:a="http://schemas.openxmlformats.org/drawingml/2006/main" xmlns:r="http://schemas.openxmlformats.org/officeDocument/2006/relationships" xmlns:p="http://schemas.openxmlformats.org/presentationml/2006/main">
   <p:cSld>
     <p:spTree>
@@ -36109,7 +36589,7 @@
             <a:fld id="{A190D881-957A-7944-A8D0-1584E528B88F}" type="slidenum">
               <a:rPr lang="en-US" smtClean="0"/>
               <a:pPr/>
-              <a:t>44</a:t>
+              <a:t>46</a:t>
             </a:fld>
             <a:endParaRPr lang="en-US"/>
           </a:p>
@@ -36494,7 +36974,7 @@
 </p:sld>
 </file>
 
-<file path=ppt/slides/slide45.xml><?xml version="1.0" encoding="utf-8"?>
+<file path=ppt/slides/slide47.xml><?xml version="1.0" encoding="utf-8"?>
 <p:sld xmlns:a="http://schemas.openxmlformats.org/drawingml/2006/main" xmlns:r="http://schemas.openxmlformats.org/officeDocument/2006/relationships" xmlns:p="http://schemas.openxmlformats.org/presentationml/2006/main">
   <p:cSld>
     <p:spTree>
@@ -36650,7 +37130,7 @@
             <a:fld id="{A190D881-957A-7944-A8D0-1584E528B88F}" type="slidenum">
               <a:rPr lang="en-US" smtClean="0"/>
               <a:pPr/>
-              <a:t>45</a:t>
+              <a:t>47</a:t>
             </a:fld>
             <a:endParaRPr lang="en-US"/>
           </a:p>
@@ -36738,7 +37218,7 @@
             <a:pPr lvl="1"/>
             <a:r>
               <a:rPr lang="en-US" dirty="0"/>
-              <a:t>e.g., Akamai has servers in 20,000+ locations</a:t>
+              <a:t>e.g., Akamai is in 130 countries and 1700 networks</a:t>
             </a:r>
           </a:p>
           <a:p>
@@ -36783,12 +37263,6 @@
             <a:r>
               <a:rPr lang="en-US" dirty="0"/>
               <a:t>: Expectation of high access rate (replication)</a:t>
-            </a:r>
-          </a:p>
-          <a:p>
-            <a:r>
-              <a:rPr lang="en-US" dirty="0"/>
-              <a:t>Can do some processing to handle dynamic webpage content</a:t>
             </a:r>
           </a:p>
         </p:txBody>
@@ -36870,7 +37344,7 @@
     </p:spTree>
     <p:extLst>
       <p:ext uri="{BB962C8B-B14F-4D97-AF65-F5344CB8AC3E}">
-        <p14:creationId xmlns:p14="http://schemas.microsoft.com/office/powerpoint/2010/main" val="1443086954"/>
+        <p14:creationId xmlns:p14="http://schemas.microsoft.com/office/powerpoint/2010/main" val="917182936"/>
       </p:ext>
     </p:extLst>
   </p:cSld>
@@ -37105,55 +37579,6 @@
                                           <p:spTgt spid="99332">
                                             <p:txEl>
                                               <p:pRg st="5" end="5"/>
-                                            </p:txEl>
-                                          </p:spTgt>
-                                        </p:tgtEl>
-                                        <p:attrNameLst>
-                                          <p:attrName>style.visibility</p:attrName>
-                                        </p:attrNameLst>
-                                      </p:cBhvr>
-                                      <p:to>
-                                        <p:strVal val="visible"/>
-                                      </p:to>
-                                    </p:set>
-                                  </p:childTnLst>
-                                </p:cTn>
-                              </p:par>
-                            </p:childTnLst>
-                          </p:cTn>
-                        </p:par>
-                      </p:childTnLst>
-                    </p:cTn>
-                  </p:par>
-                  <p:par>
-                    <p:cTn id="21" fill="hold" nodeType="clickPar">
-                      <p:stCondLst>
-                        <p:cond delay="indefinite"/>
-                      </p:stCondLst>
-                      <p:childTnLst>
-                        <p:par>
-                          <p:cTn id="22" fill="hold" nodeType="withGroup">
-                            <p:stCondLst>
-                              <p:cond delay="0"/>
-                            </p:stCondLst>
-                            <p:childTnLst>
-                              <p:par>
-                                <p:cTn id="23" presetID="1" presetClass="entr" presetSubtype="0" fill="hold" grpId="0" nodeType="clickEffect">
-                                  <p:stCondLst>
-                                    <p:cond delay="0"/>
-                                  </p:stCondLst>
-                                  <p:childTnLst>
-                                    <p:set>
-                                      <p:cBhvr>
-                                        <p:cTn id="24" dur="1" fill="hold">
-                                          <p:stCondLst>
-                                            <p:cond delay="0"/>
-                                          </p:stCondLst>
-                                        </p:cTn>
-                                        <p:tgtEl>
-                                          <p:spTgt spid="99332">
-                                            <p:txEl>
-                                              <p:pRg st="6" end="6"/>
                                             </p:txEl>
                                           </p:spTgt>
                                         </p:tgtEl>
@@ -38268,7 +38693,13 @@
       </p:grpSpPr>
       <p:sp>
         <p:nvSpPr>
-          <p:cNvPr id="2" name="Title 1"/>
+          <p:cNvPr id="2" name="Title 1">
+            <a:extLst>
+              <a:ext uri="{FF2B5EF4-FFF2-40B4-BE49-F238E27FC236}">
+                <a16:creationId xmlns:a16="http://schemas.microsoft.com/office/drawing/2014/main" id="{F123170C-8243-5647-85C8-529F02D36062}"/>
+              </a:ext>
+            </a:extLst>
+          </p:cNvPr>
           <p:cNvSpPr>
             <a:spLocks noGrp="1"/>
           </p:cNvSpPr>
@@ -38283,42 +38714,52 @@
           <a:p>
             <a:r>
               <a:rPr lang="en-US" dirty="0"/>
-              <a:t>Why direct clients to particular replicas?</a:t>
-            </a:r>
-          </a:p>
-        </p:txBody>
-      </p:sp>
-      <p:sp>
-        <p:nvSpPr>
-          <p:cNvPr id="3" name="Content Placeholder 2"/>
-          <p:cNvSpPr>
-            <a:spLocks noGrp="1"/>
-          </p:cNvSpPr>
+              <a:t>CDN example – Akamai</a:t>
+            </a:r>
+          </a:p>
+        </p:txBody>
+      </p:sp>
+      <p:pic>
+        <p:nvPicPr>
+          <p:cNvPr id="7" name="Content Placeholder 6">
+            <a:extLst>
+              <a:ext uri="{FF2B5EF4-FFF2-40B4-BE49-F238E27FC236}">
+                <a16:creationId xmlns:a16="http://schemas.microsoft.com/office/drawing/2014/main" id="{DC6D1C33-254F-8648-BBC6-5478B345A0D9}"/>
+              </a:ext>
+            </a:extLst>
+          </p:cNvPr>
+          <p:cNvPicPr>
+            <a:picLocks noGrp="1" noChangeAspect="1"/>
+          </p:cNvPicPr>
           <p:nvPr>
             <p:ph idx="1"/>
           </p:nvPr>
-        </p:nvSpPr>
-        <p:spPr/>
-        <p:txBody>
-          <a:bodyPr/>
-          <a:lstStyle/>
-          <a:p>
-            <a:r>
-              <a:rPr lang="en-US" dirty="0"/>
-              <a:t>Balancing load across server replicas</a:t>
-            </a:r>
-          </a:p>
-          <a:p>
-            <a:r>
-              <a:rPr lang="en-US" dirty="0"/>
-              <a:t>Pairing clients with nearby servers to decrease latency and overall bandwidth usage</a:t>
-            </a:r>
-          </a:p>
-        </p:txBody>
-      </p:sp>
-      <p:sp>
-        <p:nvSpPr>
-          <p:cNvPr id="4" name="Date Placeholder 3"/>
+        </p:nvPicPr>
+        <p:blipFill>
+          <a:blip r:embed="rId2"/>
+          <a:stretch>
+            <a:fillRect/>
+          </a:stretch>
+        </p:blipFill>
+        <p:spPr>
+          <a:xfrm>
+            <a:off x="685800" y="1703364"/>
+            <a:ext cx="7924800" cy="4213271"/>
+          </a:xfrm>
+          <a:prstGeom prst="rect">
+            <a:avLst/>
+          </a:prstGeom>
+        </p:spPr>
+      </p:pic>
+      <p:sp>
+        <p:nvSpPr>
+          <p:cNvPr id="4" name="Date Placeholder 3">
+            <a:extLst>
+              <a:ext uri="{FF2B5EF4-FFF2-40B4-BE49-F238E27FC236}">
+                <a16:creationId xmlns:a16="http://schemas.microsoft.com/office/drawing/2014/main" id="{C3AB079B-3AAB-0E4C-B66E-EF6EFB5E1742}"/>
+              </a:ext>
+            </a:extLst>
+          </p:cNvPr>
           <p:cNvSpPr>
             <a:spLocks noGrp="1"/>
           </p:cNvSpPr>
@@ -38332,8 +38773,39 @@
           <a:lstStyle/>
           <a:p>
             <a:r>
+              <a:rPr lang="en-US" dirty="0"/>
+              <a:t>September 14, 2020</a:t>
+            </a:r>
+            <a:endParaRPr lang="en-US" sz="1050" b="0" dirty="0">
+              <a:latin typeface="Times New Roman" charset="0"/>
+            </a:endParaRPr>
+          </a:p>
+        </p:txBody>
+      </p:sp>
+      <p:sp>
+        <p:nvSpPr>
+          <p:cNvPr id="5" name="Footer Placeholder 4">
+            <a:extLst>
+              <a:ext uri="{FF2B5EF4-FFF2-40B4-BE49-F238E27FC236}">
+                <a16:creationId xmlns:a16="http://schemas.microsoft.com/office/drawing/2014/main" id="{23C30DDA-266C-3C4D-9077-346D08D63443}"/>
+              </a:ext>
+            </a:extLst>
+          </p:cNvPr>
+          <p:cNvSpPr>
+            <a:spLocks noGrp="1"/>
+          </p:cNvSpPr>
+          <p:nvPr>
+            <p:ph type="ftr" sz="quarter" idx="11"/>
+          </p:nvPr>
+        </p:nvSpPr>
+        <p:spPr/>
+        <p:txBody>
+          <a:bodyPr/>
+          <a:lstStyle/>
+          <a:p>
+            <a:r>
               <a:rPr lang="en-US"/>
-              <a:t>September 14, 2020</a:t>
+              <a:t>EECS 489 – Lecture 4</a:t>
             </a:r>
             <a:endParaRPr lang="en-US" sz="1050" b="0">
               <a:latin typeface="Times New Roman" charset="0"/>
@@ -38343,32 +38815,13 @@
       </p:sp>
       <p:sp>
         <p:nvSpPr>
-          <p:cNvPr id="5" name="Footer Placeholder 4"/>
-          <p:cNvSpPr>
-            <a:spLocks noGrp="1"/>
-          </p:cNvSpPr>
-          <p:nvPr>
-            <p:ph type="ftr" sz="quarter" idx="11"/>
-          </p:nvPr>
-        </p:nvSpPr>
-        <p:spPr/>
-        <p:txBody>
-          <a:bodyPr/>
-          <a:lstStyle/>
-          <a:p>
-            <a:r>
-              <a:rPr lang="en-US"/>
-              <a:t>EECS 489 – Lecture 4</a:t>
-            </a:r>
-            <a:endParaRPr lang="en-US" sz="1050" b="0">
-              <a:latin typeface="Times New Roman" charset="0"/>
-            </a:endParaRPr>
-          </a:p>
-        </p:txBody>
-      </p:sp>
-      <p:sp>
-        <p:nvSpPr>
-          <p:cNvPr id="6" name="Slide Number Placeholder 5"/>
+          <p:cNvPr id="6" name="Slide Number Placeholder 5">
+            <a:extLst>
+              <a:ext uri="{FF2B5EF4-FFF2-40B4-BE49-F238E27FC236}">
+                <a16:creationId xmlns:a16="http://schemas.microsoft.com/office/drawing/2014/main" id="{BD0FF7C9-FA5B-1B49-B814-78AC0A3FEAB3}"/>
+              </a:ext>
+            </a:extLst>
+          </p:cNvPr>
           <p:cNvSpPr>
             <a:spLocks noGrp="1"/>
           </p:cNvSpPr>
@@ -38390,10 +38843,66 @@
           </a:p>
         </p:txBody>
       </p:sp>
+      <p:sp>
+        <p:nvSpPr>
+          <p:cNvPr id="8" name="TextBox 7">
+            <a:extLst>
+              <a:ext uri="{FF2B5EF4-FFF2-40B4-BE49-F238E27FC236}">
+                <a16:creationId xmlns:a16="http://schemas.microsoft.com/office/drawing/2014/main" id="{B4128EF8-508C-A84D-8346-1C063C5B1ECB}"/>
+              </a:ext>
+            </a:extLst>
+          </p:cNvPr>
+          <p:cNvSpPr txBox="1"/>
+          <p:nvPr/>
+        </p:nvSpPr>
+        <p:spPr>
+          <a:xfrm>
+            <a:off x="1889271" y="5916635"/>
+            <a:ext cx="5517857" cy="215444"/>
+          </a:xfrm>
+          <a:prstGeom prst="rect">
+            <a:avLst/>
+          </a:prstGeom>
+          <a:noFill/>
+        </p:spPr>
+        <p:txBody>
+          <a:bodyPr wrap="none" rtlCol="0">
+            <a:spAutoFit/>
+          </a:bodyPr>
+          <a:lstStyle/>
+          <a:p>
+            <a:r>
+              <a:rPr lang="en-US" sz="800" b="0" dirty="0"/>
+              <a:t>Retrieved on Sep 14, 2020 from https://</a:t>
+            </a:r>
+            <a:r>
+              <a:rPr lang="en-US" sz="800" b="0" dirty="0" err="1"/>
+              <a:t>www.akamai.com</a:t>
+            </a:r>
+            <a:r>
+              <a:rPr lang="en-US" sz="800" b="0" dirty="0"/>
+              <a:t>/us/</a:t>
+            </a:r>
+            <a:r>
+              <a:rPr lang="en-US" sz="800" b="0" dirty="0" err="1"/>
+              <a:t>en</a:t>
+            </a:r>
+            <a:r>
+              <a:rPr lang="en-US" sz="800" b="0" dirty="0"/>
+              <a:t>/resources/visualizing-akamai/media-delivery-</a:t>
+            </a:r>
+            <a:r>
+              <a:rPr lang="en-US" sz="800" b="0" dirty="0" err="1"/>
+              <a:t>map.jsp</a:t>
+            </a:r>
+            <a:endParaRPr lang="en-US" sz="800" b="0" dirty="0"/>
+          </a:p>
+        </p:txBody>
+      </p:sp>
     </p:spTree>
     <p:extLst>
       <p:ext uri="{BB962C8B-B14F-4D97-AF65-F5344CB8AC3E}">
-        <p14:creationId xmlns:p14="http://schemas.microsoft.com/office/powerpoint/2010/main" val="9079084"/>
+        <p14:creationId xmlns:p14="http://schemas.microsoft.com/office/powerpoint/2010/main" val="502352525"/>
       </p:ext>
     </p:extLst>
   </p:cSld>
@@ -38422,7 +38931,7 @@
       </p:grpSpPr>
       <p:sp>
         <p:nvSpPr>
-          <p:cNvPr id="7" name="Title 6"/>
+          <p:cNvPr id="2" name="Title 1"/>
           <p:cNvSpPr>
             <a:spLocks noGrp="1"/>
           </p:cNvSpPr>
@@ -38437,19 +38946,19 @@
           <a:p>
             <a:r>
               <a:rPr lang="en-US" dirty="0"/>
-              <a:t>DNS: Domain name system</a:t>
-            </a:r>
-          </a:p>
-        </p:txBody>
-      </p:sp>
-      <p:sp>
-        <p:nvSpPr>
-          <p:cNvPr id="8" name="Text Placeholder 7"/>
+              <a:t>Why direct clients to particular replicas?</a:t>
+            </a:r>
+          </a:p>
+        </p:txBody>
+      </p:sp>
+      <p:sp>
+        <p:nvSpPr>
+          <p:cNvPr id="3" name="Content Placeholder 2"/>
           <p:cNvSpPr>
             <a:spLocks noGrp="1"/>
           </p:cNvSpPr>
           <p:nvPr>
-            <p:ph type="body" idx="1"/>
+            <p:ph idx="1"/>
           </p:nvPr>
         </p:nvSpPr>
         <p:spPr/>
@@ -38457,7 +38966,16 @@
           <a:bodyPr/>
           <a:lstStyle/>
           <a:p>
-            <a:endParaRPr lang="en-US"/>
+            <a:r>
+              <a:rPr lang="en-US" dirty="0"/>
+              <a:t>Balancing load across server replicas</a:t>
+            </a:r>
+          </a:p>
+          <a:p>
+            <a:r>
+              <a:rPr lang="en-US" dirty="0"/>
+              <a:t>Pairing clients with nearby servers to decrease latency and overall bandwidth usage</a:t>
+            </a:r>
           </a:p>
         </p:txBody>
       </p:sp>
@@ -38538,7 +39056,7 @@
     </p:spTree>
     <p:extLst>
       <p:ext uri="{BB962C8B-B14F-4D97-AF65-F5344CB8AC3E}">
-        <p14:creationId xmlns:p14="http://schemas.microsoft.com/office/powerpoint/2010/main" val="2027691114"/>
+        <p14:creationId xmlns:p14="http://schemas.microsoft.com/office/powerpoint/2010/main" val="9079084"/>
       </p:ext>
     </p:extLst>
   </p:cSld>
